--- a/presentation/Directions 2025 Las Vegas - Harnessing Interfaces - build your own sales price engine.pptx
+++ b/presentation/Directions 2025 Las Vegas - Harnessing Interfaces - build your own sales price engine.pptx
@@ -19,18 +19,18 @@
     <p:sldId id="281" r:id="rId13"/>
     <p:sldId id="280" r:id="rId14"/>
     <p:sldId id="282" r:id="rId15"/>
-    <p:sldId id="274" r:id="rId16"/>
-    <p:sldId id="270" r:id="rId17"/>
-    <p:sldId id="266" r:id="rId18"/>
-    <p:sldId id="277" r:id="rId19"/>
-    <p:sldId id="278" r:id="rId20"/>
-    <p:sldId id="279" r:id="rId21"/>
-    <p:sldId id="272" r:id="rId22"/>
-    <p:sldId id="258" r:id="rId23"/>
-    <p:sldId id="283" r:id="rId24"/>
-    <p:sldId id="284" r:id="rId25"/>
-    <p:sldId id="285" r:id="rId26"/>
-    <p:sldId id="286" r:id="rId27"/>
+    <p:sldId id="270" r:id="rId16"/>
+    <p:sldId id="266" r:id="rId17"/>
+    <p:sldId id="277" r:id="rId18"/>
+    <p:sldId id="278" r:id="rId19"/>
+    <p:sldId id="279" r:id="rId20"/>
+    <p:sldId id="272" r:id="rId21"/>
+    <p:sldId id="258" r:id="rId22"/>
+    <p:sldId id="283" r:id="rId23"/>
+    <p:sldId id="284" r:id="rId24"/>
+    <p:sldId id="285" r:id="rId25"/>
+    <p:sldId id="286" r:id="rId26"/>
+    <p:sldId id="274" r:id="rId27"/>
   </p:sldIdLst>
   <p:sldSz cx="12192000" cy="6858000"/>
   <p:notesSz cx="6858000" cy="9144000"/>
@@ -140,262 +140,13 @@
 <file path=ppt/revisionInfo.xml><?xml version="1.0" encoding="utf-8"?>
 <p1510:revInfo xmlns:a="http://schemas.openxmlformats.org/drawingml/2006/main" xmlns:r="http://schemas.openxmlformats.org/officeDocument/2006/relationships" xmlns:p1510="http://schemas.microsoft.com/office/powerpoint/2015/10/main">
   <p1510:revLst>
-    <p1510:client id="{BB2F2B0C-A512-48B6-91CC-C10198E8DB89}" v="15" dt="2025-04-06T04:59:37.548"/>
+    <p1510:client id="{6EFE8D41-C88E-7E0F-4B23-0482FFEF4590}" v="18" dt="2025-04-08T20:35:01.300"/>
   </p1510:revLst>
 </p1510:revInfo>
 </file>
 
 <file path=ppt/changesInfos/changesInfo1.xml><?xml version="1.0" encoding="utf-8"?>
 <pc:chgInfo xmlns:a="http://schemas.openxmlformats.org/drawingml/2006/main" xmlns:r="http://schemas.openxmlformats.org/officeDocument/2006/relationships" xmlns:ac="http://schemas.microsoft.com/office/drawing/2013/main/command" xmlns:pc="http://schemas.microsoft.com/office/powerpoint/2013/main/command">
-  <pc:docChgLst>
-    <pc:chgData name="Virlan, Silviu" userId="S::e096791@mcgladrey.rsm.net::6fefc74f-bc2f-4045-87f6-51aba6fb3b6d" providerId="AD" clId="Web-{036DECB0-374A-2D83-0EAB-D3FB2408B241}"/>
-    <pc:docChg chg="delSld modSld sldOrd">
-      <pc:chgData name="Virlan, Silviu" userId="S::e096791@mcgladrey.rsm.net::6fefc74f-bc2f-4045-87f6-51aba6fb3b6d" providerId="AD" clId="Web-{036DECB0-374A-2D83-0EAB-D3FB2408B241}" dt="2025-04-06T19:50:43.481" v="924"/>
-      <pc:docMkLst>
-        <pc:docMk/>
-      </pc:docMkLst>
-      <pc:sldChg chg="modNotes">
-        <pc:chgData name="Virlan, Silviu" userId="S::e096791@mcgladrey.rsm.net::6fefc74f-bc2f-4045-87f6-51aba6fb3b6d" providerId="AD" clId="Web-{036DECB0-374A-2D83-0EAB-D3FB2408B241}" dt="2025-04-06T19:45:47.175" v="445"/>
-        <pc:sldMkLst>
-          <pc:docMk/>
-          <pc:sldMk cId="1905608702" sldId="264"/>
-        </pc:sldMkLst>
-      </pc:sldChg>
-      <pc:sldChg chg="modNotes">
-        <pc:chgData name="Virlan, Silviu" userId="S::e096791@mcgladrey.rsm.net::6fefc74f-bc2f-4045-87f6-51aba6fb3b6d" providerId="AD" clId="Web-{036DECB0-374A-2D83-0EAB-D3FB2408B241}" dt="2025-04-06T19:50:27.371" v="923"/>
-        <pc:sldMkLst>
-          <pc:docMk/>
-          <pc:sldMk cId="2059739701" sldId="266"/>
-        </pc:sldMkLst>
-      </pc:sldChg>
-      <pc:sldChg chg="modNotes">
-        <pc:chgData name="Virlan, Silviu" userId="S::e096791@mcgladrey.rsm.net::6fefc74f-bc2f-4045-87f6-51aba6fb3b6d" providerId="AD" clId="Web-{036DECB0-374A-2D83-0EAB-D3FB2408B241}" dt="2025-04-06T19:44:48.470" v="376"/>
-        <pc:sldMkLst>
-          <pc:docMk/>
-          <pc:sldMk cId="3758594674" sldId="267"/>
-        </pc:sldMkLst>
-      </pc:sldChg>
-      <pc:sldChg chg="modNotes">
-        <pc:chgData name="Virlan, Silviu" userId="S::e096791@mcgladrey.rsm.net::6fefc74f-bc2f-4045-87f6-51aba6fb3b6d" providerId="AD" clId="Web-{036DECB0-374A-2D83-0EAB-D3FB2408B241}" dt="2025-04-06T19:48:52.462" v="776"/>
-        <pc:sldMkLst>
-          <pc:docMk/>
-          <pc:sldMk cId="2676523016" sldId="270"/>
-        </pc:sldMkLst>
-      </pc:sldChg>
-      <pc:sldChg chg="ord">
-        <pc:chgData name="Virlan, Silviu" userId="S::e096791@mcgladrey.rsm.net::6fefc74f-bc2f-4045-87f6-51aba6fb3b6d" providerId="AD" clId="Web-{036DECB0-374A-2D83-0EAB-D3FB2408B241}" dt="2025-04-06T19:46:18.864" v="446"/>
-        <pc:sldMkLst>
-          <pc:docMk/>
-          <pc:sldMk cId="3065522584" sldId="274"/>
-        </pc:sldMkLst>
-      </pc:sldChg>
-      <pc:sldChg chg="del">
-        <pc:chgData name="Virlan, Silviu" userId="S::e096791@mcgladrey.rsm.net::6fefc74f-bc2f-4045-87f6-51aba6fb3b6d" providerId="AD" clId="Web-{036DECB0-374A-2D83-0EAB-D3FB2408B241}" dt="2025-04-06T19:50:43.481" v="924"/>
-        <pc:sldMkLst>
-          <pc:docMk/>
-          <pc:sldMk cId="3202316955" sldId="275"/>
-        </pc:sldMkLst>
-      </pc:sldChg>
-    </pc:docChg>
-  </pc:docChgLst>
-  <pc:docChgLst>
-    <pc:chgData name="Virlan, Silviu" userId="S::e096791@mcgladrey.rsm.net::6fefc74f-bc2f-4045-87f6-51aba6fb3b6d" providerId="AD" clId="Web-{045627B0-1C6F-BD65-CE54-C46B8BD4DCA5}"/>
-    <pc:docChg chg="delSld modSld sldOrd">
-      <pc:chgData name="Virlan, Silviu" userId="S::e096791@mcgladrey.rsm.net::6fefc74f-bc2f-4045-87f6-51aba6fb3b6d" providerId="AD" clId="Web-{045627B0-1C6F-BD65-CE54-C46B8BD4DCA5}" dt="2025-04-06T17:53:02.062" v="17" actId="20577"/>
-      <pc:docMkLst>
-        <pc:docMk/>
-      </pc:docMkLst>
-      <pc:sldChg chg="modSp modNotes">
-        <pc:chgData name="Virlan, Silviu" userId="S::e096791@mcgladrey.rsm.net::6fefc74f-bc2f-4045-87f6-51aba6fb3b6d" providerId="AD" clId="Web-{045627B0-1C6F-BD65-CE54-C46B8BD4DCA5}" dt="2025-04-06T17:53:02.062" v="17" actId="20577"/>
-        <pc:sldMkLst>
-          <pc:docMk/>
-          <pc:sldMk cId="1238501718" sldId="261"/>
-        </pc:sldMkLst>
-        <pc:spChg chg="mod">
-          <ac:chgData name="Virlan, Silviu" userId="S::e096791@mcgladrey.rsm.net::6fefc74f-bc2f-4045-87f6-51aba6fb3b6d" providerId="AD" clId="Web-{045627B0-1C6F-BD65-CE54-C46B8BD4DCA5}" dt="2025-04-06T17:53:02.062" v="17" actId="20577"/>
-          <ac:spMkLst>
-            <pc:docMk/>
-            <pc:sldMk cId="1238501718" sldId="261"/>
-            <ac:spMk id="3" creationId="{1D324DD0-9373-C8D6-6838-0498890BC93D}"/>
-          </ac:spMkLst>
-        </pc:spChg>
-      </pc:sldChg>
-      <pc:sldChg chg="ord">
-        <pc:chgData name="Virlan, Silviu" userId="S::e096791@mcgladrey.rsm.net::6fefc74f-bc2f-4045-87f6-51aba6fb3b6d" providerId="AD" clId="Web-{045627B0-1C6F-BD65-CE54-C46B8BD4DCA5}" dt="2025-04-06T17:40:06.716" v="8"/>
-        <pc:sldMkLst>
-          <pc:docMk/>
-          <pc:sldMk cId="3758594674" sldId="267"/>
-        </pc:sldMkLst>
-      </pc:sldChg>
-      <pc:sldChg chg="ord">
-        <pc:chgData name="Virlan, Silviu" userId="S::e096791@mcgladrey.rsm.net::6fefc74f-bc2f-4045-87f6-51aba6fb3b6d" providerId="AD" clId="Web-{045627B0-1C6F-BD65-CE54-C46B8BD4DCA5}" dt="2025-04-06T17:40:06.716" v="7"/>
-        <pc:sldMkLst>
-          <pc:docMk/>
-          <pc:sldMk cId="1991543187" sldId="268"/>
-        </pc:sldMkLst>
-      </pc:sldChg>
-      <pc:sldChg chg="del">
-        <pc:chgData name="Virlan, Silviu" userId="S::e096791@mcgladrey.rsm.net::6fefc74f-bc2f-4045-87f6-51aba6fb3b6d" providerId="AD" clId="Web-{045627B0-1C6F-BD65-CE54-C46B8BD4DCA5}" dt="2025-04-06T17:39:28.012" v="4"/>
-        <pc:sldMkLst>
-          <pc:docMk/>
-          <pc:sldMk cId="466842678" sldId="271"/>
-        </pc:sldMkLst>
-      </pc:sldChg>
-      <pc:sldChg chg="modNotes">
-        <pc:chgData name="Virlan, Silviu" userId="S::e096791@mcgladrey.rsm.net::6fefc74f-bc2f-4045-87f6-51aba6fb3b6d" providerId="AD" clId="Web-{045627B0-1C6F-BD65-CE54-C46B8BD4DCA5}" dt="2025-04-06T17:37:35.853" v="0"/>
-        <pc:sldMkLst>
-          <pc:docMk/>
-          <pc:sldMk cId="2821897208" sldId="277"/>
-        </pc:sldMkLst>
-      </pc:sldChg>
-      <pc:sldChg chg="modNotes">
-        <pc:chgData name="Virlan, Silviu" userId="S::e096791@mcgladrey.rsm.net::6fefc74f-bc2f-4045-87f6-51aba6fb3b6d" providerId="AD" clId="Web-{045627B0-1C6F-BD65-CE54-C46B8BD4DCA5}" dt="2025-04-06T17:37:46.275" v="1"/>
-        <pc:sldMkLst>
-          <pc:docMk/>
-          <pc:sldMk cId="2222472742" sldId="278"/>
-        </pc:sldMkLst>
-      </pc:sldChg>
-      <pc:sldChg chg="modNotes">
-        <pc:chgData name="Virlan, Silviu" userId="S::e096791@mcgladrey.rsm.net::6fefc74f-bc2f-4045-87f6-51aba6fb3b6d" providerId="AD" clId="Web-{045627B0-1C6F-BD65-CE54-C46B8BD4DCA5}" dt="2025-04-06T17:38:02.197" v="2"/>
-        <pc:sldMkLst>
-          <pc:docMk/>
-          <pc:sldMk cId="1501054062" sldId="279"/>
-        </pc:sldMkLst>
-      </pc:sldChg>
-    </pc:docChg>
-  </pc:docChgLst>
-  <pc:docChgLst>
-    <pc:chgData name="Virlan, Silviu" userId="S::e096791@mcgladrey.rsm.net::6fefc74f-bc2f-4045-87f6-51aba6fb3b6d" providerId="AD" clId="Web-{8794F6E2-1DC7-07E2-15CC-5A0F6495B74E}"/>
-    <pc:docChg chg="modSld">
-      <pc:chgData name="Virlan, Silviu" userId="S::e096791@mcgladrey.rsm.net::6fefc74f-bc2f-4045-87f6-51aba6fb3b6d" providerId="AD" clId="Web-{8794F6E2-1DC7-07E2-15CC-5A0F6495B74E}" dt="2025-04-07T09:34:24.028" v="279" actId="20577"/>
-      <pc:docMkLst>
-        <pc:docMk/>
-      </pc:docMkLst>
-      <pc:sldChg chg="modSp">
-        <pc:chgData name="Virlan, Silviu" userId="S::e096791@mcgladrey.rsm.net::6fefc74f-bc2f-4045-87f6-51aba6fb3b6d" providerId="AD" clId="Web-{8794F6E2-1DC7-07E2-15CC-5A0F6495B74E}" dt="2025-04-07T08:32:14.699" v="99" actId="14100"/>
-        <pc:sldMkLst>
-          <pc:docMk/>
-          <pc:sldMk cId="1548864380" sldId="257"/>
-        </pc:sldMkLst>
-        <pc:spChg chg="mod">
-          <ac:chgData name="Virlan, Silviu" userId="S::e096791@mcgladrey.rsm.net::6fefc74f-bc2f-4045-87f6-51aba6fb3b6d" providerId="AD" clId="Web-{8794F6E2-1DC7-07E2-15CC-5A0F6495B74E}" dt="2025-04-07T08:32:14.699" v="99" actId="14100"/>
-          <ac:spMkLst>
-            <pc:docMk/>
-            <pc:sldMk cId="1548864380" sldId="257"/>
-            <ac:spMk id="3" creationId="{9D0E7F24-B36A-4C3D-C061-CBAAD9C352C8}"/>
-          </ac:spMkLst>
-        </pc:spChg>
-      </pc:sldChg>
-      <pc:sldChg chg="modNotes">
-        <pc:chgData name="Virlan, Silviu" userId="S::e096791@mcgladrey.rsm.net::6fefc74f-bc2f-4045-87f6-51aba6fb3b6d" providerId="AD" clId="Web-{8794F6E2-1DC7-07E2-15CC-5A0F6495B74E}" dt="2025-04-07T08:39:21.635" v="270"/>
-        <pc:sldMkLst>
-          <pc:docMk/>
-          <pc:sldMk cId="2436901258" sldId="262"/>
-        </pc:sldMkLst>
-      </pc:sldChg>
-      <pc:sldChg chg="modSp">
-        <pc:chgData name="Virlan, Silviu" userId="S::e096791@mcgladrey.rsm.net::6fefc74f-bc2f-4045-87f6-51aba6fb3b6d" providerId="AD" clId="Web-{8794F6E2-1DC7-07E2-15CC-5A0F6495B74E}" dt="2025-04-07T09:17:07.649" v="277" actId="1076"/>
-        <pc:sldMkLst>
-          <pc:docMk/>
-          <pc:sldMk cId="1755846068" sldId="265"/>
-        </pc:sldMkLst>
-        <pc:spChg chg="mod">
-          <ac:chgData name="Virlan, Silviu" userId="S::e096791@mcgladrey.rsm.net::6fefc74f-bc2f-4045-87f6-51aba6fb3b6d" providerId="AD" clId="Web-{8794F6E2-1DC7-07E2-15CC-5A0F6495B74E}" dt="2025-04-07T09:17:04.539" v="276" actId="20577"/>
-          <ac:spMkLst>
-            <pc:docMk/>
-            <pc:sldMk cId="1755846068" sldId="265"/>
-            <ac:spMk id="7" creationId="{020C8A69-82A9-85D2-1A8E-048A31140450}"/>
-          </ac:spMkLst>
-        </pc:spChg>
-        <pc:picChg chg="mod">
-          <ac:chgData name="Virlan, Silviu" userId="S::e096791@mcgladrey.rsm.net::6fefc74f-bc2f-4045-87f6-51aba6fb3b6d" providerId="AD" clId="Web-{8794F6E2-1DC7-07E2-15CC-5A0F6495B74E}" dt="2025-04-07T09:17:07.649" v="277" actId="1076"/>
-          <ac:picMkLst>
-            <pc:docMk/>
-            <pc:sldMk cId="1755846068" sldId="265"/>
-            <ac:picMk id="4" creationId="{D27B1A1B-975E-F9A5-8293-6DAE51A2F242}"/>
-          </ac:picMkLst>
-        </pc:picChg>
-      </pc:sldChg>
-      <pc:sldChg chg="modSp">
-        <pc:chgData name="Virlan, Silviu" userId="S::e096791@mcgladrey.rsm.net::6fefc74f-bc2f-4045-87f6-51aba6fb3b6d" providerId="AD" clId="Web-{8794F6E2-1DC7-07E2-15CC-5A0F6495B74E}" dt="2025-04-07T08:49:23.988" v="274" actId="1076"/>
-        <pc:sldMkLst>
-          <pc:docMk/>
-          <pc:sldMk cId="3758594674" sldId="267"/>
-        </pc:sldMkLst>
-        <pc:picChg chg="mod">
-          <ac:chgData name="Virlan, Silviu" userId="S::e096791@mcgladrey.rsm.net::6fefc74f-bc2f-4045-87f6-51aba6fb3b6d" providerId="AD" clId="Web-{8794F6E2-1DC7-07E2-15CC-5A0F6495B74E}" dt="2025-04-07T08:49:23.988" v="274" actId="1076"/>
-          <ac:picMkLst>
-            <pc:docMk/>
-            <pc:sldMk cId="3758594674" sldId="267"/>
-            <ac:picMk id="5" creationId="{5AD8D75C-A3E3-40F9-5CA3-4203B08E646E}"/>
-          </ac:picMkLst>
-        </pc:picChg>
-      </pc:sldChg>
-      <pc:sldChg chg="modSp">
-        <pc:chgData name="Virlan, Silviu" userId="S::e096791@mcgladrey.rsm.net::6fefc74f-bc2f-4045-87f6-51aba6fb3b6d" providerId="AD" clId="Web-{8794F6E2-1DC7-07E2-15CC-5A0F6495B74E}" dt="2025-04-07T09:34:24.028" v="279" actId="20577"/>
-        <pc:sldMkLst>
-          <pc:docMk/>
-          <pc:sldMk cId="164747010" sldId="272"/>
-        </pc:sldMkLst>
-        <pc:spChg chg="mod">
-          <ac:chgData name="Virlan, Silviu" userId="S::e096791@mcgladrey.rsm.net::6fefc74f-bc2f-4045-87f6-51aba6fb3b6d" providerId="AD" clId="Web-{8794F6E2-1DC7-07E2-15CC-5A0F6495B74E}" dt="2025-04-07T09:34:24.028" v="279" actId="20577"/>
-          <ac:spMkLst>
-            <pc:docMk/>
-            <pc:sldMk cId="164747010" sldId="272"/>
-            <ac:spMk id="4" creationId="{08363095-42F3-52BE-CAB1-0CFB556C4CBA}"/>
-          </ac:spMkLst>
-        </pc:spChg>
-      </pc:sldChg>
-    </pc:docChg>
-  </pc:docChgLst>
-  <pc:docChgLst>
-    <pc:chgData name="Virlan, Silviu" userId="S::e096791@mcgladrey.rsm.net::6fefc74f-bc2f-4045-87f6-51aba6fb3b6d" providerId="AD" clId="Web-{38B7EDDB-6857-13BC-1F6E-CCF1E3DDA82A}"/>
-    <pc:docChg chg="modSld">
-      <pc:chgData name="Virlan, Silviu" userId="S::e096791@mcgladrey.rsm.net::6fefc74f-bc2f-4045-87f6-51aba6fb3b6d" providerId="AD" clId="Web-{38B7EDDB-6857-13BC-1F6E-CCF1E3DDA82A}" dt="2025-04-06T22:25:01.832" v="1" actId="20577"/>
-      <pc:docMkLst>
-        <pc:docMk/>
-      </pc:docMkLst>
-      <pc:sldChg chg="modSp">
-        <pc:chgData name="Virlan, Silviu" userId="S::e096791@mcgladrey.rsm.net::6fefc74f-bc2f-4045-87f6-51aba6fb3b6d" providerId="AD" clId="Web-{38B7EDDB-6857-13BC-1F6E-CCF1E3DDA82A}" dt="2025-04-06T22:25:01.832" v="1" actId="20577"/>
-        <pc:sldMkLst>
-          <pc:docMk/>
-          <pc:sldMk cId="164747010" sldId="272"/>
-        </pc:sldMkLst>
-        <pc:spChg chg="mod">
-          <ac:chgData name="Virlan, Silviu" userId="S::e096791@mcgladrey.rsm.net::6fefc74f-bc2f-4045-87f6-51aba6fb3b6d" providerId="AD" clId="Web-{38B7EDDB-6857-13BC-1F6E-CCF1E3DDA82A}" dt="2025-04-06T22:25:01.832" v="1" actId="20577"/>
-          <ac:spMkLst>
-            <pc:docMk/>
-            <pc:sldMk cId="164747010" sldId="272"/>
-            <ac:spMk id="4" creationId="{08363095-42F3-52BE-CAB1-0CFB556C4CBA}"/>
-          </ac:spMkLst>
-        </pc:spChg>
-      </pc:sldChg>
-    </pc:docChg>
-  </pc:docChgLst>
-  <pc:docChgLst>
-    <pc:chgData name="Virlan, Silviu" userId="S::e096791@mcgladrey.rsm.net::6fefc74f-bc2f-4045-87f6-51aba6fb3b6d" providerId="AD" clId="Web-{373718D6-CEBD-999F-7C35-42201C359D61}"/>
-    <pc:docChg chg="modSld">
-      <pc:chgData name="Virlan, Silviu" userId="S::e096791@mcgladrey.rsm.net::6fefc74f-bc2f-4045-87f6-51aba6fb3b6d" providerId="AD" clId="Web-{373718D6-CEBD-999F-7C35-42201C359D61}" dt="2025-04-06T17:21:59.628" v="1" actId="20577"/>
-      <pc:docMkLst>
-        <pc:docMk/>
-      </pc:docMkLst>
-      <pc:sldChg chg="modSp">
-        <pc:chgData name="Virlan, Silviu" userId="S::e096791@mcgladrey.rsm.net::6fefc74f-bc2f-4045-87f6-51aba6fb3b6d" providerId="AD" clId="Web-{373718D6-CEBD-999F-7C35-42201C359D61}" dt="2025-04-06T17:21:59.628" v="1" actId="20577"/>
-        <pc:sldMkLst>
-          <pc:docMk/>
-          <pc:sldMk cId="164747010" sldId="272"/>
-        </pc:sldMkLst>
-        <pc:spChg chg="mod">
-          <ac:chgData name="Virlan, Silviu" userId="S::e096791@mcgladrey.rsm.net::6fefc74f-bc2f-4045-87f6-51aba6fb3b6d" providerId="AD" clId="Web-{373718D6-CEBD-999F-7C35-42201C359D61}" dt="2025-04-06T17:21:59.628" v="1" actId="20577"/>
-          <ac:spMkLst>
-            <pc:docMk/>
-            <pc:sldMk cId="164747010" sldId="272"/>
-            <ac:spMk id="4" creationId="{08363095-42F3-52BE-CAB1-0CFB556C4CBA}"/>
-          </ac:spMkLst>
-        </pc:spChg>
-      </pc:sldChg>
-    </pc:docChg>
-  </pc:docChgLst>
   <pc:docChgLst>
     <pc:chgData name="Virlan, Silviu" userId="S::e096791@mcgladrey.rsm.net::6fefc74f-bc2f-4045-87f6-51aba6fb3b6d" providerId="AD" clId="Web-{44A54B4F-0D79-D793-CD0E-95A8F93EAF22}"/>
     <pc:docChg chg="addSld modSld sldOrd">
@@ -466,9 +217,114 @@
     </pc:docChg>
   </pc:docChgLst>
   <pc:docChgLst>
+    <pc:chgData name="Virlan, Silviu" userId="S::e096791@mcgladrey.rsm.net::6fefc74f-bc2f-4045-87f6-51aba6fb3b6d" providerId="AD" clId="Web-{6EFE8D41-C88E-7E0F-4B23-0482FFEF4590}"/>
+    <pc:docChg chg="modSld sldOrd">
+      <pc:chgData name="Virlan, Silviu" userId="S::e096791@mcgladrey.rsm.net::6fefc74f-bc2f-4045-87f6-51aba6fb3b6d" providerId="AD" clId="Web-{6EFE8D41-C88E-7E0F-4B23-0482FFEF4590}" dt="2025-04-08T20:35:01.300" v="12"/>
+      <pc:docMkLst>
+        <pc:docMk/>
+      </pc:docMkLst>
+      <pc:sldChg chg="delSp modSp">
+        <pc:chgData name="Virlan, Silviu" userId="S::e096791@mcgladrey.rsm.net::6fefc74f-bc2f-4045-87f6-51aba6fb3b6d" providerId="AD" clId="Web-{6EFE8D41-C88E-7E0F-4B23-0482FFEF4590}" dt="2025-04-08T19:58:37.277" v="10" actId="20577"/>
+        <pc:sldMkLst>
+          <pc:docMk/>
+          <pc:sldMk cId="1548864380" sldId="257"/>
+        </pc:sldMkLst>
+        <pc:spChg chg="mod">
+          <ac:chgData name="Virlan, Silviu" userId="S::e096791@mcgladrey.rsm.net::6fefc74f-bc2f-4045-87f6-51aba6fb3b6d" providerId="AD" clId="Web-{6EFE8D41-C88E-7E0F-4B23-0482FFEF4590}" dt="2025-04-08T19:58:37.277" v="10" actId="20577"/>
+          <ac:spMkLst>
+            <pc:docMk/>
+            <pc:sldMk cId="1548864380" sldId="257"/>
+            <ac:spMk id="3" creationId="{9D0E7F24-B36A-4C3D-C061-CBAAD9C352C8}"/>
+          </ac:spMkLst>
+        </pc:spChg>
+        <pc:picChg chg="del">
+          <ac:chgData name="Virlan, Silviu" userId="S::e096791@mcgladrey.rsm.net::6fefc74f-bc2f-4045-87f6-51aba6fb3b6d" providerId="AD" clId="Web-{6EFE8D41-C88E-7E0F-4B23-0482FFEF4590}" dt="2025-04-08T19:58:10.776" v="5"/>
+          <ac:picMkLst>
+            <pc:docMk/>
+            <pc:sldMk cId="1548864380" sldId="257"/>
+            <ac:picMk id="6" creationId="{FF16A137-BEDD-0F57-5BD7-AF05BB8D3F42}"/>
+          </ac:picMkLst>
+        </pc:picChg>
+      </pc:sldChg>
+      <pc:sldChg chg="modSp">
+        <pc:chgData name="Virlan, Silviu" userId="S::e096791@mcgladrey.rsm.net::6fefc74f-bc2f-4045-87f6-51aba6fb3b6d" providerId="AD" clId="Web-{6EFE8D41-C88E-7E0F-4B23-0482FFEF4590}" dt="2025-04-08T20:05:00.367" v="11" actId="1076"/>
+        <pc:sldMkLst>
+          <pc:docMk/>
+          <pc:sldMk cId="3758594674" sldId="267"/>
+        </pc:sldMkLst>
+        <pc:picChg chg="mod">
+          <ac:chgData name="Virlan, Silviu" userId="S::e096791@mcgladrey.rsm.net::6fefc74f-bc2f-4045-87f6-51aba6fb3b6d" providerId="AD" clId="Web-{6EFE8D41-C88E-7E0F-4B23-0482FFEF4590}" dt="2025-04-08T20:05:00.367" v="11" actId="1076"/>
+          <ac:picMkLst>
+            <pc:docMk/>
+            <pc:sldMk cId="3758594674" sldId="267"/>
+            <ac:picMk id="5" creationId="{5AD8D75C-A3E3-40F9-5CA3-4203B08E646E}"/>
+          </ac:picMkLst>
+        </pc:picChg>
+      </pc:sldChg>
+      <pc:sldChg chg="ord">
+        <pc:chgData name="Virlan, Silviu" userId="S::e096791@mcgladrey.rsm.net::6fefc74f-bc2f-4045-87f6-51aba6fb3b6d" providerId="AD" clId="Web-{6EFE8D41-C88E-7E0F-4B23-0482FFEF4590}" dt="2025-04-08T20:35:01.300" v="12"/>
+        <pc:sldMkLst>
+          <pc:docMk/>
+          <pc:sldMk cId="3065522584" sldId="274"/>
+        </pc:sldMkLst>
+      </pc:sldChg>
+    </pc:docChg>
+  </pc:docChgLst>
+  <pc:docChgLst>
+    <pc:chgData name="Virlan, Silviu" userId="S::e096791@mcgladrey.rsm.net::6fefc74f-bc2f-4045-87f6-51aba6fb3b6d" providerId="AD" clId="Web-{036DECB0-374A-2D83-0EAB-D3FB2408B241}"/>
+    <pc:docChg chg="delSld modSld sldOrd">
+      <pc:chgData name="Virlan, Silviu" userId="S::e096791@mcgladrey.rsm.net::6fefc74f-bc2f-4045-87f6-51aba6fb3b6d" providerId="AD" clId="Web-{036DECB0-374A-2D83-0EAB-D3FB2408B241}" dt="2025-04-06T19:50:43.481" v="924"/>
+      <pc:docMkLst>
+        <pc:docMk/>
+      </pc:docMkLst>
+      <pc:sldChg chg="modNotes">
+        <pc:chgData name="Virlan, Silviu" userId="S::e096791@mcgladrey.rsm.net::6fefc74f-bc2f-4045-87f6-51aba6fb3b6d" providerId="AD" clId="Web-{036DECB0-374A-2D83-0EAB-D3FB2408B241}" dt="2025-04-06T19:45:47.175" v="445"/>
+        <pc:sldMkLst>
+          <pc:docMk/>
+          <pc:sldMk cId="1905608702" sldId="264"/>
+        </pc:sldMkLst>
+      </pc:sldChg>
+      <pc:sldChg chg="modNotes">
+        <pc:chgData name="Virlan, Silviu" userId="S::e096791@mcgladrey.rsm.net::6fefc74f-bc2f-4045-87f6-51aba6fb3b6d" providerId="AD" clId="Web-{036DECB0-374A-2D83-0EAB-D3FB2408B241}" dt="2025-04-06T19:50:27.371" v="923"/>
+        <pc:sldMkLst>
+          <pc:docMk/>
+          <pc:sldMk cId="2059739701" sldId="266"/>
+        </pc:sldMkLst>
+      </pc:sldChg>
+      <pc:sldChg chg="modNotes">
+        <pc:chgData name="Virlan, Silviu" userId="S::e096791@mcgladrey.rsm.net::6fefc74f-bc2f-4045-87f6-51aba6fb3b6d" providerId="AD" clId="Web-{036DECB0-374A-2D83-0EAB-D3FB2408B241}" dt="2025-04-06T19:44:48.470" v="376"/>
+        <pc:sldMkLst>
+          <pc:docMk/>
+          <pc:sldMk cId="3758594674" sldId="267"/>
+        </pc:sldMkLst>
+      </pc:sldChg>
+      <pc:sldChg chg="modNotes">
+        <pc:chgData name="Virlan, Silviu" userId="S::e096791@mcgladrey.rsm.net::6fefc74f-bc2f-4045-87f6-51aba6fb3b6d" providerId="AD" clId="Web-{036DECB0-374A-2D83-0EAB-D3FB2408B241}" dt="2025-04-06T19:48:52.462" v="776"/>
+        <pc:sldMkLst>
+          <pc:docMk/>
+          <pc:sldMk cId="2676523016" sldId="270"/>
+        </pc:sldMkLst>
+      </pc:sldChg>
+      <pc:sldChg chg="ord">
+        <pc:chgData name="Virlan, Silviu" userId="S::e096791@mcgladrey.rsm.net::6fefc74f-bc2f-4045-87f6-51aba6fb3b6d" providerId="AD" clId="Web-{036DECB0-374A-2D83-0EAB-D3FB2408B241}" dt="2025-04-06T19:46:18.864" v="446"/>
+        <pc:sldMkLst>
+          <pc:docMk/>
+          <pc:sldMk cId="3065522584" sldId="274"/>
+        </pc:sldMkLst>
+      </pc:sldChg>
+      <pc:sldChg chg="del">
+        <pc:chgData name="Virlan, Silviu" userId="S::e096791@mcgladrey.rsm.net::6fefc74f-bc2f-4045-87f6-51aba6fb3b6d" providerId="AD" clId="Web-{036DECB0-374A-2D83-0EAB-D3FB2408B241}" dt="2025-04-06T19:50:43.481" v="924"/>
+        <pc:sldMkLst>
+          <pc:docMk/>
+          <pc:sldMk cId="3202316955" sldId="275"/>
+        </pc:sldMkLst>
+      </pc:sldChg>
+    </pc:docChg>
+  </pc:docChgLst>
+  <pc:docChgLst>
     <pc:chgData name="Landeen, Jeff" userId="e6e38285-2b87-456c-af0f-8edea16bd2c8" providerId="ADAL" clId="{BB2F2B0C-A512-48B6-91CC-C10198E8DB89}"/>
     <pc:docChg chg="undo custSel addSld delSld modSld sldOrd">
-      <pc:chgData name="Landeen, Jeff" userId="e6e38285-2b87-456c-af0f-8edea16bd2c8" providerId="ADAL" clId="{BB2F2B0C-A512-48B6-91CC-C10198E8DB89}" dt="2025-04-08T19:04:42.869" v="4857" actId="1035"/>
+      <pc:chgData name="Landeen, Jeff" userId="e6e38285-2b87-456c-af0f-8edea16bd2c8" providerId="ADAL" clId="{BB2F2B0C-A512-48B6-91CC-C10198E8DB89}" dt="2025-04-08T21:12:12.337" v="4876" actId="14100"/>
       <pc:docMkLst>
         <pc:docMk/>
       </pc:docMkLst>
@@ -500,6 +356,37 @@
             <pc:docMk/>
             <pc:sldMk cId="1548864380" sldId="257"/>
             <ac:picMk id="10" creationId="{EFFC1382-C49C-4DF7-03CD-3FF7EB721514}"/>
+          </ac:picMkLst>
+        </pc:picChg>
+      </pc:sldChg>
+      <pc:sldChg chg="addSp delSp modSp mod modNotesTx">
+        <pc:chgData name="Landeen, Jeff" userId="e6e38285-2b87-456c-af0f-8edea16bd2c8" providerId="ADAL" clId="{BB2F2B0C-A512-48B6-91CC-C10198E8DB89}" dt="2025-04-08T21:12:12.337" v="4876" actId="14100"/>
+        <pc:sldMkLst>
+          <pc:docMk/>
+          <pc:sldMk cId="2430539357" sldId="258"/>
+        </pc:sldMkLst>
+        <pc:spChg chg="mod">
+          <ac:chgData name="Landeen, Jeff" userId="e6e38285-2b87-456c-af0f-8edea16bd2c8" providerId="ADAL" clId="{BB2F2B0C-A512-48B6-91CC-C10198E8DB89}" dt="2025-04-08T21:12:12.337" v="4876" actId="14100"/>
+          <ac:spMkLst>
+            <pc:docMk/>
+            <pc:sldMk cId="2430539357" sldId="258"/>
+            <ac:spMk id="4" creationId="{00000000-0000-0000-0000-000000000000}"/>
+          </ac:spMkLst>
+        </pc:spChg>
+        <pc:spChg chg="del">
+          <ac:chgData name="Landeen, Jeff" userId="e6e38285-2b87-456c-af0f-8edea16bd2c8" providerId="ADAL" clId="{BB2F2B0C-A512-48B6-91CC-C10198E8DB89}" dt="2025-04-08T21:11:01.438" v="4858" actId="21"/>
+          <ac:spMkLst>
+            <pc:docMk/>
+            <pc:sldMk cId="2430539357" sldId="258"/>
+            <ac:spMk id="5" creationId="{00000000-0000-0000-0000-000000000000}"/>
+          </ac:spMkLst>
+        </pc:spChg>
+        <pc:picChg chg="add mod">
+          <ac:chgData name="Landeen, Jeff" userId="e6e38285-2b87-456c-af0f-8edea16bd2c8" providerId="ADAL" clId="{BB2F2B0C-A512-48B6-91CC-C10198E8DB89}" dt="2025-04-08T21:11:22.478" v="4863" actId="1076"/>
+          <ac:picMkLst>
+            <pc:docMk/>
+            <pc:sldMk cId="2430539357" sldId="258"/>
+            <ac:picMk id="3" creationId="{D02CEE3B-7C42-A624-8FFA-D878A83DCF25}"/>
           </ac:picMkLst>
         </pc:picChg>
       </pc:sldChg>
@@ -939,6 +826,204 @@
             <pc:docMk/>
             <pc:sldMk cId="1639766501" sldId="282"/>
             <ac:spMk id="2" creationId="{75AC5BDB-C020-6CB2-B7A6-B3DD78BD54E0}"/>
+          </ac:spMkLst>
+        </pc:spChg>
+      </pc:sldChg>
+    </pc:docChg>
+  </pc:docChgLst>
+  <pc:docChgLst>
+    <pc:chgData name="Virlan, Silviu" userId="S::e096791@mcgladrey.rsm.net::6fefc74f-bc2f-4045-87f6-51aba6fb3b6d" providerId="AD" clId="Web-{373718D6-CEBD-999F-7C35-42201C359D61}"/>
+    <pc:docChg chg="modSld">
+      <pc:chgData name="Virlan, Silviu" userId="S::e096791@mcgladrey.rsm.net::6fefc74f-bc2f-4045-87f6-51aba6fb3b6d" providerId="AD" clId="Web-{373718D6-CEBD-999F-7C35-42201C359D61}" dt="2025-04-06T17:21:59.628" v="1" actId="20577"/>
+      <pc:docMkLst>
+        <pc:docMk/>
+      </pc:docMkLst>
+      <pc:sldChg chg="modSp">
+        <pc:chgData name="Virlan, Silviu" userId="S::e096791@mcgladrey.rsm.net::6fefc74f-bc2f-4045-87f6-51aba6fb3b6d" providerId="AD" clId="Web-{373718D6-CEBD-999F-7C35-42201C359D61}" dt="2025-04-06T17:21:59.628" v="1" actId="20577"/>
+        <pc:sldMkLst>
+          <pc:docMk/>
+          <pc:sldMk cId="164747010" sldId="272"/>
+        </pc:sldMkLst>
+        <pc:spChg chg="mod">
+          <ac:chgData name="Virlan, Silviu" userId="S::e096791@mcgladrey.rsm.net::6fefc74f-bc2f-4045-87f6-51aba6fb3b6d" providerId="AD" clId="Web-{373718D6-CEBD-999F-7C35-42201C359D61}" dt="2025-04-06T17:21:59.628" v="1" actId="20577"/>
+          <ac:spMkLst>
+            <pc:docMk/>
+            <pc:sldMk cId="164747010" sldId="272"/>
+            <ac:spMk id="4" creationId="{08363095-42F3-52BE-CAB1-0CFB556C4CBA}"/>
+          </ac:spMkLst>
+        </pc:spChg>
+      </pc:sldChg>
+    </pc:docChg>
+  </pc:docChgLst>
+  <pc:docChgLst>
+    <pc:chgData name="Virlan, Silviu" userId="S::e096791@mcgladrey.rsm.net::6fefc74f-bc2f-4045-87f6-51aba6fb3b6d" providerId="AD" clId="Web-{38B7EDDB-6857-13BC-1F6E-CCF1E3DDA82A}"/>
+    <pc:docChg chg="modSld">
+      <pc:chgData name="Virlan, Silviu" userId="S::e096791@mcgladrey.rsm.net::6fefc74f-bc2f-4045-87f6-51aba6fb3b6d" providerId="AD" clId="Web-{38B7EDDB-6857-13BC-1F6E-CCF1E3DDA82A}" dt="2025-04-06T22:25:01.832" v="1" actId="20577"/>
+      <pc:docMkLst>
+        <pc:docMk/>
+      </pc:docMkLst>
+      <pc:sldChg chg="modSp">
+        <pc:chgData name="Virlan, Silviu" userId="S::e096791@mcgladrey.rsm.net::6fefc74f-bc2f-4045-87f6-51aba6fb3b6d" providerId="AD" clId="Web-{38B7EDDB-6857-13BC-1F6E-CCF1E3DDA82A}" dt="2025-04-06T22:25:01.832" v="1" actId="20577"/>
+        <pc:sldMkLst>
+          <pc:docMk/>
+          <pc:sldMk cId="164747010" sldId="272"/>
+        </pc:sldMkLst>
+        <pc:spChg chg="mod">
+          <ac:chgData name="Virlan, Silviu" userId="S::e096791@mcgladrey.rsm.net::6fefc74f-bc2f-4045-87f6-51aba6fb3b6d" providerId="AD" clId="Web-{38B7EDDB-6857-13BC-1F6E-CCF1E3DDA82A}" dt="2025-04-06T22:25:01.832" v="1" actId="20577"/>
+          <ac:spMkLst>
+            <pc:docMk/>
+            <pc:sldMk cId="164747010" sldId="272"/>
+            <ac:spMk id="4" creationId="{08363095-42F3-52BE-CAB1-0CFB556C4CBA}"/>
+          </ac:spMkLst>
+        </pc:spChg>
+      </pc:sldChg>
+    </pc:docChg>
+  </pc:docChgLst>
+  <pc:docChgLst>
+    <pc:chgData name="Virlan, Silviu" userId="S::e096791@mcgladrey.rsm.net::6fefc74f-bc2f-4045-87f6-51aba6fb3b6d" providerId="AD" clId="Web-{045627B0-1C6F-BD65-CE54-C46B8BD4DCA5}"/>
+    <pc:docChg chg="delSld modSld sldOrd">
+      <pc:chgData name="Virlan, Silviu" userId="S::e096791@mcgladrey.rsm.net::6fefc74f-bc2f-4045-87f6-51aba6fb3b6d" providerId="AD" clId="Web-{045627B0-1C6F-BD65-CE54-C46B8BD4DCA5}" dt="2025-04-06T17:53:02.062" v="17" actId="20577"/>
+      <pc:docMkLst>
+        <pc:docMk/>
+      </pc:docMkLst>
+      <pc:sldChg chg="modSp modNotes">
+        <pc:chgData name="Virlan, Silviu" userId="S::e096791@mcgladrey.rsm.net::6fefc74f-bc2f-4045-87f6-51aba6fb3b6d" providerId="AD" clId="Web-{045627B0-1C6F-BD65-CE54-C46B8BD4DCA5}" dt="2025-04-06T17:53:02.062" v="17" actId="20577"/>
+        <pc:sldMkLst>
+          <pc:docMk/>
+          <pc:sldMk cId="1238501718" sldId="261"/>
+        </pc:sldMkLst>
+        <pc:spChg chg="mod">
+          <ac:chgData name="Virlan, Silviu" userId="S::e096791@mcgladrey.rsm.net::6fefc74f-bc2f-4045-87f6-51aba6fb3b6d" providerId="AD" clId="Web-{045627B0-1C6F-BD65-CE54-C46B8BD4DCA5}" dt="2025-04-06T17:53:02.062" v="17" actId="20577"/>
+          <ac:spMkLst>
+            <pc:docMk/>
+            <pc:sldMk cId="1238501718" sldId="261"/>
+            <ac:spMk id="3" creationId="{1D324DD0-9373-C8D6-6838-0498890BC93D}"/>
+          </ac:spMkLst>
+        </pc:spChg>
+      </pc:sldChg>
+      <pc:sldChg chg="ord">
+        <pc:chgData name="Virlan, Silviu" userId="S::e096791@mcgladrey.rsm.net::6fefc74f-bc2f-4045-87f6-51aba6fb3b6d" providerId="AD" clId="Web-{045627B0-1C6F-BD65-CE54-C46B8BD4DCA5}" dt="2025-04-06T17:40:06.716" v="8"/>
+        <pc:sldMkLst>
+          <pc:docMk/>
+          <pc:sldMk cId="3758594674" sldId="267"/>
+        </pc:sldMkLst>
+      </pc:sldChg>
+      <pc:sldChg chg="ord">
+        <pc:chgData name="Virlan, Silviu" userId="S::e096791@mcgladrey.rsm.net::6fefc74f-bc2f-4045-87f6-51aba6fb3b6d" providerId="AD" clId="Web-{045627B0-1C6F-BD65-CE54-C46B8BD4DCA5}" dt="2025-04-06T17:40:06.716" v="7"/>
+        <pc:sldMkLst>
+          <pc:docMk/>
+          <pc:sldMk cId="1991543187" sldId="268"/>
+        </pc:sldMkLst>
+      </pc:sldChg>
+      <pc:sldChg chg="del">
+        <pc:chgData name="Virlan, Silviu" userId="S::e096791@mcgladrey.rsm.net::6fefc74f-bc2f-4045-87f6-51aba6fb3b6d" providerId="AD" clId="Web-{045627B0-1C6F-BD65-CE54-C46B8BD4DCA5}" dt="2025-04-06T17:39:28.012" v="4"/>
+        <pc:sldMkLst>
+          <pc:docMk/>
+          <pc:sldMk cId="466842678" sldId="271"/>
+        </pc:sldMkLst>
+      </pc:sldChg>
+      <pc:sldChg chg="modNotes">
+        <pc:chgData name="Virlan, Silviu" userId="S::e096791@mcgladrey.rsm.net::6fefc74f-bc2f-4045-87f6-51aba6fb3b6d" providerId="AD" clId="Web-{045627B0-1C6F-BD65-CE54-C46B8BD4DCA5}" dt="2025-04-06T17:37:35.853" v="0"/>
+        <pc:sldMkLst>
+          <pc:docMk/>
+          <pc:sldMk cId="2821897208" sldId="277"/>
+        </pc:sldMkLst>
+      </pc:sldChg>
+      <pc:sldChg chg="modNotes">
+        <pc:chgData name="Virlan, Silviu" userId="S::e096791@mcgladrey.rsm.net::6fefc74f-bc2f-4045-87f6-51aba6fb3b6d" providerId="AD" clId="Web-{045627B0-1C6F-BD65-CE54-C46B8BD4DCA5}" dt="2025-04-06T17:37:46.275" v="1"/>
+        <pc:sldMkLst>
+          <pc:docMk/>
+          <pc:sldMk cId="2222472742" sldId="278"/>
+        </pc:sldMkLst>
+      </pc:sldChg>
+      <pc:sldChg chg="modNotes">
+        <pc:chgData name="Virlan, Silviu" userId="S::e096791@mcgladrey.rsm.net::6fefc74f-bc2f-4045-87f6-51aba6fb3b6d" providerId="AD" clId="Web-{045627B0-1C6F-BD65-CE54-C46B8BD4DCA5}" dt="2025-04-06T17:38:02.197" v="2"/>
+        <pc:sldMkLst>
+          <pc:docMk/>
+          <pc:sldMk cId="1501054062" sldId="279"/>
+        </pc:sldMkLst>
+      </pc:sldChg>
+    </pc:docChg>
+  </pc:docChgLst>
+  <pc:docChgLst>
+    <pc:chgData name="Virlan, Silviu" userId="S::e096791@mcgladrey.rsm.net::6fefc74f-bc2f-4045-87f6-51aba6fb3b6d" providerId="AD" clId="Web-{8794F6E2-1DC7-07E2-15CC-5A0F6495B74E}"/>
+    <pc:docChg chg="modSld">
+      <pc:chgData name="Virlan, Silviu" userId="S::e096791@mcgladrey.rsm.net::6fefc74f-bc2f-4045-87f6-51aba6fb3b6d" providerId="AD" clId="Web-{8794F6E2-1DC7-07E2-15CC-5A0F6495B74E}" dt="2025-04-07T09:34:24.028" v="279" actId="20577"/>
+      <pc:docMkLst>
+        <pc:docMk/>
+      </pc:docMkLst>
+      <pc:sldChg chg="modSp">
+        <pc:chgData name="Virlan, Silviu" userId="S::e096791@mcgladrey.rsm.net::6fefc74f-bc2f-4045-87f6-51aba6fb3b6d" providerId="AD" clId="Web-{8794F6E2-1DC7-07E2-15CC-5A0F6495B74E}" dt="2025-04-07T08:32:14.699" v="99" actId="14100"/>
+        <pc:sldMkLst>
+          <pc:docMk/>
+          <pc:sldMk cId="1548864380" sldId="257"/>
+        </pc:sldMkLst>
+        <pc:spChg chg="mod">
+          <ac:chgData name="Virlan, Silviu" userId="S::e096791@mcgladrey.rsm.net::6fefc74f-bc2f-4045-87f6-51aba6fb3b6d" providerId="AD" clId="Web-{8794F6E2-1DC7-07E2-15CC-5A0F6495B74E}" dt="2025-04-07T08:32:14.699" v="99" actId="14100"/>
+          <ac:spMkLst>
+            <pc:docMk/>
+            <pc:sldMk cId="1548864380" sldId="257"/>
+            <ac:spMk id="3" creationId="{9D0E7F24-B36A-4C3D-C061-CBAAD9C352C8}"/>
+          </ac:spMkLst>
+        </pc:spChg>
+      </pc:sldChg>
+      <pc:sldChg chg="modNotes">
+        <pc:chgData name="Virlan, Silviu" userId="S::e096791@mcgladrey.rsm.net::6fefc74f-bc2f-4045-87f6-51aba6fb3b6d" providerId="AD" clId="Web-{8794F6E2-1DC7-07E2-15CC-5A0F6495B74E}" dt="2025-04-07T08:39:21.635" v="270"/>
+        <pc:sldMkLst>
+          <pc:docMk/>
+          <pc:sldMk cId="2436901258" sldId="262"/>
+        </pc:sldMkLst>
+      </pc:sldChg>
+      <pc:sldChg chg="modSp">
+        <pc:chgData name="Virlan, Silviu" userId="S::e096791@mcgladrey.rsm.net::6fefc74f-bc2f-4045-87f6-51aba6fb3b6d" providerId="AD" clId="Web-{8794F6E2-1DC7-07E2-15CC-5A0F6495B74E}" dt="2025-04-07T09:17:07.649" v="277" actId="1076"/>
+        <pc:sldMkLst>
+          <pc:docMk/>
+          <pc:sldMk cId="1755846068" sldId="265"/>
+        </pc:sldMkLst>
+        <pc:spChg chg="mod">
+          <ac:chgData name="Virlan, Silviu" userId="S::e096791@mcgladrey.rsm.net::6fefc74f-bc2f-4045-87f6-51aba6fb3b6d" providerId="AD" clId="Web-{8794F6E2-1DC7-07E2-15CC-5A0F6495B74E}" dt="2025-04-07T09:17:04.539" v="276" actId="20577"/>
+          <ac:spMkLst>
+            <pc:docMk/>
+            <pc:sldMk cId="1755846068" sldId="265"/>
+            <ac:spMk id="7" creationId="{020C8A69-82A9-85D2-1A8E-048A31140450}"/>
+          </ac:spMkLst>
+        </pc:spChg>
+        <pc:picChg chg="mod">
+          <ac:chgData name="Virlan, Silviu" userId="S::e096791@mcgladrey.rsm.net::6fefc74f-bc2f-4045-87f6-51aba6fb3b6d" providerId="AD" clId="Web-{8794F6E2-1DC7-07E2-15CC-5A0F6495B74E}" dt="2025-04-07T09:17:07.649" v="277" actId="1076"/>
+          <ac:picMkLst>
+            <pc:docMk/>
+            <pc:sldMk cId="1755846068" sldId="265"/>
+            <ac:picMk id="4" creationId="{D27B1A1B-975E-F9A5-8293-6DAE51A2F242}"/>
+          </ac:picMkLst>
+        </pc:picChg>
+      </pc:sldChg>
+      <pc:sldChg chg="modSp">
+        <pc:chgData name="Virlan, Silviu" userId="S::e096791@mcgladrey.rsm.net::6fefc74f-bc2f-4045-87f6-51aba6fb3b6d" providerId="AD" clId="Web-{8794F6E2-1DC7-07E2-15CC-5A0F6495B74E}" dt="2025-04-07T08:49:23.988" v="274" actId="1076"/>
+        <pc:sldMkLst>
+          <pc:docMk/>
+          <pc:sldMk cId="3758594674" sldId="267"/>
+        </pc:sldMkLst>
+        <pc:picChg chg="mod">
+          <ac:chgData name="Virlan, Silviu" userId="S::e096791@mcgladrey.rsm.net::6fefc74f-bc2f-4045-87f6-51aba6fb3b6d" providerId="AD" clId="Web-{8794F6E2-1DC7-07E2-15CC-5A0F6495B74E}" dt="2025-04-07T08:49:23.988" v="274" actId="1076"/>
+          <ac:picMkLst>
+            <pc:docMk/>
+            <pc:sldMk cId="3758594674" sldId="267"/>
+            <ac:picMk id="5" creationId="{5AD8D75C-A3E3-40F9-5CA3-4203B08E646E}"/>
+          </ac:picMkLst>
+        </pc:picChg>
+      </pc:sldChg>
+      <pc:sldChg chg="modSp">
+        <pc:chgData name="Virlan, Silviu" userId="S::e096791@mcgladrey.rsm.net::6fefc74f-bc2f-4045-87f6-51aba6fb3b6d" providerId="AD" clId="Web-{8794F6E2-1DC7-07E2-15CC-5A0F6495B74E}" dt="2025-04-07T09:34:24.028" v="279" actId="20577"/>
+        <pc:sldMkLst>
+          <pc:docMk/>
+          <pc:sldMk cId="164747010" sldId="272"/>
+        </pc:sldMkLst>
+        <pc:spChg chg="mod">
+          <ac:chgData name="Virlan, Silviu" userId="S::e096791@mcgladrey.rsm.net::6fefc74f-bc2f-4045-87f6-51aba6fb3b6d" providerId="AD" clId="Web-{8794F6E2-1DC7-07E2-15CC-5A0F6495B74E}" dt="2025-04-07T09:34:24.028" v="279" actId="20577"/>
+          <ac:spMkLst>
+            <pc:docMk/>
+            <pc:sldMk cId="164747010" sldId="272"/>
+            <ac:spMk id="4" creationId="{08363095-42F3-52BE-CAB1-0CFB556C4CBA}"/>
           </ac:spMkLst>
         </pc:spChg>
       </pc:sldChg>
@@ -4225,7 +4310,7 @@
           <a:lstStyle/>
           <a:p>
             <a:r>
-              <a:rPr lang="en-US" dirty="0">
+              <a:rPr lang="en-US">
                 <a:latin typeface="Calibri"/>
                 <a:ea typeface="Calibri"/>
                 <a:cs typeface="Calibri"/>
@@ -4316,8 +4401,86 @@
           <a:lstStyle/>
           <a:p>
             <a:r>
-              <a:rPr lang="en-US" dirty="0"/>
+              <a:rPr lang="en-US"/>
               <a:t>SILVIU</a:t>
+            </a:r>
+          </a:p>
+          <a:p>
+            <a:r>
+              <a:rPr lang="en-US">
+                <a:latin typeface="Calibri"/>
+                <a:ea typeface="Calibri"/>
+                <a:cs typeface="Calibri"/>
+              </a:rPr>
+              <a:t>We discussed about one example of a completely new interface, the </a:t>
+            </a:r>
+            <a:r>
+              <a:rPr lang="en-US" err="1">
+                <a:latin typeface="Calibri"/>
+                <a:ea typeface="Calibri"/>
+                <a:cs typeface="Calibri"/>
+              </a:rPr>
+              <a:t>IProcessor</a:t>
+            </a:r>
+            <a:r>
+              <a:rPr lang="en-US">
+                <a:latin typeface="Calibri"/>
+                <a:ea typeface="Calibri"/>
+                <a:cs typeface="Calibri"/>
+              </a:rPr>
+              <a:t> interface for which we shown 3 </a:t>
+            </a:r>
+            <a:r>
+              <a:rPr lang="en-US" err="1">
+                <a:latin typeface="Calibri"/>
+                <a:ea typeface="Calibri"/>
+                <a:cs typeface="Calibri"/>
+              </a:rPr>
+              <a:t>codeunits</a:t>
+            </a:r>
+            <a:r>
+              <a:rPr lang="en-US">
+                <a:latin typeface="Calibri"/>
+                <a:ea typeface="Calibri"/>
+                <a:cs typeface="Calibri"/>
+              </a:rPr>
+              <a:t> that implement it.</a:t>
+            </a:r>
+          </a:p>
+          <a:p>
+            <a:r>
+              <a:rPr lang="en-US">
+                <a:latin typeface="Calibri"/>
+                <a:ea typeface="Calibri"/>
+                <a:cs typeface="Calibri"/>
+              </a:rPr>
+              <a:t>We also saw how we can expand on existing in Base App interfaces via the sales pricing interface.</a:t>
+            </a:r>
+          </a:p>
+          <a:p>
+            <a:r>
+              <a:rPr lang="en-US">
+                <a:latin typeface="Calibri"/>
+                <a:ea typeface="Calibri"/>
+                <a:cs typeface="Calibri"/>
+              </a:rPr>
+              <a:t>The next example is about leveraging Microsoft interfaces in System Application, more </a:t>
+            </a:r>
+            <a:r>
+              <a:rPr lang="en-US" err="1">
+                <a:latin typeface="Calibri"/>
+                <a:ea typeface="Calibri"/>
+                <a:cs typeface="Calibri"/>
+              </a:rPr>
+              <a:t>precisly</a:t>
+            </a:r>
+            <a:r>
+              <a:rPr lang="en-US">
+                <a:latin typeface="Calibri"/>
+                <a:ea typeface="Calibri"/>
+                <a:cs typeface="Calibri"/>
+              </a:rPr>
+              <a:t> about Retention Policies interfaces.</a:t>
             </a:r>
           </a:p>
         </p:txBody>
@@ -4348,7 +4511,7 @@
     </p:spTree>
     <p:extLst>
       <p:ext uri="{BB962C8B-B14F-4D97-AF65-F5344CB8AC3E}">
-        <p14:creationId xmlns:p14="http://schemas.microsoft.com/office/powerpoint/2010/main" val="3575560555"/>
+        <p14:creationId xmlns:p14="http://schemas.microsoft.com/office/powerpoint/2010/main" val="1099502673"/>
       </p:ext>
     </p:extLst>
   </p:cSld>
@@ -4403,86 +4566,54 @@
           <a:lstStyle/>
           <a:p>
             <a:r>
-              <a:rPr lang="en-US" dirty="0"/>
-              <a:t>SILVIU</a:t>
-            </a:r>
-          </a:p>
-          <a:p>
-            <a:r>
-              <a:rPr lang="en-US" dirty="0">
+              <a:rPr lang="en-US">
                 <a:latin typeface="Calibri"/>
                 <a:ea typeface="Calibri"/>
                 <a:cs typeface="Calibri"/>
               </a:rPr>
-              <a:t>We discussed about one example of a completely new interface, the </a:t>
-            </a:r>
-            <a:r>
-              <a:rPr lang="en-US" dirty="0" err="1">
+              <a:t>Demo:</a:t>
+            </a:r>
+          </a:p>
+          <a:p>
+            <a:pPr marL="171450" indent="-171450">
+              <a:buFont typeface="Calibri"/>
+              <a:buChar char="-"/>
+            </a:pPr>
+            <a:r>
+              <a:rPr lang="en-US">
                 <a:latin typeface="Calibri"/>
                 <a:ea typeface="Calibri"/>
                 <a:cs typeface="Calibri"/>
               </a:rPr>
-              <a:t>IProcessor</a:t>
-            </a:r>
-            <a:r>
-              <a:rPr lang="en-US" dirty="0">
+              <a:t>Add custom table subject to retention policies (code needed)</a:t>
+            </a:r>
+          </a:p>
+          <a:p>
+            <a:pPr marL="171450" indent="-171450">
+              <a:buFont typeface="Calibri"/>
+              <a:buChar char="-"/>
+            </a:pPr>
+            <a:r>
+              <a:rPr lang="en-US">
                 <a:latin typeface="Calibri"/>
                 <a:ea typeface="Calibri"/>
                 <a:cs typeface="Calibri"/>
               </a:rPr>
-              <a:t> interface for which we shown 3 </a:t>
-            </a:r>
-            <a:r>
-              <a:rPr lang="en-US" dirty="0" err="1">
+              <a:t>Set it up (code sometimes needed)</a:t>
+            </a:r>
+          </a:p>
+          <a:p>
+            <a:pPr marL="171450" indent="-171450">
+              <a:buFont typeface="Calibri"/>
+              <a:buChar char="-"/>
+            </a:pPr>
+            <a:r>
+              <a:rPr lang="en-US">
                 <a:latin typeface="Calibri"/>
                 <a:ea typeface="Calibri"/>
                 <a:cs typeface="Calibri"/>
               </a:rPr>
-              <a:t>codeunits</a:t>
-            </a:r>
-            <a:r>
-              <a:rPr lang="en-US" dirty="0">
-                <a:latin typeface="Calibri"/>
-                <a:ea typeface="Calibri"/>
-                <a:cs typeface="Calibri"/>
-              </a:rPr>
-              <a:t> that implement it.</a:t>
-            </a:r>
-          </a:p>
-          <a:p>
-            <a:r>
-              <a:rPr lang="en-US" dirty="0">
-                <a:latin typeface="Calibri"/>
-                <a:ea typeface="Calibri"/>
-                <a:cs typeface="Calibri"/>
-              </a:rPr>
-              <a:t>We also saw how we can expand on existing in Base App interfaces via the sales pricing interface.</a:t>
-            </a:r>
-          </a:p>
-          <a:p>
-            <a:r>
-              <a:rPr lang="en-US" dirty="0">
-                <a:latin typeface="Calibri"/>
-                <a:ea typeface="Calibri"/>
-                <a:cs typeface="Calibri"/>
-              </a:rPr>
-              <a:t>The next example is about leveraging Microsoft interfaces in System Application, more </a:t>
-            </a:r>
-            <a:r>
-              <a:rPr lang="en-US" dirty="0" err="1">
-                <a:latin typeface="Calibri"/>
-                <a:ea typeface="Calibri"/>
-                <a:cs typeface="Calibri"/>
-              </a:rPr>
-              <a:t>precisly</a:t>
-            </a:r>
-            <a:r>
-              <a:rPr lang="en-US" dirty="0">
-                <a:latin typeface="Calibri"/>
-                <a:ea typeface="Calibri"/>
-                <a:cs typeface="Calibri"/>
-              </a:rPr>
-              <a:t> about Retention Policies interfaces.</a:t>
+              <a:t>Demo deletion of records from custom table.</a:t>
             </a:r>
           </a:p>
         </p:txBody>
@@ -4513,7 +4644,7 @@
     </p:spTree>
     <p:extLst>
       <p:ext uri="{BB962C8B-B14F-4D97-AF65-F5344CB8AC3E}">
-        <p14:creationId xmlns:p14="http://schemas.microsoft.com/office/powerpoint/2010/main" val="1099502673"/>
+        <p14:creationId xmlns:p14="http://schemas.microsoft.com/office/powerpoint/2010/main" val="1503462631"/>
       </p:ext>
     </p:extLst>
   </p:cSld>
@@ -4567,55 +4698,13 @@
           <a:bodyPr/>
           <a:lstStyle/>
           <a:p>
-            <a:r>
-              <a:rPr lang="en-US">
-                <a:latin typeface="Calibri"/>
-                <a:ea typeface="Calibri"/>
-                <a:cs typeface="Calibri"/>
-              </a:rPr>
-              <a:t>Demo:</a:t>
-            </a:r>
-          </a:p>
-          <a:p>
             <a:pPr marL="171450" indent="-171450">
-              <a:buFont typeface="Calibri"/>
+              <a:buFontTx/>
               <a:buChar char="-"/>
             </a:pPr>
             <a:r>
-              <a:rPr lang="en-US">
-                <a:latin typeface="Calibri"/>
-                <a:ea typeface="Calibri"/>
-                <a:cs typeface="Calibri"/>
-              </a:rPr>
-              <a:t>Add custom table subject to retention policies (code needed)</a:t>
-            </a:r>
-          </a:p>
-          <a:p>
-            <a:pPr marL="171450" indent="-171450">
-              <a:buFont typeface="Calibri"/>
-              <a:buChar char="-"/>
-            </a:pPr>
-            <a:r>
-              <a:rPr lang="en-US">
-                <a:latin typeface="Calibri"/>
-                <a:ea typeface="Calibri"/>
-                <a:cs typeface="Calibri"/>
-              </a:rPr>
-              <a:t>Set it up (code sometimes needed)</a:t>
-            </a:r>
-          </a:p>
-          <a:p>
-            <a:pPr marL="171450" indent="-171450">
-              <a:buFont typeface="Calibri"/>
-              <a:buChar char="-"/>
-            </a:pPr>
-            <a:r>
-              <a:rPr lang="en-US">
-                <a:latin typeface="Calibri"/>
-                <a:ea typeface="Calibri"/>
-                <a:cs typeface="Calibri"/>
-              </a:rPr>
-              <a:t>Demo deletion of records from custom table.</a:t>
+              <a:rPr lang="en-US"/>
+              <a:t>Answer: B</a:t>
             </a:r>
           </a:p>
         </p:txBody>
@@ -4646,7 +4735,7 @@
     </p:spTree>
     <p:extLst>
       <p:ext uri="{BB962C8B-B14F-4D97-AF65-F5344CB8AC3E}">
-        <p14:creationId xmlns:p14="http://schemas.microsoft.com/office/powerpoint/2010/main" val="1503462631"/>
+        <p14:creationId xmlns:p14="http://schemas.microsoft.com/office/powerpoint/2010/main" val="1359368447"/>
       </p:ext>
     </p:extLst>
   </p:cSld>
@@ -4706,7 +4795,7 @@
             </a:pPr>
             <a:r>
               <a:rPr lang="en-US"/>
-              <a:t>Answer: B</a:t>
+              <a:t>Answer: A</a:t>
             </a:r>
           </a:p>
         </p:txBody>
@@ -4737,7 +4826,7 @@
     </p:spTree>
     <p:extLst>
       <p:ext uri="{BB962C8B-B14F-4D97-AF65-F5344CB8AC3E}">
-        <p14:creationId xmlns:p14="http://schemas.microsoft.com/office/powerpoint/2010/main" val="1359368447"/>
+        <p14:creationId xmlns:p14="http://schemas.microsoft.com/office/powerpoint/2010/main" val="827514282"/>
       </p:ext>
     </p:extLst>
   </p:cSld>
@@ -4797,7 +4886,7 @@
             </a:pPr>
             <a:r>
               <a:rPr lang="en-US"/>
-              <a:t>Answer: A</a:t>
+              <a:t>Answer: E</a:t>
             </a:r>
           </a:p>
         </p:txBody>
@@ -4828,7 +4917,7 @@
     </p:spTree>
     <p:extLst>
       <p:ext uri="{BB962C8B-B14F-4D97-AF65-F5344CB8AC3E}">
-        <p14:creationId xmlns:p14="http://schemas.microsoft.com/office/powerpoint/2010/main" val="827514282"/>
+        <p14:creationId xmlns:p14="http://schemas.microsoft.com/office/powerpoint/2010/main" val="1268815106"/>
       </p:ext>
     </p:extLst>
   </p:cSld>
@@ -4882,14 +4971,13 @@
           <a:bodyPr/>
           <a:lstStyle/>
           <a:p>
-            <a:pPr marL="171450" indent="-171450">
-              <a:buFontTx/>
-              <a:buChar char="-"/>
-            </a:pPr>
             <a:r>
               <a:rPr lang="en-US"/>
-              <a:t>Answer: E</a:t>
-            </a:r>
+              <a:t>https://github.com/JeffLandeen/2025Directions_SalesIFace</a:t>
+            </a:r>
+          </a:p>
+          <a:p>
+            <a:endParaRPr lang="en-US"/>
           </a:p>
         </p:txBody>
       </p:sp>
@@ -4910,7 +4998,7 @@
           <a:p>
             <a:fld id="{1A0DF7ED-DF5B-465A-A6B2-93574A3842D5}" type="slidenum">
               <a:rPr lang="en-US" smtClean="0"/>
-              <a:t>17</a:t>
+              <a:t>18</a:t>
             </a:fld>
             <a:endParaRPr lang="en-US"/>
           </a:p>
@@ -4919,7 +5007,7 @@
     </p:spTree>
     <p:extLst>
       <p:ext uri="{BB962C8B-B14F-4D97-AF65-F5344CB8AC3E}">
-        <p14:creationId xmlns:p14="http://schemas.microsoft.com/office/powerpoint/2010/main" val="1268815106"/>
+        <p14:creationId xmlns:p14="http://schemas.microsoft.com/office/powerpoint/2010/main" val="3346486462"/>
       </p:ext>
     </p:extLst>
   </p:cSld>
@@ -5018,7 +5106,7 @@
           <a:p>
             <a:fld id="{1A0DF7ED-DF5B-465A-A6B2-93574A3842D5}" type="slidenum">
               <a:rPr lang="en-US" smtClean="0"/>
-              <a:t>20</a:t>
+              <a:t>19</a:t>
             </a:fld>
             <a:endParaRPr lang="en-US"/>
           </a:p>
@@ -5119,7 +5207,7 @@
           <a:p>
             <a:fld id="{1A0DF7ED-DF5B-465A-A6B2-93574A3842D5}" type="slidenum">
               <a:rPr lang="en-US" smtClean="0"/>
-              <a:t>21</a:t>
+              <a:t>20</a:t>
             </a:fld>
             <a:endParaRPr lang="en-US"/>
           </a:p>
@@ -5210,7 +5298,7 @@
           <a:p>
             <a:fld id="{1A0DF7ED-DF5B-465A-A6B2-93574A3842D5}" type="slidenum">
               <a:rPr lang="en-US" smtClean="0"/>
-              <a:t>22</a:t>
+              <a:t>21</a:t>
             </a:fld>
             <a:endParaRPr lang="en-US"/>
           </a:p>
@@ -5381,7 +5469,7 @@
           <a:p>
             <a:fld id="{1A0DF7ED-DF5B-465A-A6B2-93574A3842D5}" type="slidenum">
               <a:rPr lang="en-US" smtClean="0"/>
-              <a:t>23</a:t>
+              <a:t>22</a:t>
             </a:fld>
             <a:endParaRPr lang="en-US"/>
           </a:p>
@@ -5391,6 +5479,93 @@
     <p:extLst>
       <p:ext uri="{BB962C8B-B14F-4D97-AF65-F5344CB8AC3E}">
         <p14:creationId xmlns:p14="http://schemas.microsoft.com/office/powerpoint/2010/main" val="1335088380"/>
+      </p:ext>
+    </p:extLst>
+  </p:cSld>
+  <p:clrMapOvr>
+    <a:masterClrMapping/>
+  </p:clrMapOvr>
+</p:notes>
+</file>
+
+<file path=ppt/notesSlides/notesSlide21.xml><?xml version="1.0" encoding="utf-8"?>
+<p:notes xmlns:a="http://schemas.openxmlformats.org/drawingml/2006/main" xmlns:r="http://schemas.openxmlformats.org/officeDocument/2006/relationships" xmlns:p="http://schemas.openxmlformats.org/presentationml/2006/main">
+  <p:cSld>
+    <p:spTree>
+      <p:nvGrpSpPr>
+        <p:cNvPr id="1" name=""/>
+        <p:cNvGrpSpPr/>
+        <p:nvPr/>
+      </p:nvGrpSpPr>
+      <p:grpSpPr>
+        <a:xfrm>
+          <a:off x="0" y="0"/>
+          <a:ext cx="0" cy="0"/>
+          <a:chOff x="0" y="0"/>
+          <a:chExt cx="0" cy="0"/>
+        </a:xfrm>
+      </p:grpSpPr>
+      <p:sp>
+        <p:nvSpPr>
+          <p:cNvPr id="2" name="Slide Image Placeholder 1"/>
+          <p:cNvSpPr>
+            <a:spLocks noGrp="1" noRot="1" noChangeAspect="1"/>
+          </p:cNvSpPr>
+          <p:nvPr>
+            <p:ph type="sldImg"/>
+          </p:nvPr>
+        </p:nvSpPr>
+        <p:spPr/>
+      </p:sp>
+      <p:sp>
+        <p:nvSpPr>
+          <p:cNvPr id="3" name="Notes Placeholder 2"/>
+          <p:cNvSpPr>
+            <a:spLocks noGrp="1"/>
+          </p:cNvSpPr>
+          <p:nvPr>
+            <p:ph type="body" idx="1"/>
+          </p:nvPr>
+        </p:nvSpPr>
+        <p:spPr/>
+        <p:txBody>
+          <a:bodyPr/>
+          <a:lstStyle/>
+          <a:p>
+            <a:r>
+              <a:rPr lang="en-US"/>
+              <a:t>SILVIU</a:t>
+            </a:r>
+          </a:p>
+        </p:txBody>
+      </p:sp>
+      <p:sp>
+        <p:nvSpPr>
+          <p:cNvPr id="4" name="Slide Number Placeholder 3"/>
+          <p:cNvSpPr>
+            <a:spLocks noGrp="1"/>
+          </p:cNvSpPr>
+          <p:nvPr>
+            <p:ph type="sldNum" sz="quarter" idx="5"/>
+          </p:nvPr>
+        </p:nvSpPr>
+        <p:spPr/>
+        <p:txBody>
+          <a:bodyPr/>
+          <a:lstStyle/>
+          <a:p>
+            <a:fld id="{1A0DF7ED-DF5B-465A-A6B2-93574A3842D5}" type="slidenum">
+              <a:rPr lang="en-US" smtClean="0"/>
+              <a:t>23</a:t>
+            </a:fld>
+            <a:endParaRPr lang="en-US"/>
+          </a:p>
+        </p:txBody>
+      </p:sp>
+    </p:spTree>
+    <p:extLst>
+      <p:ext uri="{BB962C8B-B14F-4D97-AF65-F5344CB8AC3E}">
+        <p14:creationId xmlns:p14="http://schemas.microsoft.com/office/powerpoint/2010/main" val="3575560555"/>
       </p:ext>
     </p:extLst>
   </p:cSld>
@@ -5449,7 +5624,7 @@
               <a:buNone/>
             </a:pPr>
             <a:r>
-              <a:rPr lang="en-US" dirty="0"/>
+              <a:rPr lang="en-US"/>
               <a:t>JEFF</a:t>
             </a:r>
           </a:p>
@@ -5459,15 +5634,15 @@
               <a:buChar char="-"/>
             </a:pPr>
             <a:r>
-              <a:rPr lang="en-US" dirty="0"/>
+              <a:rPr lang="en-US"/>
               <a:t>Interface is like a </a:t>
             </a:r>
             <a:r>
-              <a:rPr lang="en-US" dirty="0" err="1"/>
+              <a:rPr lang="en-US" err="1"/>
               <a:t>codeunit</a:t>
             </a:r>
             <a:r>
-              <a:rPr lang="en-US" dirty="0"/>
+              <a:rPr lang="en-US"/>
               <a:t> with a number of Procedures (i.e. “Methods”) that must be included in any implementation</a:t>
             </a:r>
           </a:p>
@@ -5477,7 +5652,7 @@
               <a:buChar char="-"/>
             </a:pPr>
             <a:r>
-              <a:rPr lang="en-US" dirty="0"/>
+              <a:rPr lang="en-US"/>
               <a:t>Calling code &amp; executing code have an agreed communication contract (the interface)</a:t>
             </a:r>
           </a:p>
@@ -5487,7 +5662,7 @@
               <a:buChar char="-"/>
             </a:pPr>
             <a:r>
-              <a:rPr lang="en-US" dirty="0"/>
+              <a:rPr lang="en-US"/>
               <a:t>Provides a layer of abstraction</a:t>
             </a:r>
           </a:p>
@@ -5497,15 +5672,15 @@
               <a:buChar char="-"/>
             </a:pPr>
             <a:r>
-              <a:rPr lang="en-US" dirty="0"/>
+              <a:rPr lang="en-US"/>
               <a:t>Do NOT need to change the calling code or subscribe to event publishers (</a:t>
             </a:r>
             <a:r>
-              <a:rPr lang="en-US" dirty="0" err="1"/>
+              <a:rPr lang="en-US" err="1"/>
               <a:t>Polymorphisim</a:t>
             </a:r>
             <a:r>
-              <a:rPr lang="en-US" dirty="0"/>
+              <a:rPr lang="en-US"/>
               <a:t>)</a:t>
             </a:r>
           </a:p>
@@ -5514,7 +5689,7 @@
               <a:buFontTx/>
               <a:buChar char="-"/>
             </a:pPr>
-            <a:endParaRPr lang="en-US" dirty="0"/>
+            <a:endParaRPr lang="en-US"/>
           </a:p>
           <a:p>
             <a:pPr marL="285750" indent="-285750">
@@ -5522,7 +5697,7 @@
               <a:buChar char="-"/>
             </a:pPr>
             <a:r>
-              <a:rPr lang="en-US" dirty="0"/>
+              <a:rPr lang="en-US"/>
               <a:t>“Syntactical Contract” =&gt; if you don’t respect the interface signature then you will get a compile error</a:t>
             </a:r>
           </a:p>
@@ -5531,7 +5706,7 @@
               <a:buFontTx/>
               <a:buChar char="-"/>
             </a:pPr>
-            <a:endParaRPr lang="en-US" dirty="0"/>
+            <a:endParaRPr lang="en-US"/>
           </a:p>
         </p:txBody>
       </p:sp>
@@ -5616,7 +5791,7 @@
           <a:lstStyle/>
           <a:p>
             <a:r>
-              <a:rPr lang="en-US" dirty="0">
+              <a:rPr lang="en-US">
                 <a:latin typeface="Calibri"/>
                 <a:ea typeface="Calibri"/>
                 <a:cs typeface="Calibri"/>
@@ -5626,7 +5801,7 @@
           </a:p>
           <a:p>
             <a:r>
-              <a:rPr lang="en-US" dirty="0">
+              <a:rPr lang="en-US">
                 <a:latin typeface="Calibri"/>
                 <a:ea typeface="Calibri"/>
                 <a:cs typeface="Calibri"/>
@@ -5640,7 +5815,7 @@
               <a:buChar char="-"/>
             </a:pPr>
             <a:r>
-              <a:rPr lang="en-US" dirty="0">
+              <a:rPr lang="en-US">
                 <a:latin typeface="Calibri"/>
                 <a:ea typeface="Calibri"/>
                 <a:cs typeface="Calibri"/>
@@ -5654,7 +5829,7 @@
               <a:buChar char="-"/>
             </a:pPr>
             <a:r>
-              <a:rPr lang="en-US" dirty="0">
+              <a:rPr lang="en-US">
                 <a:latin typeface="Calibri"/>
                 <a:ea typeface="Calibri"/>
                 <a:cs typeface="Calibri"/>
@@ -5668,7 +5843,7 @@
               <a:buChar char="-"/>
             </a:pPr>
             <a:r>
-              <a:rPr lang="en-US" dirty="0">
+              <a:rPr lang="en-US">
                 <a:latin typeface="Calibri"/>
                 <a:ea typeface="Calibri"/>
                 <a:cs typeface="Calibri"/>
@@ -5676,7 +5851,7 @@
               <a:t>Code advancing in the Processor factory that ultimately decides which one of the 3 </a:t>
             </a:r>
             <a:r>
-              <a:rPr lang="en-US" dirty="0" err="1">
+              <a:rPr lang="en-US" err="1">
                 <a:latin typeface="Calibri"/>
                 <a:ea typeface="Calibri"/>
                 <a:cs typeface="Calibri"/>
@@ -5684,7 +5859,7 @@
               <a:t>codeunits</a:t>
             </a:r>
             <a:r>
-              <a:rPr lang="en-US" dirty="0">
+              <a:rPr lang="en-US">
                 <a:latin typeface="Calibri"/>
                 <a:ea typeface="Calibri"/>
                 <a:cs typeface="Calibri"/>
@@ -5698,7 +5873,7 @@
               <a:buChar char="-"/>
             </a:pPr>
             <a:r>
-              <a:rPr lang="en-US" dirty="0">
+              <a:rPr lang="en-US">
                 <a:latin typeface="Calibri"/>
                 <a:ea typeface="Calibri"/>
                 <a:cs typeface="Calibri"/>
@@ -5706,7 +5881,7 @@
               <a:t>Helper table to record pairs of </a:t>
             </a:r>
             <a:r>
-              <a:rPr lang="en-US" dirty="0" err="1">
+              <a:rPr lang="en-US" err="1">
                 <a:latin typeface="Calibri"/>
                 <a:ea typeface="Calibri"/>
                 <a:cs typeface="Calibri"/>
@@ -5714,7 +5889,7 @@
               <a:t>tableid</a:t>
             </a:r>
             <a:r>
-              <a:rPr lang="en-US" dirty="0">
+              <a:rPr lang="en-US">
                 <a:latin typeface="Calibri"/>
                 <a:ea typeface="Calibri"/>
                 <a:cs typeface="Calibri"/>
@@ -5722,7 +5897,7 @@
               <a:t>, </a:t>
             </a:r>
             <a:r>
-              <a:rPr lang="en-US" dirty="0" err="1">
+              <a:rPr lang="en-US" err="1">
                 <a:latin typeface="Calibri"/>
                 <a:ea typeface="Calibri"/>
                 <a:cs typeface="Calibri"/>
@@ -5730,7 +5905,7 @@
               <a:t>codeunit</a:t>
             </a:r>
             <a:r>
-              <a:rPr lang="en-US" dirty="0">
+              <a:rPr lang="en-US">
                 <a:latin typeface="Calibri"/>
                 <a:ea typeface="Calibri"/>
                 <a:cs typeface="Calibri"/>
@@ -5744,7 +5919,7 @@
               <a:buChar char="-"/>
             </a:pPr>
             <a:r>
-              <a:rPr lang="en-US" dirty="0">
+              <a:rPr lang="en-US">
                 <a:latin typeface="Calibri"/>
                 <a:ea typeface="Calibri"/>
                 <a:cs typeface="Calibri"/>
@@ -5752,7 +5927,7 @@
               <a:t>For each entity, the right </a:t>
             </a:r>
             <a:r>
-              <a:rPr lang="en-US" dirty="0" err="1">
+              <a:rPr lang="en-US" err="1">
                 <a:latin typeface="Calibri"/>
                 <a:ea typeface="Calibri"/>
                 <a:cs typeface="Calibri"/>
@@ -5760,7 +5935,7 @@
               <a:t>codeunit</a:t>
             </a:r>
             <a:r>
-              <a:rPr lang="en-US" dirty="0">
+              <a:rPr lang="en-US">
                 <a:latin typeface="Calibri"/>
                 <a:ea typeface="Calibri"/>
                 <a:cs typeface="Calibri"/>
@@ -5851,7 +6026,7 @@
           <a:lstStyle/>
           <a:p>
             <a:r>
-              <a:rPr lang="en-US" dirty="0"/>
+              <a:rPr lang="en-US"/>
               <a:t>SILVIU</a:t>
             </a:r>
           </a:p>
@@ -5942,7 +6117,7 @@
               <a:buNone/>
             </a:pPr>
             <a:r>
-              <a:rPr lang="en-US" dirty="0"/>
+              <a:rPr lang="en-US"/>
               <a:t>JEFF</a:t>
             </a:r>
           </a:p>
@@ -5952,7 +6127,7 @@
               <a:buChar char="-"/>
             </a:pPr>
             <a:r>
-              <a:rPr lang="en-US" dirty="0"/>
+              <a:rPr lang="en-US"/>
               <a:t>Truck fill pricing</a:t>
             </a:r>
           </a:p>
@@ -5962,7 +6137,7 @@
               <a:buChar char="-"/>
             </a:pPr>
             <a:r>
-              <a:rPr lang="en-US" dirty="0"/>
+              <a:rPr lang="en-US"/>
               <a:t>unit price was different based on how full a standard truck trailer was with the amount ordered (fill rate is across the entire order)</a:t>
             </a:r>
           </a:p>
@@ -5972,7 +6147,7 @@
               <a:buChar char="-"/>
             </a:pPr>
             <a:r>
-              <a:rPr lang="en-US" dirty="0"/>
+              <a:rPr lang="en-US"/>
               <a:t>Basically lower per unit price the more full a truck is (i.e. it’s expensive to ship empty truck trailers)</a:t>
             </a:r>
           </a:p>
@@ -5982,7 +6157,7 @@
               <a:buChar char="-"/>
             </a:pPr>
             <a:r>
-              <a:rPr lang="en-US" dirty="0"/>
+              <a:rPr lang="en-US"/>
               <a:t>Contract Pricing </a:t>
             </a:r>
           </a:p>
@@ -5992,7 +6167,7 @@
               <a:buChar char="-"/>
             </a:pPr>
             <a:r>
-              <a:rPr lang="en-US" dirty="0"/>
+              <a:rPr lang="en-US"/>
               <a:t>Considers date ranges (e.g. contact could be time boxed)</a:t>
             </a:r>
           </a:p>
@@ -6002,7 +6177,7 @@
               <a:buChar char="-"/>
             </a:pPr>
             <a:r>
-              <a:rPr lang="en-US" dirty="0"/>
+              <a:rPr lang="en-US"/>
               <a:t>Considers what has been delivered to date (i.e. may have a maximum contract)</a:t>
             </a:r>
           </a:p>
@@ -6012,7 +6187,7 @@
               <a:buChar char="-"/>
             </a:pPr>
             <a:r>
-              <a:rPr lang="en-US" dirty="0"/>
+              <a:rPr lang="en-US"/>
               <a:t>May consolidate Qty. delivered across item categories or product groups of items</a:t>
             </a:r>
           </a:p>
@@ -6022,7 +6197,7 @@
               <a:buChar char="-"/>
             </a:pPr>
             <a:r>
-              <a:rPr lang="en-US" dirty="0"/>
+              <a:rPr lang="en-US"/>
               <a:t>Location/Distance</a:t>
             </a:r>
           </a:p>
@@ -6032,7 +6207,7 @@
               <a:buChar char="-"/>
             </a:pPr>
             <a:r>
-              <a:rPr lang="en-US" dirty="0"/>
+              <a:rPr lang="en-US"/>
               <a:t>Basically distance between warehouse location &amp; customers ship too</a:t>
             </a:r>
           </a:p>
@@ -6042,7 +6217,7 @@
               <a:buChar char="-"/>
             </a:pPr>
             <a:r>
-              <a:rPr lang="en-US" dirty="0"/>
+              <a:rPr lang="en-US"/>
               <a:t>This is the example that is roughed in with our example</a:t>
             </a:r>
           </a:p>
@@ -6133,7 +6308,7 @@
               <a:buNone/>
             </a:pPr>
             <a:r>
-              <a:rPr lang="en-US" dirty="0"/>
+              <a:rPr lang="en-US"/>
               <a:t>JEFF</a:t>
             </a:r>
           </a:p>
@@ -6143,7 +6318,7 @@
               <a:buChar char="-"/>
             </a:pPr>
             <a:r>
-              <a:rPr lang="en-US" dirty="0"/>
+              <a:rPr lang="en-US"/>
               <a:t>There are multiple interfaces at play in the price calculation engine</a:t>
             </a:r>
           </a:p>
@@ -6152,7 +6327,7 @@
               <a:buFontTx/>
               <a:buChar char="-"/>
             </a:pPr>
-            <a:endParaRPr lang="en-US" dirty="0"/>
+            <a:endParaRPr lang="en-US"/>
           </a:p>
         </p:txBody>
       </p:sp>
@@ -6241,7 +6416,7 @@
               <a:buNone/>
             </a:pPr>
             <a:r>
-              <a:rPr lang="en-US" dirty="0"/>
+              <a:rPr lang="en-US"/>
               <a:t>JEFF</a:t>
             </a:r>
           </a:p>
@@ -6251,11 +6426,11 @@
               <a:buChar char="-"/>
             </a:pPr>
             <a:r>
-              <a:rPr lang="en-US" dirty="0" err="1"/>
+              <a:rPr lang="en-US" err="1"/>
               <a:t>GetPriceCalculationhandler</a:t>
             </a:r>
             <a:r>
-              <a:rPr lang="en-US" dirty="0"/>
+              <a:rPr lang="en-US"/>
               <a:t> is used several times in the Sales Line Table</a:t>
             </a:r>
           </a:p>
@@ -6265,14 +6440,14 @@
               <a:buChar char="-"/>
             </a:pPr>
             <a:r>
-              <a:rPr lang="en-US" dirty="0"/>
+              <a:rPr lang="en-US"/>
               <a:t>Followed by calls to various to use methods in the </a:t>
             </a:r>
             <a:r>
-              <a:rPr lang="en-US" dirty="0" err="1"/>
+              <a:rPr lang="en-US" err="1"/>
               <a:t>PriceCalculation</a:t>
             </a:r>
-            <a:endParaRPr lang="en-US" dirty="0"/>
+            <a:endParaRPr lang="en-US"/>
           </a:p>
         </p:txBody>
       </p:sp>
@@ -6361,7 +6536,7 @@
               <a:buNone/>
             </a:pPr>
             <a:r>
-              <a:rPr lang="en-US" dirty="0"/>
+              <a:rPr lang="en-US"/>
               <a:t>JEFF</a:t>
             </a:r>
           </a:p>
@@ -6371,7 +6546,7 @@
               <a:buChar char="-"/>
             </a:pPr>
             <a:r>
-              <a:rPr lang="en-US" dirty="0"/>
+              <a:rPr lang="en-US"/>
               <a:t>Extend the Price Calculation Method Enum. (Enum Ext. 50500)</a:t>
             </a:r>
           </a:p>
@@ -6381,7 +6556,7 @@
               <a:buChar char="-"/>
             </a:pPr>
             <a:r>
-              <a:rPr lang="en-US" dirty="0"/>
+              <a:rPr lang="en-US"/>
               <a:t>Write Interface Handler  (CDU 50500)</a:t>
             </a:r>
           </a:p>
@@ -6391,7 +6566,7 @@
               <a:buChar char="-"/>
             </a:pPr>
             <a:r>
-              <a:rPr lang="en-US" dirty="0"/>
+              <a:rPr lang="en-US"/>
               <a:t>hook calculation option up to handler (Enum Ext. 50501)</a:t>
             </a:r>
           </a:p>
@@ -6401,7 +6576,7 @@
               <a:buChar char="-"/>
             </a:pPr>
             <a:r>
-              <a:rPr lang="en-US" dirty="0"/>
+              <a:rPr lang="en-US"/>
               <a:t>This will show it in the price method list (in CDU 50500)</a:t>
             </a:r>
           </a:p>
@@ -6411,7 +6586,7 @@
               <a:buChar char="-"/>
             </a:pPr>
             <a:r>
-              <a:rPr lang="en-US" dirty="0"/>
+              <a:rPr lang="en-US"/>
               <a:t>Implement/Update Price Calc. Buffer as needed (in CDU 50502)</a:t>
             </a:r>
           </a:p>
@@ -6421,15 +6596,15 @@
               <a:buChar char="-"/>
             </a:pPr>
             <a:r>
-              <a:rPr lang="en-US" dirty="0"/>
+              <a:rPr lang="en-US"/>
               <a:t>Implement Custom Logic in </a:t>
             </a:r>
             <a:r>
-              <a:rPr lang="en-US" dirty="0" err="1"/>
+              <a:rPr lang="en-US" err="1"/>
               <a:t>ApplyPrice</a:t>
             </a:r>
             <a:r>
-              <a:rPr lang="en-US" dirty="0"/>
+              <a:rPr lang="en-US"/>
               <a:t> (in CDU 50500)</a:t>
             </a:r>
           </a:p>
@@ -6438,7 +6613,7 @@
               <a:buFontTx/>
               <a:buChar char="-"/>
             </a:pPr>
-            <a:endParaRPr lang="en-US" dirty="0"/>
+            <a:endParaRPr lang="en-US"/>
           </a:p>
           <a:p>
             <a:pPr marL="171450" indent="-171450">
@@ -6446,7 +6621,7 @@
               <a:buChar char="-"/>
             </a:pPr>
             <a:r>
-              <a:rPr lang="en-US" dirty="0"/>
+              <a:rPr lang="en-US"/>
               <a:t>Remember to show what the “Interface looks like”  drill through when in code</a:t>
             </a:r>
           </a:p>
@@ -6455,35 +6630,35 @@
               <a:buFontTx/>
               <a:buChar char="-"/>
             </a:pPr>
-            <a:endParaRPr lang="en-US" dirty="0"/>
+            <a:endParaRPr lang="en-US"/>
           </a:p>
           <a:p>
             <a:pPr marL="171450" indent="-171450">
               <a:buFontTx/>
               <a:buChar char="-"/>
             </a:pPr>
-            <a:endParaRPr lang="en-US" dirty="0"/>
+            <a:endParaRPr lang="en-US"/>
           </a:p>
           <a:p>
             <a:pPr marL="171450" indent="-171450">
               <a:buFontTx/>
               <a:buChar char="-"/>
             </a:pPr>
-            <a:endParaRPr lang="en-US" dirty="0"/>
+            <a:endParaRPr lang="en-US"/>
           </a:p>
           <a:p>
             <a:pPr marL="171450" indent="-171450">
               <a:buFontTx/>
               <a:buChar char="-"/>
             </a:pPr>
-            <a:endParaRPr lang="en-US" dirty="0"/>
+            <a:endParaRPr lang="en-US"/>
           </a:p>
           <a:p>
             <a:pPr marL="171450" indent="-171450">
               <a:buFontTx/>
               <a:buChar char="-"/>
             </a:pPr>
-            <a:endParaRPr lang="en-US" dirty="0"/>
+            <a:endParaRPr lang="en-US"/>
           </a:p>
         </p:txBody>
       </p:sp>
@@ -8373,7 +8548,7 @@
               <a:buAutoNum type="arabicPeriod"/>
             </a:pPr>
             <a:r>
-              <a:rPr lang="en-US" sz="4000" dirty="0"/>
+              <a:rPr lang="en-US" sz="4000"/>
               <a:t>Extend the Price Calculation Method Enum.</a:t>
             </a:r>
           </a:p>
@@ -8383,7 +8558,7 @@
               <a:buAutoNum type="arabicPeriod"/>
             </a:pPr>
             <a:r>
-              <a:rPr lang="en-US" sz="4000" dirty="0"/>
+              <a:rPr lang="en-US" sz="4000"/>
               <a:t>Write Interface Handler</a:t>
             </a:r>
           </a:p>
@@ -8393,7 +8568,7 @@
               <a:buAutoNum type="arabicPeriod"/>
             </a:pPr>
             <a:r>
-              <a:rPr lang="en-US" sz="4000" dirty="0"/>
+              <a:rPr lang="en-US" sz="4000"/>
               <a:t>Hook calculation option up to handler</a:t>
             </a:r>
           </a:p>
@@ -8403,7 +8578,7 @@
               <a:buAutoNum type="arabicPeriod"/>
             </a:pPr>
             <a:r>
-              <a:rPr lang="en-US" sz="4000" dirty="0"/>
+              <a:rPr lang="en-US" sz="4000"/>
               <a:t>This will show it in the price method list</a:t>
             </a:r>
           </a:p>
@@ -8413,7 +8588,7 @@
               <a:buAutoNum type="arabicPeriod"/>
             </a:pPr>
             <a:r>
-              <a:rPr lang="en-US" sz="4000" dirty="0"/>
+              <a:rPr lang="en-US" sz="4000"/>
               <a:t>Implement/Update Price Calc. Buffer as needed</a:t>
             </a:r>
           </a:p>
@@ -8423,14 +8598,14 @@
               <a:buAutoNum type="arabicPeriod"/>
             </a:pPr>
             <a:r>
-              <a:rPr lang="en-US" sz="4000" dirty="0"/>
+              <a:rPr lang="en-US" sz="4000"/>
               <a:t>Implement Custom Logic in </a:t>
             </a:r>
             <a:r>
-              <a:rPr lang="en-US" sz="4000" dirty="0" err="1"/>
+              <a:rPr lang="en-US" sz="4000" err="1"/>
               <a:t>ApplyPrice</a:t>
             </a:r>
-            <a:endParaRPr lang="en-US" sz="4000" dirty="0"/>
+            <a:endParaRPr lang="en-US" sz="4000"/>
           </a:p>
         </p:txBody>
       </p:sp>
@@ -8486,7 +8661,7 @@
           <a:lstStyle/>
           <a:p>
             <a:r>
-              <a:rPr lang="en-US" dirty="0"/>
+              <a:rPr lang="en-US"/>
               <a:t>Sales Contract Price Demo</a:t>
             </a:r>
           </a:p>
@@ -8506,2403 +8681,6 @@
 </file>
 
 <file path=ppt/slides/slide12.xml><?xml version="1.0" encoding="utf-8"?>
-<p:sld xmlns:a="http://schemas.openxmlformats.org/drawingml/2006/main" xmlns:r="http://schemas.openxmlformats.org/officeDocument/2006/relationships" xmlns:p="http://schemas.openxmlformats.org/presentationml/2006/main">
-  <p:cSld>
-    <p:spTree>
-      <p:nvGrpSpPr>
-        <p:cNvPr id="1" name=""/>
-        <p:cNvGrpSpPr/>
-        <p:nvPr/>
-      </p:nvGrpSpPr>
-      <p:grpSpPr>
-        <a:xfrm>
-          <a:off x="0" y="0"/>
-          <a:ext cx="0" cy="0"/>
-          <a:chOff x="0" y="0"/>
-          <a:chExt cx="0" cy="0"/>
-        </a:xfrm>
-      </p:grpSpPr>
-      <p:sp>
-        <p:nvSpPr>
-          <p:cNvPr id="2" name="Title 1">
-            <a:extLst>
-              <a:ext uri="{FF2B5EF4-FFF2-40B4-BE49-F238E27FC236}">
-                <a16:creationId xmlns:a16="http://schemas.microsoft.com/office/drawing/2014/main" id="{8291B051-0A3F-AC23-64E6-552D30CB05B2}"/>
-              </a:ext>
-            </a:extLst>
-          </p:cNvPr>
-          <p:cNvSpPr>
-            <a:spLocks noGrp="1"/>
-          </p:cNvSpPr>
-          <p:nvPr>
-            <p:ph type="title"/>
-          </p:nvPr>
-        </p:nvSpPr>
-        <p:spPr/>
-        <p:txBody>
-          <a:bodyPr/>
-          <a:lstStyle/>
-          <a:p>
-            <a:r>
-              <a:rPr lang="en-US">
-                <a:latin typeface="Source Sans Pro"/>
-                <a:ea typeface="Source Sans Pro"/>
-              </a:rPr>
-              <a:t>List of Interfaces </a:t>
-            </a:r>
-            <a:br>
-              <a:rPr lang="en-US">
-                <a:ea typeface="Source Sans Pro"/>
-              </a:rPr>
-            </a:br>
-            <a:r>
-              <a:rPr lang="en-US">
-                <a:latin typeface="Source Sans Pro"/>
-                <a:ea typeface="Source Sans Pro"/>
-              </a:rPr>
-              <a:t>(from runtime 15 BC 2025 wave 1)</a:t>
-            </a:r>
-            <a:endParaRPr lang="en-US">
-              <a:latin typeface="Source Sans Pro"/>
-            </a:endParaRPr>
-          </a:p>
-        </p:txBody>
-      </p:sp>
-      <p:sp>
-        <p:nvSpPr>
-          <p:cNvPr id="4" name="TextBox 3">
-            <a:extLst>
-              <a:ext uri="{FF2B5EF4-FFF2-40B4-BE49-F238E27FC236}">
-                <a16:creationId xmlns:a16="http://schemas.microsoft.com/office/drawing/2014/main" id="{32123D40-6CB9-4C7B-85AD-1D9DD8CCF4D4}"/>
-              </a:ext>
-            </a:extLst>
-          </p:cNvPr>
-          <p:cNvSpPr txBox="1"/>
-          <p:nvPr/>
-        </p:nvSpPr>
-        <p:spPr>
-          <a:xfrm>
-            <a:off x="2720340" y="2354580"/>
-            <a:ext cx="4983480" cy="1692473"/>
-          </a:xfrm>
-          <a:prstGeom prst="rect">
-            <a:avLst/>
-          </a:prstGeom>
-          <a:noFill/>
-        </p:spPr>
-        <p:txBody>
-          <a:bodyPr rot="0" spcFirstLastPara="0" vertOverflow="overflow" horzOverflow="overflow" vert="horz" wrap="square" lIns="91440" tIns="45720" rIns="91440" bIns="45720" numCol="1" spcCol="0" rtlCol="0" fromWordArt="0" anchor="t" anchorCtr="0" forceAA="0" compatLnSpc="1">
-            <a:prstTxWarp prst="textNoShape">
-              <a:avLst/>
-            </a:prstTxWarp>
-            <a:spAutoFit/>
-          </a:bodyPr>
-          <a:lstStyle/>
-          <a:p>
-            <a:r>
-              <a:rPr lang="en-US" sz="1200" err="1">
-                <a:solidFill>
-                  <a:srgbClr val="4B69C6"/>
-                </a:solidFill>
-                <a:highlight>
-                  <a:srgbClr val="F5F5F5"/>
-                </a:highlight>
-                <a:latin typeface="Consolas"/>
-              </a:rPr>
-              <a:t>codeunit</a:t>
-            </a:r>
-            <a:r>
-              <a:rPr lang="en-US" sz="1200">
-                <a:solidFill>
-                  <a:srgbClr val="333333"/>
-                </a:solidFill>
-                <a:highlight>
-                  <a:srgbClr val="F5F5F5"/>
-                </a:highlight>
-                <a:latin typeface="Consolas"/>
-              </a:rPr>
-              <a:t> </a:t>
-            </a:r>
-            <a:r>
-              <a:rPr lang="en-US" sz="1200">
-                <a:solidFill>
-                  <a:srgbClr val="9C5D27"/>
-                </a:solidFill>
-                <a:highlight>
-                  <a:srgbClr val="F5F5F5"/>
-                </a:highlight>
-                <a:latin typeface="Consolas"/>
-              </a:rPr>
-              <a:t>70600</a:t>
-            </a:r>
-            <a:r>
-              <a:rPr lang="en-US" sz="1200">
-                <a:solidFill>
-                  <a:srgbClr val="333333"/>
-                </a:solidFill>
-                <a:highlight>
-                  <a:srgbClr val="F5F5F5"/>
-                </a:highlight>
-                <a:latin typeface="Consolas"/>
-              </a:rPr>
-              <a:t> </a:t>
-            </a:r>
-            <a:r>
-              <a:rPr lang="en-US" sz="1200" b="1" err="1">
-                <a:solidFill>
-                  <a:srgbClr val="7A3E9D"/>
-                </a:solidFill>
-                <a:highlight>
-                  <a:srgbClr val="F5F5F5"/>
-                </a:highlight>
-                <a:latin typeface="Consolas"/>
-              </a:rPr>
-              <a:t>OrderProcessor</a:t>
-            </a:r>
-            <a:r>
-              <a:rPr lang="en-US" sz="1200">
-                <a:solidFill>
-                  <a:srgbClr val="333333"/>
-                </a:solidFill>
-                <a:highlight>
-                  <a:srgbClr val="F5F5F5"/>
-                </a:highlight>
-                <a:latin typeface="Consolas"/>
-              </a:rPr>
-              <a:t> </a:t>
-            </a:r>
-            <a:r>
-              <a:rPr lang="en-US" sz="1200">
-                <a:solidFill>
-                  <a:srgbClr val="4B69C6"/>
-                </a:solidFill>
-                <a:highlight>
-                  <a:srgbClr val="F5F5F5"/>
-                </a:highlight>
-                <a:latin typeface="Consolas"/>
-              </a:rPr>
-              <a:t>implements</a:t>
-            </a:r>
-            <a:r>
-              <a:rPr lang="en-US" sz="1200">
-                <a:solidFill>
-                  <a:srgbClr val="333333"/>
-                </a:solidFill>
-                <a:highlight>
-                  <a:srgbClr val="F5F5F5"/>
-                </a:highlight>
-                <a:latin typeface="Consolas"/>
-              </a:rPr>
-              <a:t> </a:t>
-            </a:r>
-            <a:r>
-              <a:rPr lang="en-US" sz="1200" b="1">
-                <a:solidFill>
-                  <a:srgbClr val="7A3E9D"/>
-                </a:solidFill>
-                <a:highlight>
-                  <a:srgbClr val="F5F5F5"/>
-                </a:highlight>
-                <a:latin typeface="Consolas"/>
-              </a:rPr>
-              <a:t>Processor</a:t>
-            </a:r>
-          </a:p>
-          <a:p>
-            <a:r>
-              <a:rPr lang="en-US" sz="1200">
-                <a:solidFill>
-                  <a:srgbClr val="333333"/>
-                </a:solidFill>
-                <a:highlight>
-                  <a:srgbClr val="F5F5F5"/>
-                </a:highlight>
-                <a:latin typeface="Consolas"/>
-              </a:rPr>
-              <a:t>{</a:t>
-            </a:r>
-          </a:p>
-          <a:p>
-            <a:r>
-              <a:rPr lang="en-US" sz="1200">
-                <a:solidFill>
-                  <a:srgbClr val="333333"/>
-                </a:solidFill>
-                <a:highlight>
-                  <a:srgbClr val="F5F5F5"/>
-                </a:highlight>
-                <a:latin typeface="Consolas"/>
-              </a:rPr>
-              <a:t>    </a:t>
-            </a:r>
-            <a:r>
-              <a:rPr lang="en-US" sz="1200">
-                <a:solidFill>
-                  <a:srgbClr val="4B69C6"/>
-                </a:solidFill>
-                <a:highlight>
-                  <a:srgbClr val="F5F5F5"/>
-                </a:highlight>
-                <a:latin typeface="Consolas"/>
-              </a:rPr>
-              <a:t>procedure</a:t>
-            </a:r>
-            <a:r>
-              <a:rPr lang="en-US" sz="1200">
-                <a:solidFill>
-                  <a:srgbClr val="333333"/>
-                </a:solidFill>
-                <a:highlight>
-                  <a:srgbClr val="F5F5F5"/>
-                </a:highlight>
-                <a:latin typeface="Consolas"/>
-              </a:rPr>
-              <a:t> </a:t>
-            </a:r>
-            <a:r>
-              <a:rPr lang="en-US" sz="1200" b="1" err="1">
-                <a:solidFill>
-                  <a:srgbClr val="AA3731"/>
-                </a:solidFill>
-                <a:highlight>
-                  <a:srgbClr val="F5F5F5"/>
-                </a:highlight>
-                <a:latin typeface="Consolas"/>
-              </a:rPr>
-              <a:t>WriteMessage</a:t>
-            </a:r>
-            <a:r>
-              <a:rPr lang="en-US" sz="1200">
-                <a:solidFill>
-                  <a:srgbClr val="4B69C6"/>
-                </a:solidFill>
-                <a:highlight>
-                  <a:srgbClr val="F5F5F5"/>
-                </a:highlight>
-                <a:latin typeface="Consolas"/>
-              </a:rPr>
-              <a:t>()</a:t>
-            </a:r>
-          </a:p>
-          <a:p>
-            <a:r>
-              <a:rPr lang="en-US" sz="1200">
-                <a:solidFill>
-                  <a:srgbClr val="333333"/>
-                </a:solidFill>
-                <a:highlight>
-                  <a:srgbClr val="F5F5F5"/>
-                </a:highlight>
-                <a:latin typeface="Consolas"/>
-              </a:rPr>
-              <a:t>    </a:t>
-            </a:r>
-            <a:r>
-              <a:rPr lang="en-US" sz="1200">
-                <a:solidFill>
-                  <a:srgbClr val="4B69C6"/>
-                </a:solidFill>
-                <a:highlight>
-                  <a:srgbClr val="F5F5F5"/>
-                </a:highlight>
-                <a:latin typeface="Consolas"/>
-              </a:rPr>
-              <a:t>begin</a:t>
-            </a:r>
-          </a:p>
-          <a:p>
-            <a:r>
-              <a:rPr lang="en-US" sz="1200">
-                <a:solidFill>
-                  <a:srgbClr val="333333"/>
-                </a:solidFill>
-                <a:highlight>
-                  <a:srgbClr val="F5F5F5"/>
-                </a:highlight>
-                <a:latin typeface="Consolas"/>
-              </a:rPr>
-              <a:t>        </a:t>
-            </a:r>
-            <a:r>
-              <a:rPr lang="en-US" sz="1200" b="1">
-                <a:solidFill>
-                  <a:srgbClr val="AA3731"/>
-                </a:solidFill>
-                <a:highlight>
-                  <a:srgbClr val="F5F5F5"/>
-                </a:highlight>
-                <a:latin typeface="Consolas"/>
-              </a:rPr>
-              <a:t>Message</a:t>
-            </a:r>
-            <a:r>
-              <a:rPr lang="en-US" sz="1200">
-                <a:solidFill>
-                  <a:srgbClr val="4B69C6"/>
-                </a:solidFill>
-                <a:highlight>
-                  <a:srgbClr val="F5F5F5"/>
-                </a:highlight>
-                <a:latin typeface="Consolas"/>
-              </a:rPr>
-              <a:t>(</a:t>
-            </a:r>
-            <a:r>
-              <a:rPr lang="en-US" sz="1200">
-                <a:solidFill>
-                  <a:srgbClr val="448C27"/>
-                </a:solidFill>
-                <a:highlight>
-                  <a:srgbClr val="F5F5F5"/>
-                </a:highlight>
-                <a:latin typeface="Consolas"/>
-              </a:rPr>
-              <a:t>'From Order Processor'</a:t>
-            </a:r>
-            <a:r>
-              <a:rPr lang="en-US" sz="1200">
-                <a:solidFill>
-                  <a:srgbClr val="4B69C6"/>
-                </a:solidFill>
-                <a:highlight>
-                  <a:srgbClr val="F5F5F5"/>
-                </a:highlight>
-                <a:latin typeface="Consolas"/>
-              </a:rPr>
-              <a:t>)</a:t>
-            </a:r>
-            <a:r>
-              <a:rPr lang="en-US" sz="1200">
-                <a:solidFill>
-                  <a:srgbClr val="777777"/>
-                </a:solidFill>
-                <a:highlight>
-                  <a:srgbClr val="F5F5F5"/>
-                </a:highlight>
-                <a:latin typeface="Consolas"/>
-              </a:rPr>
-              <a:t>;</a:t>
-            </a:r>
-          </a:p>
-          <a:p>
-            <a:r>
-              <a:rPr lang="en-US" sz="1200">
-                <a:solidFill>
-                  <a:srgbClr val="333333"/>
-                </a:solidFill>
-                <a:highlight>
-                  <a:srgbClr val="F5F5F5"/>
-                </a:highlight>
-                <a:latin typeface="Consolas"/>
-              </a:rPr>
-              <a:t>    </a:t>
-            </a:r>
-            <a:r>
-              <a:rPr lang="en-US" sz="1200">
-                <a:solidFill>
-                  <a:srgbClr val="4B69C6"/>
-                </a:solidFill>
-                <a:highlight>
-                  <a:srgbClr val="F5F5F5"/>
-                </a:highlight>
-                <a:latin typeface="Consolas"/>
-              </a:rPr>
-              <a:t>end</a:t>
-            </a:r>
-            <a:r>
-              <a:rPr lang="en-US" sz="1200">
-                <a:solidFill>
-                  <a:srgbClr val="777777"/>
-                </a:solidFill>
-                <a:highlight>
-                  <a:srgbClr val="F5F5F5"/>
-                </a:highlight>
-                <a:latin typeface="Consolas"/>
-              </a:rPr>
-              <a:t>;</a:t>
-            </a:r>
-          </a:p>
-          <a:p>
-            <a:r>
-              <a:rPr lang="en-US" sz="1200">
-                <a:solidFill>
-                  <a:srgbClr val="333333"/>
-                </a:solidFill>
-                <a:highlight>
-                  <a:srgbClr val="F5F5F5"/>
-                </a:highlight>
-                <a:latin typeface="Consolas"/>
-              </a:rPr>
-              <a:t>}</a:t>
-            </a:r>
-          </a:p>
-          <a:p>
-            <a:endParaRPr lang="en-US">
-              <a:solidFill>
-                <a:srgbClr val="333333"/>
-              </a:solidFill>
-              <a:highlight>
-                <a:srgbClr val="F5F5F5"/>
-              </a:highlight>
-              <a:latin typeface="Consolas"/>
-            </a:endParaRPr>
-          </a:p>
-        </p:txBody>
-      </p:sp>
-      <p:sp>
-        <p:nvSpPr>
-          <p:cNvPr id="5" name="TextBox 4">
-            <a:extLst>
-              <a:ext uri="{FF2B5EF4-FFF2-40B4-BE49-F238E27FC236}">
-                <a16:creationId xmlns:a16="http://schemas.microsoft.com/office/drawing/2014/main" id="{62AAE52F-1B7F-0E61-69D9-6A11C036F412}"/>
-              </a:ext>
-            </a:extLst>
-          </p:cNvPr>
-          <p:cNvSpPr txBox="1"/>
-          <p:nvPr/>
-        </p:nvSpPr>
-        <p:spPr>
-          <a:xfrm>
-            <a:off x="2720340" y="3848100"/>
-            <a:ext cx="4975860" cy="1569660"/>
-          </a:xfrm>
-          <a:prstGeom prst="rect">
-            <a:avLst/>
-          </a:prstGeom>
-          <a:noFill/>
-        </p:spPr>
-        <p:txBody>
-          <a:bodyPr rot="0" spcFirstLastPara="0" vertOverflow="overflow" horzOverflow="overflow" vert="horz" wrap="square" lIns="91440" tIns="45720" rIns="91440" bIns="45720" numCol="1" spcCol="0" rtlCol="0" fromWordArt="0" anchor="t" anchorCtr="0" forceAA="0" compatLnSpc="1">
-            <a:prstTxWarp prst="textNoShape">
-              <a:avLst/>
-            </a:prstTxWarp>
-            <a:spAutoFit/>
-          </a:bodyPr>
-          <a:lstStyle/>
-          <a:p>
-            <a:r>
-              <a:rPr lang="en-US" sz="1200" err="1">
-                <a:solidFill>
-                  <a:srgbClr val="4B69C6"/>
-                </a:solidFill>
-                <a:highlight>
-                  <a:srgbClr val="F5F5F5"/>
-                </a:highlight>
-                <a:latin typeface="Consolas"/>
-              </a:rPr>
-              <a:t>codeunit</a:t>
-            </a:r>
-            <a:r>
-              <a:rPr lang="en-US" sz="1200">
-                <a:solidFill>
-                  <a:srgbClr val="333333"/>
-                </a:solidFill>
-                <a:highlight>
-                  <a:srgbClr val="F5F5F5"/>
-                </a:highlight>
-                <a:latin typeface="Consolas"/>
-              </a:rPr>
-              <a:t> </a:t>
-            </a:r>
-            <a:r>
-              <a:rPr lang="en-US" sz="1200">
-                <a:solidFill>
-                  <a:srgbClr val="9C5D27"/>
-                </a:solidFill>
-                <a:highlight>
-                  <a:srgbClr val="F5F5F5"/>
-                </a:highlight>
-                <a:latin typeface="Consolas"/>
-              </a:rPr>
-              <a:t>70601</a:t>
-            </a:r>
-            <a:r>
-              <a:rPr lang="en-US" sz="1200">
-                <a:solidFill>
-                  <a:srgbClr val="333333"/>
-                </a:solidFill>
-                <a:highlight>
-                  <a:srgbClr val="F5F5F5"/>
-                </a:highlight>
-                <a:latin typeface="Consolas"/>
-              </a:rPr>
-              <a:t> </a:t>
-            </a:r>
-            <a:r>
-              <a:rPr lang="en-US" sz="1200" b="1" err="1">
-                <a:solidFill>
-                  <a:srgbClr val="7A3E9D"/>
-                </a:solidFill>
-                <a:highlight>
-                  <a:srgbClr val="F5F5F5"/>
-                </a:highlight>
-                <a:latin typeface="Consolas"/>
-              </a:rPr>
-              <a:t>RateProcessor</a:t>
-            </a:r>
-            <a:r>
-              <a:rPr lang="en-US" sz="1200">
-                <a:solidFill>
-                  <a:srgbClr val="333333"/>
-                </a:solidFill>
-                <a:highlight>
-                  <a:srgbClr val="F5F5F5"/>
-                </a:highlight>
-                <a:latin typeface="Consolas"/>
-              </a:rPr>
-              <a:t> </a:t>
-            </a:r>
-            <a:r>
-              <a:rPr lang="en-US" sz="1200">
-                <a:solidFill>
-                  <a:srgbClr val="4B69C6"/>
-                </a:solidFill>
-                <a:highlight>
-                  <a:srgbClr val="F5F5F5"/>
-                </a:highlight>
-                <a:latin typeface="Consolas"/>
-              </a:rPr>
-              <a:t>implements</a:t>
-            </a:r>
-            <a:r>
-              <a:rPr lang="en-US" sz="1200">
-                <a:solidFill>
-                  <a:srgbClr val="333333"/>
-                </a:solidFill>
-                <a:highlight>
-                  <a:srgbClr val="F5F5F5"/>
-                </a:highlight>
-                <a:latin typeface="Consolas"/>
-              </a:rPr>
-              <a:t> </a:t>
-            </a:r>
-            <a:r>
-              <a:rPr lang="en-US" sz="1200" b="1">
-                <a:solidFill>
-                  <a:srgbClr val="7A3E9D"/>
-                </a:solidFill>
-                <a:highlight>
-                  <a:srgbClr val="F5F5F5"/>
-                </a:highlight>
-                <a:latin typeface="Consolas"/>
-              </a:rPr>
-              <a:t>Processor</a:t>
-            </a:r>
-          </a:p>
-          <a:p>
-            <a:r>
-              <a:rPr lang="en-US" sz="1200">
-                <a:solidFill>
-                  <a:srgbClr val="333333"/>
-                </a:solidFill>
-                <a:highlight>
-                  <a:srgbClr val="F5F5F5"/>
-                </a:highlight>
-                <a:latin typeface="Consolas"/>
-              </a:rPr>
-              <a:t>{</a:t>
-            </a:r>
-          </a:p>
-          <a:p>
-            <a:r>
-              <a:rPr lang="en-US" sz="1200">
-                <a:solidFill>
-                  <a:srgbClr val="333333"/>
-                </a:solidFill>
-                <a:highlight>
-                  <a:srgbClr val="F5F5F5"/>
-                </a:highlight>
-                <a:latin typeface="Consolas"/>
-              </a:rPr>
-              <a:t>    </a:t>
-            </a:r>
-            <a:r>
-              <a:rPr lang="en-US" sz="1200">
-                <a:solidFill>
-                  <a:srgbClr val="4B69C6"/>
-                </a:solidFill>
-                <a:highlight>
-                  <a:srgbClr val="F5F5F5"/>
-                </a:highlight>
-                <a:latin typeface="Consolas"/>
-              </a:rPr>
-              <a:t>procedure</a:t>
-            </a:r>
-            <a:r>
-              <a:rPr lang="en-US" sz="1200">
-                <a:solidFill>
-                  <a:srgbClr val="333333"/>
-                </a:solidFill>
-                <a:highlight>
-                  <a:srgbClr val="F5F5F5"/>
-                </a:highlight>
-                <a:latin typeface="Consolas"/>
-              </a:rPr>
-              <a:t> </a:t>
-            </a:r>
-            <a:r>
-              <a:rPr lang="en-US" sz="1200" b="1" err="1">
-                <a:solidFill>
-                  <a:srgbClr val="AA3731"/>
-                </a:solidFill>
-                <a:highlight>
-                  <a:srgbClr val="F5F5F5"/>
-                </a:highlight>
-                <a:latin typeface="Consolas"/>
-              </a:rPr>
-              <a:t>WriteMessage</a:t>
-            </a:r>
-            <a:r>
-              <a:rPr lang="en-US" sz="1200">
-                <a:solidFill>
-                  <a:srgbClr val="4B69C6"/>
-                </a:solidFill>
-                <a:highlight>
-                  <a:srgbClr val="F5F5F5"/>
-                </a:highlight>
-                <a:latin typeface="Consolas"/>
-              </a:rPr>
-              <a:t>()</a:t>
-            </a:r>
-          </a:p>
-          <a:p>
-            <a:r>
-              <a:rPr lang="en-US" sz="1200">
-                <a:solidFill>
-                  <a:srgbClr val="333333"/>
-                </a:solidFill>
-                <a:highlight>
-                  <a:srgbClr val="F5F5F5"/>
-                </a:highlight>
-                <a:latin typeface="Consolas"/>
-              </a:rPr>
-              <a:t>    </a:t>
-            </a:r>
-            <a:r>
-              <a:rPr lang="en-US" sz="1200">
-                <a:solidFill>
-                  <a:srgbClr val="4B69C6"/>
-                </a:solidFill>
-                <a:highlight>
-                  <a:srgbClr val="F5F5F5"/>
-                </a:highlight>
-                <a:latin typeface="Consolas"/>
-              </a:rPr>
-              <a:t>begin</a:t>
-            </a:r>
-          </a:p>
-          <a:p>
-            <a:r>
-              <a:rPr lang="en-US" sz="1200">
-                <a:solidFill>
-                  <a:srgbClr val="333333"/>
-                </a:solidFill>
-                <a:highlight>
-                  <a:srgbClr val="F5F5F5"/>
-                </a:highlight>
-                <a:latin typeface="Consolas"/>
-              </a:rPr>
-              <a:t>        </a:t>
-            </a:r>
-            <a:r>
-              <a:rPr lang="en-US" sz="1200" b="1">
-                <a:solidFill>
-                  <a:srgbClr val="AA3731"/>
-                </a:solidFill>
-                <a:highlight>
-                  <a:srgbClr val="F5F5F5"/>
-                </a:highlight>
-                <a:latin typeface="Consolas"/>
-              </a:rPr>
-              <a:t>Message</a:t>
-            </a:r>
-            <a:r>
-              <a:rPr lang="en-US" sz="1200">
-                <a:solidFill>
-                  <a:srgbClr val="4B69C6"/>
-                </a:solidFill>
-                <a:highlight>
-                  <a:srgbClr val="F5F5F5"/>
-                </a:highlight>
-                <a:latin typeface="Consolas"/>
-              </a:rPr>
-              <a:t>(</a:t>
-            </a:r>
-            <a:r>
-              <a:rPr lang="en-US" sz="1200">
-                <a:solidFill>
-                  <a:srgbClr val="448C27"/>
-                </a:solidFill>
-                <a:highlight>
-                  <a:srgbClr val="F5F5F5"/>
-                </a:highlight>
-                <a:latin typeface="Consolas"/>
-              </a:rPr>
-              <a:t>'From Rate Processor'</a:t>
-            </a:r>
-            <a:r>
-              <a:rPr lang="en-US" sz="1200">
-                <a:solidFill>
-                  <a:srgbClr val="4B69C6"/>
-                </a:solidFill>
-                <a:highlight>
-                  <a:srgbClr val="F5F5F5"/>
-                </a:highlight>
-                <a:latin typeface="Consolas"/>
-              </a:rPr>
-              <a:t>)</a:t>
-            </a:r>
-            <a:r>
-              <a:rPr lang="en-US" sz="1200">
-                <a:solidFill>
-                  <a:srgbClr val="777777"/>
-                </a:solidFill>
-                <a:highlight>
-                  <a:srgbClr val="F5F5F5"/>
-                </a:highlight>
-                <a:latin typeface="Consolas"/>
-              </a:rPr>
-              <a:t>;</a:t>
-            </a:r>
-          </a:p>
-          <a:p>
-            <a:r>
-              <a:rPr lang="en-US" sz="1200">
-                <a:solidFill>
-                  <a:srgbClr val="333333"/>
-                </a:solidFill>
-                <a:highlight>
-                  <a:srgbClr val="F5F5F5"/>
-                </a:highlight>
-                <a:latin typeface="Consolas"/>
-              </a:rPr>
-              <a:t>    </a:t>
-            </a:r>
-            <a:r>
-              <a:rPr lang="en-US" sz="1200">
-                <a:solidFill>
-                  <a:srgbClr val="4B69C6"/>
-                </a:solidFill>
-                <a:highlight>
-                  <a:srgbClr val="F5F5F5"/>
-                </a:highlight>
-                <a:latin typeface="Consolas"/>
-              </a:rPr>
-              <a:t>end</a:t>
-            </a:r>
-            <a:r>
-              <a:rPr lang="en-US" sz="1200">
-                <a:solidFill>
-                  <a:srgbClr val="777777"/>
-                </a:solidFill>
-                <a:highlight>
-                  <a:srgbClr val="F5F5F5"/>
-                </a:highlight>
-                <a:latin typeface="Consolas"/>
-              </a:rPr>
-              <a:t>;</a:t>
-            </a:r>
-          </a:p>
-          <a:p>
-            <a:r>
-              <a:rPr lang="en-US" sz="1200">
-                <a:solidFill>
-                  <a:srgbClr val="333333"/>
-                </a:solidFill>
-                <a:highlight>
-                  <a:srgbClr val="F5F5F5"/>
-                </a:highlight>
-                <a:latin typeface="Consolas"/>
-              </a:rPr>
-              <a:t>}</a:t>
-            </a:r>
-          </a:p>
-          <a:p>
-            <a:endParaRPr lang="en-US" sz="1200">
-              <a:solidFill>
-                <a:srgbClr val="333333"/>
-              </a:solidFill>
-              <a:highlight>
-                <a:srgbClr val="F5F5F5"/>
-              </a:highlight>
-              <a:latin typeface="Consolas"/>
-            </a:endParaRPr>
-          </a:p>
-        </p:txBody>
-      </p:sp>
-      <p:sp>
-        <p:nvSpPr>
-          <p:cNvPr id="6" name="TextBox 5">
-            <a:extLst>
-              <a:ext uri="{FF2B5EF4-FFF2-40B4-BE49-F238E27FC236}">
-                <a16:creationId xmlns:a16="http://schemas.microsoft.com/office/drawing/2014/main" id="{15758DD6-B490-6DC3-891E-727191F7A0E0}"/>
-              </a:ext>
-            </a:extLst>
-          </p:cNvPr>
-          <p:cNvSpPr txBox="1"/>
-          <p:nvPr/>
-        </p:nvSpPr>
-        <p:spPr>
-          <a:xfrm>
-            <a:off x="144780" y="2354580"/>
-            <a:ext cx="2743200" cy="1015663"/>
-          </a:xfrm>
-          <a:prstGeom prst="rect">
-            <a:avLst/>
-          </a:prstGeom>
-          <a:noFill/>
-        </p:spPr>
-        <p:txBody>
-          <a:bodyPr rot="0" spcFirstLastPara="0" vertOverflow="overflow" horzOverflow="overflow" vert="horz" wrap="square" lIns="91440" tIns="45720" rIns="91440" bIns="45720" numCol="1" spcCol="0" rtlCol="0" fromWordArt="0" anchor="t" anchorCtr="0" forceAA="0" compatLnSpc="1">
-            <a:prstTxWarp prst="textNoShape">
-              <a:avLst/>
-            </a:prstTxWarp>
-            <a:spAutoFit/>
-          </a:bodyPr>
-          <a:lstStyle/>
-          <a:p>
-            <a:r>
-              <a:rPr lang="en-US" sz="1200">
-                <a:solidFill>
-                  <a:srgbClr val="4B69C6"/>
-                </a:solidFill>
-                <a:highlight>
-                  <a:srgbClr val="F5F5F5"/>
-                </a:highlight>
-                <a:latin typeface="Consolas"/>
-              </a:rPr>
-              <a:t>interface</a:t>
-            </a:r>
-            <a:r>
-              <a:rPr lang="en-US" sz="1200">
-                <a:solidFill>
-                  <a:srgbClr val="333333"/>
-                </a:solidFill>
-                <a:highlight>
-                  <a:srgbClr val="F5F5F5"/>
-                </a:highlight>
-                <a:latin typeface="Consolas"/>
-              </a:rPr>
-              <a:t> </a:t>
-            </a:r>
-            <a:r>
-              <a:rPr lang="en-US" sz="1200" b="1">
-                <a:solidFill>
-                  <a:srgbClr val="7A3E9D"/>
-                </a:solidFill>
-                <a:highlight>
-                  <a:srgbClr val="F5F5F5"/>
-                </a:highlight>
-                <a:latin typeface="Consolas"/>
-              </a:rPr>
-              <a:t>Processor</a:t>
-            </a:r>
-          </a:p>
-          <a:p>
-            <a:r>
-              <a:rPr lang="en-US" sz="1200">
-                <a:solidFill>
-                  <a:srgbClr val="333333"/>
-                </a:solidFill>
-                <a:highlight>
-                  <a:srgbClr val="F5F5F5"/>
-                </a:highlight>
-                <a:latin typeface="Consolas"/>
-              </a:rPr>
-              <a:t>{</a:t>
-            </a:r>
-          </a:p>
-          <a:p>
-            <a:r>
-              <a:rPr lang="en-US" sz="1200">
-                <a:solidFill>
-                  <a:srgbClr val="333333"/>
-                </a:solidFill>
-                <a:highlight>
-                  <a:srgbClr val="F5F5F5"/>
-                </a:highlight>
-                <a:latin typeface="Consolas"/>
-              </a:rPr>
-              <a:t>    </a:t>
-            </a:r>
-            <a:r>
-              <a:rPr lang="en-US" sz="1200">
-                <a:solidFill>
-                  <a:srgbClr val="4B69C6"/>
-                </a:solidFill>
-                <a:highlight>
-                  <a:srgbClr val="F5F5F5"/>
-                </a:highlight>
-                <a:latin typeface="Consolas"/>
-              </a:rPr>
-              <a:t>procedure</a:t>
-            </a:r>
-            <a:r>
-              <a:rPr lang="en-US" sz="1200">
-                <a:solidFill>
-                  <a:srgbClr val="333333"/>
-                </a:solidFill>
-                <a:highlight>
-                  <a:srgbClr val="F5F5F5"/>
-                </a:highlight>
-                <a:latin typeface="Consolas"/>
-              </a:rPr>
-              <a:t> </a:t>
-            </a:r>
-            <a:r>
-              <a:rPr lang="en-US" sz="1200" b="1" err="1">
-                <a:solidFill>
-                  <a:srgbClr val="AA3731"/>
-                </a:solidFill>
-                <a:highlight>
-                  <a:srgbClr val="F5F5F5"/>
-                </a:highlight>
-                <a:latin typeface="Consolas"/>
-              </a:rPr>
-              <a:t>WriteMessage</a:t>
-            </a:r>
-            <a:r>
-              <a:rPr lang="en-US" sz="1200">
-                <a:solidFill>
-                  <a:srgbClr val="4B69C6"/>
-                </a:solidFill>
-                <a:highlight>
-                  <a:srgbClr val="F5F5F5"/>
-                </a:highlight>
-                <a:latin typeface="Consolas"/>
-              </a:rPr>
-              <a:t>()</a:t>
-            </a:r>
-            <a:r>
-              <a:rPr lang="en-US" sz="1200">
-                <a:solidFill>
-                  <a:srgbClr val="777777"/>
-                </a:solidFill>
-                <a:highlight>
-                  <a:srgbClr val="F5F5F5"/>
-                </a:highlight>
-                <a:latin typeface="Consolas"/>
-              </a:rPr>
-              <a:t>;</a:t>
-            </a:r>
-          </a:p>
-          <a:p>
-            <a:r>
-              <a:rPr lang="en-US" sz="1200">
-                <a:solidFill>
-                  <a:srgbClr val="333333"/>
-                </a:solidFill>
-                <a:highlight>
-                  <a:srgbClr val="F5F5F5"/>
-                </a:highlight>
-                <a:latin typeface="Consolas"/>
-              </a:rPr>
-              <a:t>}</a:t>
-            </a:r>
-          </a:p>
-          <a:p>
-            <a:endParaRPr lang="en-US" sz="1200">
-              <a:solidFill>
-                <a:srgbClr val="333333"/>
-              </a:solidFill>
-              <a:highlight>
-                <a:srgbClr val="F5F5F5"/>
-              </a:highlight>
-              <a:latin typeface="Consolas"/>
-            </a:endParaRPr>
-          </a:p>
-        </p:txBody>
-      </p:sp>
-      <p:sp>
-        <p:nvSpPr>
-          <p:cNvPr id="7" name="TextBox 6">
-            <a:extLst>
-              <a:ext uri="{FF2B5EF4-FFF2-40B4-BE49-F238E27FC236}">
-                <a16:creationId xmlns:a16="http://schemas.microsoft.com/office/drawing/2014/main" id="{EF540015-5DEC-44D6-87C7-C0F1FAD27BDA}"/>
-              </a:ext>
-            </a:extLst>
-          </p:cNvPr>
-          <p:cNvSpPr txBox="1"/>
-          <p:nvPr/>
-        </p:nvSpPr>
-        <p:spPr>
-          <a:xfrm>
-            <a:off x="7322820" y="2263140"/>
-            <a:ext cx="4983480" cy="3416320"/>
-          </a:xfrm>
-          <a:prstGeom prst="rect">
-            <a:avLst/>
-          </a:prstGeom>
-          <a:noFill/>
-        </p:spPr>
-        <p:txBody>
-          <a:bodyPr rot="0" spcFirstLastPara="0" vertOverflow="overflow" horzOverflow="overflow" vert="horz" wrap="square" lIns="91440" tIns="45720" rIns="91440" bIns="45720" numCol="1" spcCol="0" rtlCol="0" fromWordArt="0" anchor="t" anchorCtr="0" forceAA="0" compatLnSpc="1">
-            <a:prstTxWarp prst="textNoShape">
-              <a:avLst/>
-            </a:prstTxWarp>
-            <a:spAutoFit/>
-          </a:bodyPr>
-          <a:lstStyle/>
-          <a:p>
-            <a:r>
-              <a:rPr lang="en-US" sz="1200" err="1">
-                <a:solidFill>
-                  <a:srgbClr val="4B69C6"/>
-                </a:solidFill>
-                <a:highlight>
-                  <a:srgbClr val="F5F5F5"/>
-                </a:highlight>
-                <a:latin typeface="Consolas"/>
-              </a:rPr>
-              <a:t>pageextension</a:t>
-            </a:r>
-            <a:r>
-              <a:rPr lang="en-US" sz="1200">
-                <a:solidFill>
-                  <a:srgbClr val="333333"/>
-                </a:solidFill>
-                <a:highlight>
-                  <a:srgbClr val="F5F5F5"/>
-                </a:highlight>
-                <a:latin typeface="Consolas"/>
-              </a:rPr>
-              <a:t> </a:t>
-            </a:r>
-            <a:r>
-              <a:rPr lang="en-US" sz="1200">
-                <a:solidFill>
-                  <a:srgbClr val="9C5D27"/>
-                </a:solidFill>
-                <a:highlight>
-                  <a:srgbClr val="F5F5F5"/>
-                </a:highlight>
-                <a:latin typeface="Consolas"/>
-              </a:rPr>
-              <a:t>70600</a:t>
-            </a:r>
-            <a:r>
-              <a:rPr lang="en-US" sz="1200">
-                <a:solidFill>
-                  <a:srgbClr val="333333"/>
-                </a:solidFill>
-                <a:highlight>
-                  <a:srgbClr val="F5F5F5"/>
-                </a:highlight>
-                <a:latin typeface="Consolas"/>
-              </a:rPr>
-              <a:t> </a:t>
-            </a:r>
-            <a:r>
-              <a:rPr lang="en-US" sz="1200" b="1" err="1">
-                <a:solidFill>
-                  <a:srgbClr val="7A3E9D"/>
-                </a:solidFill>
-                <a:highlight>
-                  <a:srgbClr val="F5F5F5"/>
-                </a:highlight>
-                <a:latin typeface="Consolas"/>
-              </a:rPr>
-              <a:t>CustomerListExt</a:t>
-            </a:r>
-            <a:r>
-              <a:rPr lang="en-US" sz="1200">
-                <a:solidFill>
-                  <a:srgbClr val="333333"/>
-                </a:solidFill>
-                <a:highlight>
-                  <a:srgbClr val="F5F5F5"/>
-                </a:highlight>
-                <a:latin typeface="Consolas"/>
-              </a:rPr>
-              <a:t> </a:t>
-            </a:r>
-            <a:r>
-              <a:rPr lang="en-US" sz="1200">
-                <a:solidFill>
-                  <a:srgbClr val="4B69C6"/>
-                </a:solidFill>
-                <a:highlight>
-                  <a:srgbClr val="F5F5F5"/>
-                </a:highlight>
-                <a:latin typeface="Consolas"/>
-              </a:rPr>
-              <a:t>extends</a:t>
-            </a:r>
-            <a:r>
-              <a:rPr lang="en-US" sz="1200">
-                <a:solidFill>
-                  <a:srgbClr val="333333"/>
-                </a:solidFill>
-                <a:highlight>
-                  <a:srgbClr val="F5F5F5"/>
-                </a:highlight>
-                <a:latin typeface="Consolas"/>
-              </a:rPr>
-              <a:t> </a:t>
-            </a:r>
-            <a:r>
-              <a:rPr lang="en-US" sz="1200" b="1">
-                <a:solidFill>
-                  <a:srgbClr val="7A3E9D"/>
-                </a:solidFill>
-                <a:highlight>
-                  <a:srgbClr val="F5F5F5"/>
-                </a:highlight>
-                <a:latin typeface="Consolas"/>
-              </a:rPr>
-              <a:t>"Customer List"</a:t>
-            </a:r>
-          </a:p>
-          <a:p>
-            <a:r>
-              <a:rPr lang="en-US" sz="1200">
-                <a:solidFill>
-                  <a:srgbClr val="333333"/>
-                </a:solidFill>
-                <a:highlight>
-                  <a:srgbClr val="F5F5F5"/>
-                </a:highlight>
-                <a:latin typeface="Consolas"/>
-              </a:rPr>
-              <a:t>{</a:t>
-            </a:r>
-          </a:p>
-          <a:p>
-            <a:r>
-              <a:rPr lang="en-US" sz="1200">
-                <a:solidFill>
-                  <a:srgbClr val="333333"/>
-                </a:solidFill>
-                <a:highlight>
-                  <a:srgbClr val="F5F5F5"/>
-                </a:highlight>
-                <a:latin typeface="Consolas"/>
-              </a:rPr>
-              <a:t>    </a:t>
-            </a:r>
-            <a:r>
-              <a:rPr lang="en-US" sz="1200">
-                <a:solidFill>
-                  <a:srgbClr val="4B69C6"/>
-                </a:solidFill>
-                <a:highlight>
-                  <a:srgbClr val="F5F5F5"/>
-                </a:highlight>
-                <a:latin typeface="Consolas"/>
-              </a:rPr>
-              <a:t>trigger</a:t>
-            </a:r>
-            <a:r>
-              <a:rPr lang="en-US" sz="1200">
-                <a:solidFill>
-                  <a:srgbClr val="333333"/>
-                </a:solidFill>
-                <a:highlight>
-                  <a:srgbClr val="F5F5F5"/>
-                </a:highlight>
-                <a:latin typeface="Consolas"/>
-              </a:rPr>
-              <a:t> </a:t>
-            </a:r>
-            <a:r>
-              <a:rPr lang="en-US" sz="1200" b="1" err="1">
-                <a:solidFill>
-                  <a:srgbClr val="AA3731"/>
-                </a:solidFill>
-                <a:highlight>
-                  <a:srgbClr val="F5F5F5"/>
-                </a:highlight>
-                <a:latin typeface="Consolas"/>
-              </a:rPr>
-              <a:t>OnOpenPage</a:t>
-            </a:r>
-            <a:r>
-              <a:rPr lang="en-US" sz="1200">
-                <a:solidFill>
-                  <a:srgbClr val="4B69C6"/>
-                </a:solidFill>
-                <a:highlight>
-                  <a:srgbClr val="F5F5F5"/>
-                </a:highlight>
-                <a:latin typeface="Consolas"/>
-              </a:rPr>
-              <a:t>()</a:t>
-            </a:r>
-            <a:r>
-              <a:rPr lang="en-US" sz="1200">
-                <a:solidFill>
-                  <a:srgbClr val="777777"/>
-                </a:solidFill>
-                <a:highlight>
-                  <a:srgbClr val="F5F5F5"/>
-                </a:highlight>
-                <a:latin typeface="Consolas"/>
-              </a:rPr>
-              <a:t>;</a:t>
-            </a:r>
-          </a:p>
-          <a:p>
-            <a:r>
-              <a:rPr lang="en-US" sz="1200">
-                <a:solidFill>
-                  <a:srgbClr val="333333"/>
-                </a:solidFill>
-                <a:highlight>
-                  <a:srgbClr val="F5F5F5"/>
-                </a:highlight>
-                <a:latin typeface="Consolas"/>
-              </a:rPr>
-              <a:t>    </a:t>
-            </a:r>
-            <a:r>
-              <a:rPr lang="en-US" sz="1200">
-                <a:solidFill>
-                  <a:srgbClr val="4B69C6"/>
-                </a:solidFill>
-                <a:highlight>
-                  <a:srgbClr val="F5F5F5"/>
-                </a:highlight>
-                <a:latin typeface="Consolas"/>
-              </a:rPr>
-              <a:t>var</a:t>
-            </a:r>
-          </a:p>
-          <a:p>
-            <a:r>
-              <a:rPr lang="en-US" sz="1200">
-                <a:solidFill>
-                  <a:srgbClr val="333333"/>
-                </a:solidFill>
-                <a:highlight>
-                  <a:srgbClr val="F5F5F5"/>
-                </a:highlight>
-                <a:latin typeface="Consolas"/>
-              </a:rPr>
-              <a:t>        </a:t>
-            </a:r>
-            <a:r>
-              <a:rPr lang="en-US" sz="1200" err="1">
-                <a:solidFill>
-                  <a:srgbClr val="7A3E9D"/>
-                </a:solidFill>
-                <a:highlight>
-                  <a:srgbClr val="F5F5F5"/>
-                </a:highlight>
-                <a:latin typeface="Consolas"/>
-              </a:rPr>
-              <a:t>lIface</a:t>
-            </a:r>
-            <a:r>
-              <a:rPr lang="en-US" sz="1200">
-                <a:solidFill>
-                  <a:srgbClr val="777777"/>
-                </a:solidFill>
-                <a:highlight>
-                  <a:srgbClr val="F5F5F5"/>
-                </a:highlight>
-                <a:latin typeface="Consolas"/>
-              </a:rPr>
-              <a:t>:</a:t>
-            </a:r>
-            <a:r>
-              <a:rPr lang="en-US" sz="1200">
-                <a:solidFill>
-                  <a:srgbClr val="333333"/>
-                </a:solidFill>
-                <a:highlight>
-                  <a:srgbClr val="F5F5F5"/>
-                </a:highlight>
-                <a:latin typeface="Consolas"/>
-              </a:rPr>
-              <a:t> </a:t>
-            </a:r>
-            <a:r>
-              <a:rPr lang="en-US" sz="1200">
-                <a:solidFill>
-                  <a:srgbClr val="4B69C6"/>
-                </a:solidFill>
-                <a:highlight>
-                  <a:srgbClr val="F5F5F5"/>
-                </a:highlight>
-                <a:latin typeface="Consolas"/>
-              </a:rPr>
-              <a:t>List</a:t>
-            </a:r>
-            <a:r>
-              <a:rPr lang="en-US" sz="1200">
-                <a:solidFill>
-                  <a:srgbClr val="333333"/>
-                </a:solidFill>
-                <a:highlight>
-                  <a:srgbClr val="F5F5F5"/>
-                </a:highlight>
-                <a:latin typeface="Consolas"/>
-              </a:rPr>
-              <a:t> </a:t>
-            </a:r>
-            <a:r>
-              <a:rPr lang="en-US" sz="1200">
-                <a:solidFill>
-                  <a:srgbClr val="4B69C6"/>
-                </a:solidFill>
-                <a:highlight>
-                  <a:srgbClr val="F5F5F5"/>
-                </a:highlight>
-                <a:latin typeface="Consolas"/>
-              </a:rPr>
-              <a:t>of</a:t>
-            </a:r>
-            <a:r>
-              <a:rPr lang="en-US" sz="1200">
-                <a:solidFill>
-                  <a:srgbClr val="333333"/>
-                </a:solidFill>
-                <a:highlight>
-                  <a:srgbClr val="F5F5F5"/>
-                </a:highlight>
-                <a:latin typeface="Consolas"/>
-              </a:rPr>
-              <a:t> [</a:t>
-            </a:r>
-            <a:r>
-              <a:rPr lang="en-US" sz="1200">
-                <a:solidFill>
-                  <a:srgbClr val="4B69C6"/>
-                </a:solidFill>
-                <a:highlight>
-                  <a:srgbClr val="F5F5F5"/>
-                </a:highlight>
-                <a:latin typeface="Consolas"/>
-              </a:rPr>
-              <a:t>Interface</a:t>
-            </a:r>
-            <a:r>
-              <a:rPr lang="en-US" sz="1200">
-                <a:solidFill>
-                  <a:srgbClr val="333333"/>
-                </a:solidFill>
-                <a:highlight>
-                  <a:srgbClr val="F5F5F5"/>
-                </a:highlight>
-                <a:latin typeface="Consolas"/>
-              </a:rPr>
-              <a:t> </a:t>
-            </a:r>
-            <a:r>
-              <a:rPr lang="en-US" sz="1200" b="1">
-                <a:solidFill>
-                  <a:srgbClr val="7A3E9D"/>
-                </a:solidFill>
-                <a:highlight>
-                  <a:srgbClr val="F5F5F5"/>
-                </a:highlight>
-                <a:latin typeface="Consolas"/>
-              </a:rPr>
-              <a:t>Processor</a:t>
-            </a:r>
-            <a:r>
-              <a:rPr lang="en-US" sz="1200">
-                <a:solidFill>
-                  <a:srgbClr val="333333"/>
-                </a:solidFill>
-                <a:highlight>
-                  <a:srgbClr val="F5F5F5"/>
-                </a:highlight>
-                <a:latin typeface="Consolas"/>
-              </a:rPr>
-              <a:t>]</a:t>
-            </a:r>
-            <a:r>
-              <a:rPr lang="en-US" sz="1200">
-                <a:solidFill>
-                  <a:srgbClr val="777777"/>
-                </a:solidFill>
-                <a:highlight>
-                  <a:srgbClr val="F5F5F5"/>
-                </a:highlight>
-                <a:latin typeface="Consolas"/>
-              </a:rPr>
-              <a:t>;</a:t>
-            </a:r>
-          </a:p>
-          <a:p>
-            <a:r>
-              <a:rPr lang="en-US" sz="1200">
-                <a:solidFill>
-                  <a:srgbClr val="333333"/>
-                </a:solidFill>
-                <a:highlight>
-                  <a:srgbClr val="F5F5F5"/>
-                </a:highlight>
-                <a:latin typeface="Consolas"/>
-              </a:rPr>
-              <a:t>        </a:t>
-            </a:r>
-            <a:r>
-              <a:rPr lang="en-US" sz="1200" err="1">
-                <a:solidFill>
-                  <a:srgbClr val="7A3E9D"/>
-                </a:solidFill>
-                <a:highlight>
-                  <a:srgbClr val="F5F5F5"/>
-                </a:highlight>
-                <a:latin typeface="Consolas"/>
-              </a:rPr>
-              <a:t>cuOrderProc</a:t>
-            </a:r>
-            <a:r>
-              <a:rPr lang="en-US" sz="1200">
-                <a:solidFill>
-                  <a:srgbClr val="777777"/>
-                </a:solidFill>
-                <a:highlight>
-                  <a:srgbClr val="F5F5F5"/>
-                </a:highlight>
-                <a:latin typeface="Consolas"/>
-              </a:rPr>
-              <a:t>:</a:t>
-            </a:r>
-            <a:r>
-              <a:rPr lang="en-US" sz="1200">
-                <a:solidFill>
-                  <a:srgbClr val="333333"/>
-                </a:solidFill>
-                <a:highlight>
-                  <a:srgbClr val="F5F5F5"/>
-                </a:highlight>
-                <a:latin typeface="Consolas"/>
-              </a:rPr>
-              <a:t> </a:t>
-            </a:r>
-            <a:r>
-              <a:rPr lang="en-US" sz="1200" err="1">
-                <a:solidFill>
-                  <a:srgbClr val="4B69C6"/>
-                </a:solidFill>
-                <a:highlight>
-                  <a:srgbClr val="F5F5F5"/>
-                </a:highlight>
-                <a:latin typeface="Consolas"/>
-              </a:rPr>
-              <a:t>codeunit</a:t>
-            </a:r>
-            <a:r>
-              <a:rPr lang="en-US" sz="1200">
-                <a:solidFill>
-                  <a:srgbClr val="333333"/>
-                </a:solidFill>
-                <a:highlight>
-                  <a:srgbClr val="F5F5F5"/>
-                </a:highlight>
-                <a:latin typeface="Consolas"/>
-              </a:rPr>
-              <a:t> </a:t>
-            </a:r>
-            <a:r>
-              <a:rPr lang="en-US" sz="1200" b="1" err="1">
-                <a:solidFill>
-                  <a:srgbClr val="7A3E9D"/>
-                </a:solidFill>
-                <a:highlight>
-                  <a:srgbClr val="F5F5F5"/>
-                </a:highlight>
-                <a:latin typeface="Consolas"/>
-              </a:rPr>
-              <a:t>OrderProcessor</a:t>
-            </a:r>
-            <a:r>
-              <a:rPr lang="en-US" sz="1200">
-                <a:solidFill>
-                  <a:srgbClr val="777777"/>
-                </a:solidFill>
-                <a:highlight>
-                  <a:srgbClr val="F5F5F5"/>
-                </a:highlight>
-                <a:latin typeface="Consolas"/>
-              </a:rPr>
-              <a:t>;</a:t>
-            </a:r>
-          </a:p>
-          <a:p>
-            <a:r>
-              <a:rPr lang="en-US" sz="1200">
-                <a:solidFill>
-                  <a:srgbClr val="333333"/>
-                </a:solidFill>
-                <a:highlight>
-                  <a:srgbClr val="F5F5F5"/>
-                </a:highlight>
-                <a:latin typeface="Consolas"/>
-              </a:rPr>
-              <a:t>        </a:t>
-            </a:r>
-            <a:r>
-              <a:rPr lang="en-US" sz="1200" err="1">
-                <a:solidFill>
-                  <a:srgbClr val="7A3E9D"/>
-                </a:solidFill>
-                <a:highlight>
-                  <a:srgbClr val="F5F5F5"/>
-                </a:highlight>
-                <a:latin typeface="Consolas"/>
-              </a:rPr>
-              <a:t>cuRateProc</a:t>
-            </a:r>
-            <a:r>
-              <a:rPr lang="en-US" sz="1200">
-                <a:solidFill>
-                  <a:srgbClr val="777777"/>
-                </a:solidFill>
-                <a:highlight>
-                  <a:srgbClr val="F5F5F5"/>
-                </a:highlight>
-                <a:latin typeface="Consolas"/>
-              </a:rPr>
-              <a:t>:</a:t>
-            </a:r>
-            <a:r>
-              <a:rPr lang="en-US" sz="1200">
-                <a:solidFill>
-                  <a:srgbClr val="333333"/>
-                </a:solidFill>
-                <a:highlight>
-                  <a:srgbClr val="F5F5F5"/>
-                </a:highlight>
-                <a:latin typeface="Consolas"/>
-              </a:rPr>
-              <a:t> </a:t>
-            </a:r>
-            <a:r>
-              <a:rPr lang="en-US" sz="1200" err="1">
-                <a:solidFill>
-                  <a:srgbClr val="4B69C6"/>
-                </a:solidFill>
-                <a:highlight>
-                  <a:srgbClr val="F5F5F5"/>
-                </a:highlight>
-                <a:latin typeface="Consolas"/>
-              </a:rPr>
-              <a:t>codeunit</a:t>
-            </a:r>
-            <a:r>
-              <a:rPr lang="en-US" sz="1200">
-                <a:solidFill>
-                  <a:srgbClr val="333333"/>
-                </a:solidFill>
-                <a:highlight>
-                  <a:srgbClr val="F5F5F5"/>
-                </a:highlight>
-                <a:latin typeface="Consolas"/>
-              </a:rPr>
-              <a:t> </a:t>
-            </a:r>
-            <a:r>
-              <a:rPr lang="en-US" sz="1200" b="1" err="1">
-                <a:solidFill>
-                  <a:srgbClr val="7A3E9D"/>
-                </a:solidFill>
-                <a:highlight>
-                  <a:srgbClr val="F5F5F5"/>
-                </a:highlight>
-                <a:latin typeface="Consolas"/>
-              </a:rPr>
-              <a:t>RateProcessor</a:t>
-            </a:r>
-            <a:r>
-              <a:rPr lang="en-US" sz="1200">
-                <a:solidFill>
-                  <a:srgbClr val="777777"/>
-                </a:solidFill>
-                <a:highlight>
-                  <a:srgbClr val="F5F5F5"/>
-                </a:highlight>
-                <a:latin typeface="Consolas"/>
-              </a:rPr>
-              <a:t>;</a:t>
-            </a:r>
-          </a:p>
-          <a:p>
-            <a:r>
-              <a:rPr lang="en-US" sz="1200">
-                <a:solidFill>
-                  <a:srgbClr val="333333"/>
-                </a:solidFill>
-                <a:highlight>
-                  <a:srgbClr val="F5F5F5"/>
-                </a:highlight>
-                <a:latin typeface="Consolas"/>
-              </a:rPr>
-              <a:t>        </a:t>
-            </a:r>
-            <a:r>
-              <a:rPr lang="en-US" sz="1200" err="1">
-                <a:solidFill>
-                  <a:srgbClr val="7A3E9D"/>
-                </a:solidFill>
-                <a:highlight>
-                  <a:srgbClr val="F5F5F5"/>
-                </a:highlight>
-                <a:latin typeface="Consolas"/>
-              </a:rPr>
-              <a:t>i</a:t>
-            </a:r>
-            <a:r>
-              <a:rPr lang="en-US" sz="1200">
-                <a:solidFill>
-                  <a:srgbClr val="777777"/>
-                </a:solidFill>
-                <a:highlight>
-                  <a:srgbClr val="F5F5F5"/>
-                </a:highlight>
-                <a:latin typeface="Consolas"/>
-              </a:rPr>
-              <a:t>:</a:t>
-            </a:r>
-            <a:r>
-              <a:rPr lang="en-US" sz="1200">
-                <a:solidFill>
-                  <a:srgbClr val="333333"/>
-                </a:solidFill>
-                <a:highlight>
-                  <a:srgbClr val="F5F5F5"/>
-                </a:highlight>
-                <a:latin typeface="Consolas"/>
-              </a:rPr>
-              <a:t> </a:t>
-            </a:r>
-            <a:r>
-              <a:rPr lang="en-US" sz="1200">
-                <a:solidFill>
-                  <a:srgbClr val="4B69C6"/>
-                </a:solidFill>
-                <a:highlight>
-                  <a:srgbClr val="F5F5F5"/>
-                </a:highlight>
-                <a:latin typeface="Consolas"/>
-              </a:rPr>
-              <a:t>Interface</a:t>
-            </a:r>
-            <a:r>
-              <a:rPr lang="en-US" sz="1200">
-                <a:solidFill>
-                  <a:srgbClr val="333333"/>
-                </a:solidFill>
-                <a:highlight>
-                  <a:srgbClr val="F5F5F5"/>
-                </a:highlight>
-                <a:latin typeface="Consolas"/>
-              </a:rPr>
-              <a:t> </a:t>
-            </a:r>
-            <a:r>
-              <a:rPr lang="en-US" sz="1200" b="1">
-                <a:solidFill>
-                  <a:srgbClr val="7A3E9D"/>
-                </a:solidFill>
-                <a:highlight>
-                  <a:srgbClr val="F5F5F5"/>
-                </a:highlight>
-                <a:latin typeface="Consolas"/>
-              </a:rPr>
-              <a:t>Processor</a:t>
-            </a:r>
-            <a:r>
-              <a:rPr lang="en-US" sz="1200">
-                <a:solidFill>
-                  <a:srgbClr val="777777"/>
-                </a:solidFill>
-                <a:highlight>
-                  <a:srgbClr val="F5F5F5"/>
-                </a:highlight>
-                <a:latin typeface="Consolas"/>
-              </a:rPr>
-              <a:t>;</a:t>
-            </a:r>
-          </a:p>
-          <a:p>
-            <a:r>
-              <a:rPr lang="en-US" sz="1200">
-                <a:solidFill>
-                  <a:srgbClr val="333333"/>
-                </a:solidFill>
-                <a:highlight>
-                  <a:srgbClr val="F5F5F5"/>
-                </a:highlight>
-                <a:latin typeface="Consolas"/>
-              </a:rPr>
-              <a:t>    </a:t>
-            </a:r>
-            <a:r>
-              <a:rPr lang="en-US" sz="1200">
-                <a:solidFill>
-                  <a:srgbClr val="4B69C6"/>
-                </a:solidFill>
-                <a:highlight>
-                  <a:srgbClr val="F5F5F5"/>
-                </a:highlight>
-                <a:latin typeface="Consolas"/>
-              </a:rPr>
-              <a:t>begin</a:t>
-            </a:r>
-          </a:p>
-          <a:p>
-            <a:r>
-              <a:rPr lang="en-US" sz="1200">
-                <a:solidFill>
-                  <a:srgbClr val="333333"/>
-                </a:solidFill>
-                <a:highlight>
-                  <a:srgbClr val="F5F5F5"/>
-                </a:highlight>
-                <a:latin typeface="Consolas"/>
-              </a:rPr>
-              <a:t>        </a:t>
-            </a:r>
-            <a:r>
-              <a:rPr lang="en-US" sz="1200" err="1">
-                <a:solidFill>
-                  <a:srgbClr val="7A3E9D"/>
-                </a:solidFill>
-                <a:highlight>
-                  <a:srgbClr val="F5F5F5"/>
-                </a:highlight>
-                <a:latin typeface="Consolas"/>
-              </a:rPr>
-              <a:t>lIface</a:t>
-            </a:r>
-            <a:r>
-              <a:rPr lang="en-US" sz="1200" err="1">
-                <a:solidFill>
-                  <a:srgbClr val="4B69C6"/>
-                </a:solidFill>
-                <a:highlight>
-                  <a:srgbClr val="F5F5F5"/>
-                </a:highlight>
-                <a:latin typeface="Consolas"/>
-              </a:rPr>
-              <a:t>.</a:t>
-            </a:r>
-            <a:r>
-              <a:rPr lang="en-US" sz="1200" b="1" err="1">
-                <a:solidFill>
-                  <a:srgbClr val="AA3731"/>
-                </a:solidFill>
-                <a:highlight>
-                  <a:srgbClr val="F5F5F5"/>
-                </a:highlight>
-                <a:latin typeface="Consolas"/>
-              </a:rPr>
-              <a:t>Add</a:t>
-            </a:r>
-            <a:r>
-              <a:rPr lang="en-US" sz="1200">
-                <a:solidFill>
-                  <a:srgbClr val="4B69C6"/>
-                </a:solidFill>
-                <a:highlight>
-                  <a:srgbClr val="F5F5F5"/>
-                </a:highlight>
-                <a:latin typeface="Consolas"/>
-              </a:rPr>
-              <a:t>(</a:t>
-            </a:r>
-            <a:r>
-              <a:rPr lang="en-US" sz="1200" err="1">
-                <a:solidFill>
-                  <a:srgbClr val="7A3E9D"/>
-                </a:solidFill>
-                <a:highlight>
-                  <a:srgbClr val="F5F5F5"/>
-                </a:highlight>
-                <a:latin typeface="Consolas"/>
-              </a:rPr>
-              <a:t>cuOrderProc</a:t>
-            </a:r>
-            <a:r>
-              <a:rPr lang="en-US" sz="1200">
-                <a:solidFill>
-                  <a:srgbClr val="4B69C6"/>
-                </a:solidFill>
-                <a:highlight>
-                  <a:srgbClr val="F5F5F5"/>
-                </a:highlight>
-                <a:latin typeface="Consolas"/>
-              </a:rPr>
-              <a:t>)</a:t>
-            </a:r>
-            <a:r>
-              <a:rPr lang="en-US" sz="1200">
-                <a:solidFill>
-                  <a:srgbClr val="777777"/>
-                </a:solidFill>
-                <a:highlight>
-                  <a:srgbClr val="F5F5F5"/>
-                </a:highlight>
-                <a:latin typeface="Consolas"/>
-              </a:rPr>
-              <a:t>;</a:t>
-            </a:r>
-          </a:p>
-          <a:p>
-            <a:r>
-              <a:rPr lang="en-US" sz="1200">
-                <a:solidFill>
-                  <a:srgbClr val="333333"/>
-                </a:solidFill>
-                <a:highlight>
-                  <a:srgbClr val="F5F5F5"/>
-                </a:highlight>
-                <a:latin typeface="Consolas"/>
-              </a:rPr>
-              <a:t>        </a:t>
-            </a:r>
-            <a:r>
-              <a:rPr lang="en-US" sz="1200" err="1">
-                <a:solidFill>
-                  <a:srgbClr val="7A3E9D"/>
-                </a:solidFill>
-                <a:highlight>
-                  <a:srgbClr val="F5F5F5"/>
-                </a:highlight>
-                <a:latin typeface="Consolas"/>
-              </a:rPr>
-              <a:t>lIface</a:t>
-            </a:r>
-            <a:r>
-              <a:rPr lang="en-US" sz="1200" err="1">
-                <a:solidFill>
-                  <a:srgbClr val="4B69C6"/>
-                </a:solidFill>
-                <a:highlight>
-                  <a:srgbClr val="F5F5F5"/>
-                </a:highlight>
-                <a:latin typeface="Consolas"/>
-              </a:rPr>
-              <a:t>.</a:t>
-            </a:r>
-            <a:r>
-              <a:rPr lang="en-US" sz="1200" b="1" err="1">
-                <a:solidFill>
-                  <a:srgbClr val="AA3731"/>
-                </a:solidFill>
-                <a:highlight>
-                  <a:srgbClr val="F5F5F5"/>
-                </a:highlight>
-                <a:latin typeface="Consolas"/>
-              </a:rPr>
-              <a:t>Add</a:t>
-            </a:r>
-            <a:r>
-              <a:rPr lang="en-US" sz="1200">
-                <a:solidFill>
-                  <a:srgbClr val="4B69C6"/>
-                </a:solidFill>
-                <a:highlight>
-                  <a:srgbClr val="F5F5F5"/>
-                </a:highlight>
-                <a:latin typeface="Consolas"/>
-              </a:rPr>
-              <a:t>(</a:t>
-            </a:r>
-            <a:r>
-              <a:rPr lang="en-US" sz="1200" err="1">
-                <a:solidFill>
-                  <a:srgbClr val="7A3E9D"/>
-                </a:solidFill>
-                <a:highlight>
-                  <a:srgbClr val="F5F5F5"/>
-                </a:highlight>
-                <a:latin typeface="Consolas"/>
-              </a:rPr>
-              <a:t>cuRateProc</a:t>
-            </a:r>
-            <a:r>
-              <a:rPr lang="en-US" sz="1200">
-                <a:solidFill>
-                  <a:srgbClr val="4B69C6"/>
-                </a:solidFill>
-                <a:highlight>
-                  <a:srgbClr val="F5F5F5"/>
-                </a:highlight>
-                <a:latin typeface="Consolas"/>
-              </a:rPr>
-              <a:t>)</a:t>
-            </a:r>
-            <a:r>
-              <a:rPr lang="en-US" sz="1200">
-                <a:solidFill>
-                  <a:srgbClr val="777777"/>
-                </a:solidFill>
-                <a:highlight>
-                  <a:srgbClr val="F5F5F5"/>
-                </a:highlight>
-                <a:latin typeface="Consolas"/>
-              </a:rPr>
-              <a:t>;</a:t>
-            </a:r>
-          </a:p>
-          <a:p>
-            <a:r>
-              <a:rPr lang="en-US" sz="1200">
-                <a:solidFill>
-                  <a:srgbClr val="333333"/>
-                </a:solidFill>
-                <a:highlight>
-                  <a:srgbClr val="F5F5F5"/>
-                </a:highlight>
-                <a:latin typeface="Consolas"/>
-              </a:rPr>
-              <a:t>        </a:t>
-            </a:r>
-            <a:r>
-              <a:rPr lang="en-US" sz="1200">
-                <a:solidFill>
-                  <a:srgbClr val="4B69C6"/>
-                </a:solidFill>
-                <a:highlight>
-                  <a:srgbClr val="F5F5F5"/>
-                </a:highlight>
-                <a:latin typeface="Consolas"/>
-              </a:rPr>
-              <a:t>foreach</a:t>
-            </a:r>
-            <a:r>
-              <a:rPr lang="en-US" sz="1200">
-                <a:solidFill>
-                  <a:srgbClr val="333333"/>
-                </a:solidFill>
-                <a:highlight>
-                  <a:srgbClr val="F5F5F5"/>
-                </a:highlight>
-                <a:latin typeface="Consolas"/>
-              </a:rPr>
-              <a:t> </a:t>
-            </a:r>
-            <a:r>
-              <a:rPr lang="en-US" sz="1200" err="1">
-                <a:solidFill>
-                  <a:srgbClr val="7A3E9D"/>
-                </a:solidFill>
-                <a:highlight>
-                  <a:srgbClr val="F5F5F5"/>
-                </a:highlight>
-                <a:latin typeface="Consolas"/>
-              </a:rPr>
-              <a:t>i</a:t>
-            </a:r>
-            <a:r>
-              <a:rPr lang="en-US" sz="1200">
-                <a:solidFill>
-                  <a:srgbClr val="333333"/>
-                </a:solidFill>
-                <a:highlight>
-                  <a:srgbClr val="F5F5F5"/>
-                </a:highlight>
-                <a:latin typeface="Consolas"/>
-              </a:rPr>
-              <a:t> </a:t>
-            </a:r>
-            <a:r>
-              <a:rPr lang="en-US" sz="1200">
-                <a:solidFill>
-                  <a:srgbClr val="4B69C6"/>
-                </a:solidFill>
-                <a:highlight>
-                  <a:srgbClr val="F5F5F5"/>
-                </a:highlight>
-                <a:latin typeface="Consolas"/>
-              </a:rPr>
-              <a:t>in</a:t>
-            </a:r>
-            <a:r>
-              <a:rPr lang="en-US" sz="1200">
-                <a:solidFill>
-                  <a:srgbClr val="333333"/>
-                </a:solidFill>
-                <a:highlight>
-                  <a:srgbClr val="F5F5F5"/>
-                </a:highlight>
-                <a:latin typeface="Consolas"/>
-              </a:rPr>
-              <a:t> </a:t>
-            </a:r>
-            <a:r>
-              <a:rPr lang="en-US" sz="1200" err="1">
-                <a:solidFill>
-                  <a:srgbClr val="7A3E9D"/>
-                </a:solidFill>
-                <a:highlight>
-                  <a:srgbClr val="F5F5F5"/>
-                </a:highlight>
-                <a:latin typeface="Consolas"/>
-              </a:rPr>
-              <a:t>lIface</a:t>
-            </a:r>
-            <a:r>
-              <a:rPr lang="en-US" sz="1200">
-                <a:solidFill>
-                  <a:srgbClr val="333333"/>
-                </a:solidFill>
-                <a:highlight>
-                  <a:srgbClr val="F5F5F5"/>
-                </a:highlight>
-                <a:latin typeface="Consolas"/>
-              </a:rPr>
-              <a:t> </a:t>
-            </a:r>
-            <a:r>
-              <a:rPr lang="en-US" sz="1200">
-                <a:solidFill>
-                  <a:srgbClr val="4B69C6"/>
-                </a:solidFill>
-                <a:highlight>
-                  <a:srgbClr val="F5F5F5"/>
-                </a:highlight>
-                <a:latin typeface="Consolas"/>
-              </a:rPr>
-              <a:t>do</a:t>
-            </a:r>
-            <a:r>
-              <a:rPr lang="en-US" sz="1200">
-                <a:solidFill>
-                  <a:srgbClr val="333333"/>
-                </a:solidFill>
-                <a:highlight>
-                  <a:srgbClr val="F5F5F5"/>
-                </a:highlight>
-                <a:latin typeface="Consolas"/>
-              </a:rPr>
-              <a:t> </a:t>
-            </a:r>
-            <a:r>
-              <a:rPr lang="en-US" sz="1200">
-                <a:solidFill>
-                  <a:srgbClr val="4B69C6"/>
-                </a:solidFill>
-                <a:highlight>
-                  <a:srgbClr val="F5F5F5"/>
-                </a:highlight>
-                <a:latin typeface="Consolas"/>
-              </a:rPr>
-              <a:t>begin</a:t>
-            </a:r>
-          </a:p>
-          <a:p>
-            <a:r>
-              <a:rPr lang="en-US" sz="1200">
-                <a:solidFill>
-                  <a:srgbClr val="333333"/>
-                </a:solidFill>
-                <a:highlight>
-                  <a:srgbClr val="F5F5F5"/>
-                </a:highlight>
-                <a:latin typeface="Consolas"/>
-              </a:rPr>
-              <a:t>            </a:t>
-            </a:r>
-            <a:r>
-              <a:rPr lang="en-US" sz="1200" err="1">
-                <a:solidFill>
-                  <a:srgbClr val="7A3E9D"/>
-                </a:solidFill>
-                <a:highlight>
-                  <a:srgbClr val="F5F5F5"/>
-                </a:highlight>
-                <a:latin typeface="Consolas"/>
-              </a:rPr>
-              <a:t>i</a:t>
-            </a:r>
-            <a:r>
-              <a:rPr lang="en-US" sz="1200" err="1">
-                <a:solidFill>
-                  <a:srgbClr val="4B69C6"/>
-                </a:solidFill>
-                <a:highlight>
-                  <a:srgbClr val="F5F5F5"/>
-                </a:highlight>
-                <a:latin typeface="Consolas"/>
-              </a:rPr>
-              <a:t>.</a:t>
-            </a:r>
-            <a:r>
-              <a:rPr lang="en-US" sz="1200" b="1" err="1">
-                <a:solidFill>
-                  <a:srgbClr val="AA3731"/>
-                </a:solidFill>
-                <a:highlight>
-                  <a:srgbClr val="F5F5F5"/>
-                </a:highlight>
-                <a:latin typeface="Consolas"/>
-              </a:rPr>
-              <a:t>WriteMessage</a:t>
-            </a:r>
-            <a:r>
-              <a:rPr lang="en-US" sz="1200">
-                <a:solidFill>
-                  <a:srgbClr val="4B69C6"/>
-                </a:solidFill>
-                <a:highlight>
-                  <a:srgbClr val="F5F5F5"/>
-                </a:highlight>
-                <a:latin typeface="Consolas"/>
-              </a:rPr>
-              <a:t>()</a:t>
-            </a:r>
-            <a:r>
-              <a:rPr lang="en-US" sz="1200">
-                <a:solidFill>
-                  <a:srgbClr val="777777"/>
-                </a:solidFill>
-                <a:highlight>
-                  <a:srgbClr val="F5F5F5"/>
-                </a:highlight>
-                <a:latin typeface="Consolas"/>
-              </a:rPr>
-              <a:t>;</a:t>
-            </a:r>
-          </a:p>
-          <a:p>
-            <a:r>
-              <a:rPr lang="en-US" sz="1200">
-                <a:solidFill>
-                  <a:srgbClr val="333333"/>
-                </a:solidFill>
-                <a:highlight>
-                  <a:srgbClr val="F5F5F5"/>
-                </a:highlight>
-                <a:latin typeface="Consolas"/>
-              </a:rPr>
-              <a:t>        </a:t>
-            </a:r>
-            <a:r>
-              <a:rPr lang="en-US" sz="1200">
-                <a:solidFill>
-                  <a:srgbClr val="4B69C6"/>
-                </a:solidFill>
-                <a:highlight>
-                  <a:srgbClr val="F5F5F5"/>
-                </a:highlight>
-                <a:latin typeface="Consolas"/>
-              </a:rPr>
-              <a:t>end</a:t>
-            </a:r>
-            <a:r>
-              <a:rPr lang="en-US" sz="1200">
-                <a:solidFill>
-                  <a:srgbClr val="777777"/>
-                </a:solidFill>
-                <a:highlight>
-                  <a:srgbClr val="F5F5F5"/>
-                </a:highlight>
-                <a:latin typeface="Consolas"/>
-              </a:rPr>
-              <a:t>;</a:t>
-            </a:r>
-          </a:p>
-          <a:p>
-            <a:r>
-              <a:rPr lang="en-US" sz="1200">
-                <a:solidFill>
-                  <a:srgbClr val="333333"/>
-                </a:solidFill>
-                <a:highlight>
-                  <a:srgbClr val="F5F5F5"/>
-                </a:highlight>
-                <a:latin typeface="Consolas"/>
-              </a:rPr>
-              <a:t>    </a:t>
-            </a:r>
-            <a:r>
-              <a:rPr lang="en-US" sz="1200">
-                <a:solidFill>
-                  <a:srgbClr val="4B69C6"/>
-                </a:solidFill>
-                <a:highlight>
-                  <a:srgbClr val="F5F5F5"/>
-                </a:highlight>
-                <a:latin typeface="Consolas"/>
-              </a:rPr>
-              <a:t>end</a:t>
-            </a:r>
-            <a:r>
-              <a:rPr lang="en-US" sz="1200">
-                <a:solidFill>
-                  <a:srgbClr val="777777"/>
-                </a:solidFill>
-                <a:highlight>
-                  <a:srgbClr val="F5F5F5"/>
-                </a:highlight>
-                <a:latin typeface="Consolas"/>
-              </a:rPr>
-              <a:t>;</a:t>
-            </a:r>
-          </a:p>
-          <a:p>
-            <a:r>
-              <a:rPr lang="en-US" sz="1200">
-                <a:solidFill>
-                  <a:srgbClr val="333333"/>
-                </a:solidFill>
-                <a:highlight>
-                  <a:srgbClr val="F5F5F5"/>
-                </a:highlight>
-                <a:latin typeface="Consolas"/>
-              </a:rPr>
-              <a:t>}</a:t>
-            </a:r>
-          </a:p>
-          <a:p>
-            <a:endParaRPr lang="en-US" sz="1200">
-              <a:solidFill>
-                <a:srgbClr val="333333"/>
-              </a:solidFill>
-              <a:highlight>
-                <a:srgbClr val="F5F5F5"/>
-              </a:highlight>
-              <a:latin typeface="Consolas"/>
-            </a:endParaRPr>
-          </a:p>
-        </p:txBody>
-      </p:sp>
-      <p:sp>
-        <p:nvSpPr>
-          <p:cNvPr id="8" name="TextBox 7">
-            <a:extLst>
-              <a:ext uri="{FF2B5EF4-FFF2-40B4-BE49-F238E27FC236}">
-                <a16:creationId xmlns:a16="http://schemas.microsoft.com/office/drawing/2014/main" id="{DA75A5CA-BC63-40B4-7128-8AF12CCC22AB}"/>
-              </a:ext>
-            </a:extLst>
-          </p:cNvPr>
-          <p:cNvSpPr txBox="1"/>
-          <p:nvPr/>
-        </p:nvSpPr>
-        <p:spPr>
-          <a:xfrm>
-            <a:off x="182936" y="1875105"/>
-            <a:ext cx="1783637" cy="307777"/>
-          </a:xfrm>
-          <a:prstGeom prst="rect">
-            <a:avLst/>
-          </a:prstGeom>
-          <a:noFill/>
-        </p:spPr>
-        <p:txBody>
-          <a:bodyPr rot="0" spcFirstLastPara="0" vertOverflow="overflow" horzOverflow="overflow" vert="horz" wrap="square" lIns="91440" tIns="45720" rIns="91440" bIns="45720" numCol="1" spcCol="0" rtlCol="0" fromWordArt="0" anchor="t" anchorCtr="0" forceAA="0" compatLnSpc="1">
-            <a:prstTxWarp prst="textNoShape">
-              <a:avLst/>
-            </a:prstTxWarp>
-            <a:spAutoFit/>
-          </a:bodyPr>
-          <a:lstStyle/>
-          <a:p>
-            <a:r>
-              <a:rPr lang="en-US" sz="1400" b="1" u="sng">
-                <a:ea typeface="Source Sans Pro Light"/>
-              </a:rPr>
-              <a:t>1. Define interface</a:t>
-            </a:r>
-            <a:endParaRPr lang="en-US">
-              <a:ea typeface="Source Sans Pro Light"/>
-            </a:endParaRPr>
-          </a:p>
-        </p:txBody>
-      </p:sp>
-      <p:sp>
-        <p:nvSpPr>
-          <p:cNvPr id="9" name="TextBox 8">
-            <a:extLst>
-              <a:ext uri="{FF2B5EF4-FFF2-40B4-BE49-F238E27FC236}">
-                <a16:creationId xmlns:a16="http://schemas.microsoft.com/office/drawing/2014/main" id="{A4011B9D-6CDB-A1E8-69B2-80D9DB501622}"/>
-              </a:ext>
-            </a:extLst>
-          </p:cNvPr>
-          <p:cNvSpPr txBox="1"/>
-          <p:nvPr/>
-        </p:nvSpPr>
-        <p:spPr>
-          <a:xfrm>
-            <a:off x="2720396" y="1875104"/>
-            <a:ext cx="3399077" cy="307777"/>
-          </a:xfrm>
-          <a:prstGeom prst="rect">
-            <a:avLst/>
-          </a:prstGeom>
-          <a:noFill/>
-        </p:spPr>
-        <p:txBody>
-          <a:bodyPr rot="0" spcFirstLastPara="0" vertOverflow="overflow" horzOverflow="overflow" vert="horz" wrap="square" lIns="91440" tIns="45720" rIns="91440" bIns="45720" numCol="1" spcCol="0" rtlCol="0" fromWordArt="0" anchor="t" anchorCtr="0" forceAA="0" compatLnSpc="1">
-            <a:prstTxWarp prst="textNoShape">
-              <a:avLst/>
-            </a:prstTxWarp>
-            <a:spAutoFit/>
-          </a:bodyPr>
-          <a:lstStyle/>
-          <a:p>
-            <a:r>
-              <a:rPr lang="en-US" sz="1400" b="1" u="sng">
-                <a:ea typeface="Source Sans Pro Light"/>
-              </a:rPr>
-              <a:t>2. Implement interface</a:t>
-            </a:r>
-            <a:endParaRPr lang="en-US" sz="1400" b="1" u="sng"/>
-          </a:p>
-        </p:txBody>
-      </p:sp>
-      <p:sp>
-        <p:nvSpPr>
-          <p:cNvPr id="10" name="TextBox 9">
-            <a:extLst>
-              <a:ext uri="{FF2B5EF4-FFF2-40B4-BE49-F238E27FC236}">
-                <a16:creationId xmlns:a16="http://schemas.microsoft.com/office/drawing/2014/main" id="{0B90A77C-CA32-B38D-143F-FC84C6EAE008}"/>
-              </a:ext>
-            </a:extLst>
-          </p:cNvPr>
-          <p:cNvSpPr txBox="1"/>
-          <p:nvPr/>
-        </p:nvSpPr>
-        <p:spPr>
-          <a:xfrm>
-            <a:off x="7322876" y="1875104"/>
-            <a:ext cx="3764837" cy="307777"/>
-          </a:xfrm>
-          <a:prstGeom prst="rect">
-            <a:avLst/>
-          </a:prstGeom>
-          <a:noFill/>
-        </p:spPr>
-        <p:txBody>
-          <a:bodyPr rot="0" spcFirstLastPara="0" vertOverflow="overflow" horzOverflow="overflow" vert="horz" wrap="square" lIns="91440" tIns="45720" rIns="91440" bIns="45720" numCol="1" spcCol="0" rtlCol="0" fromWordArt="0" anchor="t" anchorCtr="0" forceAA="0" compatLnSpc="1">
-            <a:prstTxWarp prst="textNoShape">
-              <a:avLst/>
-            </a:prstTxWarp>
-            <a:spAutoFit/>
-          </a:bodyPr>
-          <a:lstStyle/>
-          <a:p>
-            <a:r>
-              <a:rPr lang="en-US" sz="1400" b="1" u="sng">
-                <a:ea typeface="Source Sans Pro Light"/>
-              </a:rPr>
-              <a:t>3. Create List of Interfaces and loop through</a:t>
-            </a:r>
-            <a:endParaRPr lang="en-US" sz="1400" b="1" u="sng"/>
-          </a:p>
-        </p:txBody>
-      </p:sp>
-    </p:spTree>
-    <p:extLst>
-      <p:ext uri="{BB962C8B-B14F-4D97-AF65-F5344CB8AC3E}">
-        <p14:creationId xmlns:p14="http://schemas.microsoft.com/office/powerpoint/2010/main" val="3065522584"/>
-      </p:ext>
-    </p:extLst>
-  </p:cSld>
-  <p:clrMapOvr>
-    <a:masterClrMapping/>
-  </p:clrMapOvr>
-</p:sld>
-</file>
-
-<file path=ppt/slides/slide13.xml><?xml version="1.0" encoding="utf-8"?>
 <p:sld xmlns:a="http://schemas.openxmlformats.org/drawingml/2006/main" xmlns:r="http://schemas.openxmlformats.org/officeDocument/2006/relationships" xmlns:p="http://schemas.openxmlformats.org/presentationml/2006/main">
   <p:cSld>
     <p:spTree>
@@ -11186,7 +8964,7 @@
 </p:sld>
 </file>
 
-<file path=ppt/slides/slide14.xml><?xml version="1.0" encoding="utf-8"?>
+<file path=ppt/slides/slide13.xml><?xml version="1.0" encoding="utf-8"?>
 <p:sld xmlns:a="http://schemas.openxmlformats.org/drawingml/2006/main" xmlns:r="http://schemas.openxmlformats.org/officeDocument/2006/relationships" xmlns:p="http://schemas.openxmlformats.org/presentationml/2006/main">
   <p:cSld>
     <p:spTree>
@@ -11235,6 +9013,178 @@
     <p:extLst>
       <p:ext uri="{BB962C8B-B14F-4D97-AF65-F5344CB8AC3E}">
         <p14:creationId xmlns:p14="http://schemas.microsoft.com/office/powerpoint/2010/main" val="2059739701"/>
+      </p:ext>
+    </p:extLst>
+  </p:cSld>
+  <p:clrMapOvr>
+    <a:masterClrMapping/>
+  </p:clrMapOvr>
+</p:sld>
+</file>
+
+<file path=ppt/slides/slide14.xml><?xml version="1.0" encoding="utf-8"?>
+<p:sld xmlns:a="http://schemas.openxmlformats.org/drawingml/2006/main" xmlns:r="http://schemas.openxmlformats.org/officeDocument/2006/relationships" xmlns:p="http://schemas.openxmlformats.org/presentationml/2006/main">
+  <p:cSld>
+    <p:spTree>
+      <p:nvGrpSpPr>
+        <p:cNvPr id="1" name=""/>
+        <p:cNvGrpSpPr/>
+        <p:nvPr/>
+      </p:nvGrpSpPr>
+      <p:grpSpPr>
+        <a:xfrm>
+          <a:off x="0" y="0"/>
+          <a:ext cx="0" cy="0"/>
+          <a:chOff x="0" y="0"/>
+          <a:chExt cx="0" cy="0"/>
+        </a:xfrm>
+      </p:grpSpPr>
+      <p:sp>
+        <p:nvSpPr>
+          <p:cNvPr id="2" name="Title 1"/>
+          <p:cNvSpPr>
+            <a:spLocks noGrp="1"/>
+          </p:cNvSpPr>
+          <p:nvPr>
+            <p:ph type="title"/>
+          </p:nvPr>
+        </p:nvSpPr>
+        <p:spPr/>
+        <p:txBody>
+          <a:bodyPr/>
+          <a:lstStyle/>
+          <a:p>
+            <a:r>
+              <a:rPr lang="en-US"/>
+              <a:t>Knowledge Check – Question 1</a:t>
+            </a:r>
+          </a:p>
+        </p:txBody>
+      </p:sp>
+      <p:sp>
+        <p:nvSpPr>
+          <p:cNvPr id="3" name="TextBox 2">
+            <a:extLst>
+              <a:ext uri="{FF2B5EF4-FFF2-40B4-BE49-F238E27FC236}">
+                <a16:creationId xmlns:a16="http://schemas.microsoft.com/office/drawing/2014/main" id="{E3E642E0-0258-2396-7EE5-67ADC8A0E909}"/>
+              </a:ext>
+            </a:extLst>
+          </p:cNvPr>
+          <p:cNvSpPr txBox="1"/>
+          <p:nvPr/>
+        </p:nvSpPr>
+        <p:spPr>
+          <a:xfrm>
+            <a:off x="391885" y="1690685"/>
+            <a:ext cx="11438165" cy="3046988"/>
+          </a:xfrm>
+          <a:prstGeom prst="rect">
+            <a:avLst/>
+          </a:prstGeom>
+          <a:noFill/>
+        </p:spPr>
+        <p:txBody>
+          <a:bodyPr wrap="square">
+            <a:spAutoFit/>
+          </a:bodyPr>
+          <a:lstStyle/>
+          <a:p>
+            <a:r>
+              <a:rPr lang="en-US" sz="3200">
+                <a:solidFill>
+                  <a:srgbClr val="161616"/>
+                </a:solidFill>
+                <a:latin typeface="Segoe UI"/>
+                <a:ea typeface="Source Sans Pro Light"/>
+                <a:cs typeface="Segoe UI"/>
+              </a:rPr>
+              <a:t>Changing the prototype of an interface method when implementing it leads to?</a:t>
+            </a:r>
+            <a:endParaRPr lang="en-US" sz="3200">
+              <a:solidFill>
+                <a:srgbClr val="898989"/>
+              </a:solidFill>
+              <a:latin typeface="Source Sans Pro Light"/>
+              <a:ea typeface="Source Sans Pro Light"/>
+              <a:cs typeface="Segoe UI"/>
+            </a:endParaRPr>
+          </a:p>
+          <a:p>
+            <a:r>
+              <a:rPr lang="en-US" sz="3200">
+                <a:solidFill>
+                  <a:schemeClr val="tx1"/>
+                </a:solidFill>
+                <a:latin typeface="Segoe UI"/>
+                <a:ea typeface="Source Sans Pro Light"/>
+                <a:cs typeface="Segoe UI"/>
+              </a:rPr>
+              <a:t> </a:t>
+            </a:r>
+            <a:endParaRPr lang="en-US" sz="3200">
+              <a:latin typeface="Segoe UI"/>
+              <a:ea typeface="Source Sans Pro Light"/>
+              <a:cs typeface="Segoe UI"/>
+            </a:endParaRPr>
+          </a:p>
+          <a:p>
+            <a:pPr marL="800100" lvl="1" indent="-342900">
+              <a:buFont typeface="+mj-lt"/>
+              <a:buAutoNum type="alphaUcPeriod"/>
+            </a:pPr>
+            <a:r>
+              <a:rPr lang="en-US" sz="3200">
+                <a:solidFill>
+                  <a:schemeClr val="tx1"/>
+                </a:solidFill>
+                <a:latin typeface="Segoe UI"/>
+                <a:ea typeface="Source Sans Pro Light"/>
+                <a:cs typeface="Segoe UI"/>
+              </a:rPr>
+              <a:t>  Runtime error</a:t>
+            </a:r>
+          </a:p>
+          <a:p>
+            <a:pPr marL="800100" lvl="1" indent="-342900">
+              <a:buFont typeface="+mj-lt"/>
+              <a:buAutoNum type="alphaUcPeriod"/>
+            </a:pPr>
+            <a:r>
+              <a:rPr lang="en-US" sz="3200">
+                <a:solidFill>
+                  <a:schemeClr val="tx1"/>
+                </a:solidFill>
+                <a:latin typeface="Segoe UI"/>
+                <a:ea typeface="Source Sans Pro Light"/>
+                <a:cs typeface="Segoe UI"/>
+              </a:rPr>
+              <a:t>  Compile error</a:t>
+            </a:r>
+          </a:p>
+          <a:p>
+            <a:pPr marL="800100" lvl="1" indent="-342900">
+              <a:buFont typeface="+mj-lt"/>
+              <a:buAutoNum type="alphaUcPeriod"/>
+            </a:pPr>
+            <a:r>
+              <a:rPr lang="en-US" sz="3200">
+                <a:solidFill>
+                  <a:schemeClr val="tx1"/>
+                </a:solidFill>
+                <a:latin typeface="Segoe UI"/>
+                <a:ea typeface="Source Sans Pro Light"/>
+                <a:cs typeface="Segoe UI"/>
+              </a:rPr>
+              <a:t>  Nuh, works fine</a:t>
+            </a:r>
+            <a:endParaRPr lang="en-US" sz="3200"/>
+          </a:p>
+        </p:txBody>
+      </p:sp>
+    </p:spTree>
+    <p:extLst>
+      <p:ext uri="{BB962C8B-B14F-4D97-AF65-F5344CB8AC3E}">
+        <p14:creationId xmlns:p14="http://schemas.microsoft.com/office/powerpoint/2010/main" val="2821897208"/>
       </p:ext>
     </p:extLst>
   </p:cSld>
@@ -11278,7 +9228,7 @@
           <a:p>
             <a:r>
               <a:rPr lang="en-US"/>
-              <a:t>Knowledge Check – Question 1</a:t>
+              <a:t>Knowledge Check – Question 2</a:t>
             </a:r>
           </a:p>
         </p:txBody>
@@ -11320,7 +9270,29 @@
                 <a:ea typeface="Source Sans Pro Light"/>
                 <a:cs typeface="Segoe UI"/>
               </a:rPr>
-              <a:t>Changing the prototype of an interface method when implementing it leads to?</a:t>
+              <a:t>The interface itself doesn't contain any code, only signatures, and can't itself be called from code, but must be implemented by </a:t>
+            </a:r>
+            <a:r>
+              <a:rPr lang="en-US" sz="3200" err="1">
+                <a:solidFill>
+                  <a:srgbClr val="161616"/>
+                </a:solidFill>
+                <a:latin typeface="Segoe UI"/>
+                <a:ea typeface="Source Sans Pro Light"/>
+                <a:cs typeface="Segoe UI"/>
+              </a:rPr>
+              <a:t>codeunits</a:t>
+            </a:r>
+            <a:r>
+              <a:rPr lang="en-US" sz="3200">
+                <a:solidFill>
+                  <a:srgbClr val="161616"/>
+                </a:solidFill>
+                <a:latin typeface="Segoe UI"/>
+                <a:ea typeface="Source Sans Pro Light"/>
+                <a:cs typeface="Segoe UI"/>
+              </a:rPr>
+              <a:t>?</a:t>
             </a:r>
             <a:endParaRPr lang="en-US" sz="3200">
               <a:solidFill>
@@ -11363,7 +9335,7 @@
                 <a:ea typeface="Source Sans Pro Light"/>
                 <a:cs typeface="Segoe UI"/>
               </a:rPr>
-              <a:t>  Runtime error</a:t>
+              <a:t>  True</a:t>
             </a:r>
           </a:p>
           <a:p>
@@ -11380,33 +9352,31 @@
                 <a:ea typeface="Source Sans Pro Light"/>
                 <a:cs typeface="Segoe UI"/>
               </a:rPr>
-              <a:t>  Compile error</a:t>
-            </a:r>
-          </a:p>
-          <a:p>
-            <a:pPr marL="800100" lvl="1" indent="-342900">
-              <a:buFont typeface="+mj-lt"/>
-              <a:buAutoNum type="alphaUcPeriod"/>
-            </a:pPr>
+              <a:t>  Fal</a:t>
+            </a:r>
             <a:r>
               <a:rPr lang="en-US" sz="3200">
-                <a:solidFill>
-                  <a:schemeClr val="tx1"/>
-                </a:solidFill>
                 <a:latin typeface="Segoe UI"/>
                 <a:ea typeface="Source Sans Pro Light"/>
                 <a:cs typeface="Segoe UI"/>
               </a:rPr>
-              <a:t>  Nuh, works fine</a:t>
-            </a:r>
-            <a:endParaRPr lang="en-US" sz="3200"/>
+              <a:t>se</a:t>
+            </a:r>
+            <a:endParaRPr lang="en-US" sz="3200">
+              <a:solidFill>
+                <a:schemeClr val="tx1"/>
+              </a:solidFill>
+              <a:latin typeface="Segoe UI"/>
+              <a:ea typeface="Source Sans Pro Light"/>
+              <a:cs typeface="Segoe UI"/>
+            </a:endParaRPr>
           </a:p>
         </p:txBody>
       </p:sp>
     </p:spTree>
     <p:extLst>
       <p:ext uri="{BB962C8B-B14F-4D97-AF65-F5344CB8AC3E}">
-        <p14:creationId xmlns:p14="http://schemas.microsoft.com/office/powerpoint/2010/main" val="2821897208"/>
+        <p14:creationId xmlns:p14="http://schemas.microsoft.com/office/powerpoint/2010/main" val="2222472742"/>
       </p:ext>
     </p:extLst>
   </p:cSld>
@@ -11450,198 +9420,6 @@
           <a:p>
             <a:r>
               <a:rPr lang="en-US"/>
-              <a:t>Knowledge Check – Question 2</a:t>
-            </a:r>
-          </a:p>
-        </p:txBody>
-      </p:sp>
-      <p:sp>
-        <p:nvSpPr>
-          <p:cNvPr id="3" name="TextBox 2">
-            <a:extLst>
-              <a:ext uri="{FF2B5EF4-FFF2-40B4-BE49-F238E27FC236}">
-                <a16:creationId xmlns:a16="http://schemas.microsoft.com/office/drawing/2014/main" id="{E3E642E0-0258-2396-7EE5-67ADC8A0E909}"/>
-              </a:ext>
-            </a:extLst>
-          </p:cNvPr>
-          <p:cNvSpPr txBox="1"/>
-          <p:nvPr/>
-        </p:nvSpPr>
-        <p:spPr>
-          <a:xfrm>
-            <a:off x="391885" y="1690685"/>
-            <a:ext cx="11438165" cy="3046988"/>
-          </a:xfrm>
-          <a:prstGeom prst="rect">
-            <a:avLst/>
-          </a:prstGeom>
-          <a:noFill/>
-        </p:spPr>
-        <p:txBody>
-          <a:bodyPr wrap="square">
-            <a:spAutoFit/>
-          </a:bodyPr>
-          <a:lstStyle/>
-          <a:p>
-            <a:r>
-              <a:rPr lang="en-US" sz="3200">
-                <a:solidFill>
-                  <a:srgbClr val="161616"/>
-                </a:solidFill>
-                <a:latin typeface="Segoe UI"/>
-                <a:ea typeface="Source Sans Pro Light"/>
-                <a:cs typeface="Segoe UI"/>
-              </a:rPr>
-              <a:t>The interface itself doesn't contain any code, only signatures, and can't itself be called from code, but must be implemented by </a:t>
-            </a:r>
-            <a:r>
-              <a:rPr lang="en-US" sz="3200" err="1">
-                <a:solidFill>
-                  <a:srgbClr val="161616"/>
-                </a:solidFill>
-                <a:latin typeface="Segoe UI"/>
-                <a:ea typeface="Source Sans Pro Light"/>
-                <a:cs typeface="Segoe UI"/>
-              </a:rPr>
-              <a:t>codeunits</a:t>
-            </a:r>
-            <a:r>
-              <a:rPr lang="en-US" sz="3200">
-                <a:solidFill>
-                  <a:srgbClr val="161616"/>
-                </a:solidFill>
-                <a:latin typeface="Segoe UI"/>
-                <a:ea typeface="Source Sans Pro Light"/>
-                <a:cs typeface="Segoe UI"/>
-              </a:rPr>
-              <a:t>?</a:t>
-            </a:r>
-            <a:endParaRPr lang="en-US" sz="3200">
-              <a:solidFill>
-                <a:srgbClr val="898989"/>
-              </a:solidFill>
-              <a:latin typeface="Source Sans Pro Light"/>
-              <a:ea typeface="Source Sans Pro Light"/>
-              <a:cs typeface="Segoe UI"/>
-            </a:endParaRPr>
-          </a:p>
-          <a:p>
-            <a:r>
-              <a:rPr lang="en-US" sz="3200">
-                <a:solidFill>
-                  <a:schemeClr val="tx1"/>
-                </a:solidFill>
-                <a:latin typeface="Segoe UI"/>
-                <a:ea typeface="Source Sans Pro Light"/>
-                <a:cs typeface="Segoe UI"/>
-              </a:rPr>
-              <a:t> </a:t>
-            </a:r>
-            <a:endParaRPr lang="en-US" sz="3200">
-              <a:latin typeface="Segoe UI"/>
-              <a:ea typeface="Source Sans Pro Light"/>
-              <a:cs typeface="Segoe UI"/>
-            </a:endParaRPr>
-          </a:p>
-          <a:p>
-            <a:pPr marL="800100" lvl="1" indent="-342900">
-              <a:buFont typeface="+mj-lt"/>
-              <a:buAutoNum type="alphaUcPeriod"/>
-            </a:pPr>
-            <a:r>
-              <a:rPr lang="en-US" sz="3200">
-                <a:solidFill>
-                  <a:schemeClr val="tx1"/>
-                </a:solidFill>
-                <a:latin typeface="Segoe UI"/>
-                <a:ea typeface="Source Sans Pro Light"/>
-                <a:cs typeface="Segoe UI"/>
-              </a:rPr>
-              <a:t>  True</a:t>
-            </a:r>
-          </a:p>
-          <a:p>
-            <a:pPr marL="800100" lvl="1" indent="-342900">
-              <a:buFont typeface="+mj-lt"/>
-              <a:buAutoNum type="alphaUcPeriod"/>
-            </a:pPr>
-            <a:r>
-              <a:rPr lang="en-US" sz="3200">
-                <a:solidFill>
-                  <a:schemeClr val="tx1"/>
-                </a:solidFill>
-                <a:latin typeface="Segoe UI"/>
-                <a:ea typeface="Source Sans Pro Light"/>
-                <a:cs typeface="Segoe UI"/>
-              </a:rPr>
-              <a:t>  Fal</a:t>
-            </a:r>
-            <a:r>
-              <a:rPr lang="en-US" sz="3200">
-                <a:latin typeface="Segoe UI"/>
-                <a:ea typeface="Source Sans Pro Light"/>
-                <a:cs typeface="Segoe UI"/>
-              </a:rPr>
-              <a:t>se</a:t>
-            </a:r>
-            <a:endParaRPr lang="en-US" sz="3200">
-              <a:solidFill>
-                <a:schemeClr val="tx1"/>
-              </a:solidFill>
-              <a:latin typeface="Segoe UI"/>
-              <a:ea typeface="Source Sans Pro Light"/>
-              <a:cs typeface="Segoe UI"/>
-            </a:endParaRPr>
-          </a:p>
-        </p:txBody>
-      </p:sp>
-    </p:spTree>
-    <p:extLst>
-      <p:ext uri="{BB962C8B-B14F-4D97-AF65-F5344CB8AC3E}">
-        <p14:creationId xmlns:p14="http://schemas.microsoft.com/office/powerpoint/2010/main" val="2222472742"/>
-      </p:ext>
-    </p:extLst>
-  </p:cSld>
-  <p:clrMapOvr>
-    <a:masterClrMapping/>
-  </p:clrMapOvr>
-</p:sld>
-</file>
-
-<file path=ppt/slides/slide17.xml><?xml version="1.0" encoding="utf-8"?>
-<p:sld xmlns:a="http://schemas.openxmlformats.org/drawingml/2006/main" xmlns:r="http://schemas.openxmlformats.org/officeDocument/2006/relationships" xmlns:p="http://schemas.openxmlformats.org/presentationml/2006/main">
-  <p:cSld>
-    <p:spTree>
-      <p:nvGrpSpPr>
-        <p:cNvPr id="1" name=""/>
-        <p:cNvGrpSpPr/>
-        <p:nvPr/>
-      </p:nvGrpSpPr>
-      <p:grpSpPr>
-        <a:xfrm>
-          <a:off x="0" y="0"/>
-          <a:ext cx="0" cy="0"/>
-          <a:chOff x="0" y="0"/>
-          <a:chExt cx="0" cy="0"/>
-        </a:xfrm>
-      </p:grpSpPr>
-      <p:sp>
-        <p:nvSpPr>
-          <p:cNvPr id="2" name="Title 1"/>
-          <p:cNvSpPr>
-            <a:spLocks noGrp="1"/>
-          </p:cNvSpPr>
-          <p:nvPr>
-            <p:ph type="title"/>
-          </p:nvPr>
-        </p:nvSpPr>
-        <p:spPr/>
-        <p:txBody>
-          <a:bodyPr/>
-          <a:lstStyle/>
-          <a:p>
-            <a:r>
-              <a:rPr lang="en-US"/>
               <a:t>Knowledge Check – Question 3</a:t>
             </a:r>
           </a:p>
@@ -11846,7 +9624,7 @@
 </p:sld>
 </file>
 
-<file path=ppt/slides/slide18.xml><?xml version="1.0" encoding="utf-8"?>
+<file path=ppt/slides/slide17.xml><?xml version="1.0" encoding="utf-8"?>
 <p:sld xmlns:a="http://schemas.openxmlformats.org/drawingml/2006/main" xmlns:r="http://schemas.openxmlformats.org/officeDocument/2006/relationships" xmlns:p="http://schemas.openxmlformats.org/presentationml/2006/main">
   <p:cSld>
     <p:spTree>
@@ -11928,7 +9706,7 @@
               </a:spcAft>
             </a:pPr>
             <a:r>
-              <a:rPr lang="en-US" sz="1800" b="1" u="sng" kern="100" dirty="0" err="1">
+              <a:rPr lang="en-US" sz="1800" b="1" u="sng" kern="100" err="1">
                 <a:effectLst/>
                 <a:latin typeface="Aptos"/>
                 <a:ea typeface="Aptos" panose="020B0004020202020204" pitchFamily="34" charset="0"/>
@@ -11937,7 +9715,7 @@
               <a:t>Github</a:t>
             </a:r>
             <a:r>
-              <a:rPr lang="en-US" sz="1800" b="1" u="sng" kern="100" dirty="0">
+              <a:rPr lang="en-US" sz="1800" b="1" u="sng" kern="100">
                 <a:effectLst/>
                 <a:latin typeface="Aptos"/>
                 <a:ea typeface="Aptos" panose="020B0004020202020204" pitchFamily="34" charset="0"/>
@@ -11956,7 +9734,7 @@
               </a:spcAft>
             </a:pPr>
             <a:r>
-              <a:rPr lang="en-US" sz="1800" kern="100" dirty="0">
+              <a:rPr lang="en-US" sz="1800" kern="100">
                 <a:effectLst/>
                 <a:latin typeface="Aptos"/>
                 <a:ea typeface="Aptos" panose="020B0004020202020204" pitchFamily="34" charset="0"/>
@@ -11965,7 +9743,7 @@
               <a:t>Sales Interface: </a:t>
             </a:r>
             <a:r>
-              <a:rPr lang="en-US" sz="1800" u="sng" kern="100" dirty="0">
+              <a:rPr lang="en-US" sz="1800" u="sng" kern="100">
                 <a:solidFill>
                   <a:srgbClr val="467886"/>
                 </a:solidFill>
@@ -11976,44 +9754,6 @@
                 <a:hlinkClick r:id="rId2"/>
               </a:rPr>
               <a:t>https://github.com/JeffLandeen/2025Directions_SalesIFace</a:t>
-            </a:r>
-            <a:endParaRPr lang="en-US" sz="1800" kern="100" dirty="0">
-              <a:effectLst/>
-              <a:latin typeface="Aptos"/>
-              <a:ea typeface="Aptos" panose="020B0004020202020204" pitchFamily="34" charset="0"/>
-              <a:cs typeface="Times New Roman"/>
-            </a:endParaRPr>
-          </a:p>
-          <a:p>
-            <a:r>
-              <a:rPr lang="en-US" kern="100">
-                <a:latin typeface="Aptos"/>
-                <a:ea typeface="Aptos" panose="020B0004020202020204" pitchFamily="34" charset="0"/>
-                <a:cs typeface="Times New Roman"/>
-              </a:rPr>
-              <a:t>(Custom) Process</a:t>
-            </a:r>
-            <a:r>
-              <a:rPr lang="en-US" sz="1800" kern="100">
-                <a:effectLst/>
-                <a:latin typeface="Aptos"/>
-                <a:ea typeface="Aptos" panose="020B0004020202020204" pitchFamily="34" charset="0"/>
-                <a:cs typeface="Times New Roman"/>
-              </a:rPr>
-              <a:t> Interface: </a:t>
-            </a:r>
-            <a:r>
-              <a:rPr lang="en-US" sz="1800" u="sng" kern="100">
-                <a:solidFill>
-                  <a:srgbClr val="467886"/>
-                </a:solidFill>
-                <a:effectLst/>
-                <a:latin typeface="Aptos"/>
-                <a:ea typeface="Aptos" panose="020B0004020202020204" pitchFamily="34" charset="0"/>
-                <a:cs typeface="Times New Roman"/>
-                <a:hlinkClick r:id="rId3"/>
-              </a:rPr>
-              <a:t>https://github.com/SilviuVirlan/Directions2025</a:t>
             </a:r>
             <a:endParaRPr lang="en-US" sz="1800" kern="100">
               <a:effectLst/>
@@ -12026,12 +9766,50 @@
             <a:r>
               <a:rPr lang="en-US" kern="100">
                 <a:latin typeface="Aptos"/>
+                <a:ea typeface="Aptos" panose="020B0004020202020204" pitchFamily="34" charset="0"/>
                 <a:cs typeface="Times New Roman"/>
               </a:rPr>
+              <a:t>(Custom) Process</a:t>
+            </a:r>
+            <a:r>
+              <a:rPr lang="en-US" sz="1800" kern="100">
+                <a:effectLst/>
+                <a:latin typeface="Aptos"/>
+                <a:ea typeface="Aptos" panose="020B0004020202020204" pitchFamily="34" charset="0"/>
+                <a:cs typeface="Times New Roman"/>
+              </a:rPr>
+              <a:t> Interface: </a:t>
+            </a:r>
+            <a:r>
+              <a:rPr lang="en-US" sz="1800" u="sng" kern="100">
+                <a:solidFill>
+                  <a:srgbClr val="467886"/>
+                </a:solidFill>
+                <a:effectLst/>
+                <a:latin typeface="Aptos"/>
+                <a:ea typeface="Aptos" panose="020B0004020202020204" pitchFamily="34" charset="0"/>
+                <a:cs typeface="Times New Roman"/>
+                <a:hlinkClick r:id="rId3"/>
+              </a:rPr>
+              <a:t>https://github.com/SilviuVirlan/Directions2025</a:t>
+            </a:r>
+            <a:endParaRPr lang="en-US" sz="1800" kern="100">
+              <a:effectLst/>
+              <a:latin typeface="Aptos"/>
+              <a:ea typeface="Aptos" panose="020B0004020202020204" pitchFamily="34" charset="0"/>
+              <a:cs typeface="Times New Roman"/>
+            </a:endParaRPr>
+          </a:p>
+          <a:p>
+            <a:r>
+              <a:rPr lang="en-US" kern="100">
+                <a:latin typeface="Aptos"/>
+                <a:cs typeface="Times New Roman"/>
+              </a:rPr>
               <a:t>(Base App) Retention Policies Interfaces: </a:t>
             </a:r>
             <a:r>
-              <a:rPr lang="en-US" kern="100" dirty="0">
+              <a:rPr lang="en-US" kern="100">
                 <a:latin typeface="Aptos"/>
                 <a:ea typeface="+mn-lt"/>
                 <a:cs typeface="+mn-lt"/>
@@ -12081,7 +9859,7 @@
               </a:spcAft>
             </a:pPr>
             <a:r>
-              <a:rPr lang="en-US" sz="1800" kern="100" dirty="0">
+              <a:rPr lang="en-US" sz="1800" kern="100">
                 <a:effectLst/>
                 <a:latin typeface="Aptos"/>
                 <a:ea typeface="Aptos" panose="020B0004020202020204" pitchFamily="34" charset="0"/>
@@ -12090,7 +9868,7 @@
               <a:t>Extending Best Price calculations (MS Learn): </a:t>
             </a:r>
             <a:r>
-              <a:rPr lang="en-US" sz="1800" u="sng" kern="100" dirty="0">
+              <a:rPr lang="en-US" sz="1800" u="sng" kern="100">
                 <a:solidFill>
                   <a:srgbClr val="467886"/>
                 </a:solidFill>
@@ -12102,7 +9880,7 @@
               </a:rPr>
               <a:t>https://learn.microsoft.com/en-us/dynamics365/business-central/dev-itpro/developer/devenv-extending-best-price-calculations</a:t>
             </a:r>
-            <a:endParaRPr lang="en-US" sz="1800" kern="100" dirty="0">
+            <a:endParaRPr lang="en-US" sz="1800" kern="100">
               <a:effectLst/>
               <a:latin typeface="Aptos"/>
               <a:ea typeface="Aptos" panose="020B0004020202020204" pitchFamily="34" charset="0"/>
@@ -12119,7 +9897,7 @@
               </a:spcAft>
             </a:pPr>
             <a:r>
-              <a:rPr lang="en-US" sz="1800" kern="100" dirty="0">
+              <a:rPr lang="en-US" sz="1800" kern="100">
                 <a:effectLst/>
                 <a:latin typeface="Aptos"/>
                 <a:ea typeface="Aptos" panose="020B0004020202020204" pitchFamily="34" charset="0"/>
@@ -12128,7 +9906,7 @@
               <a:t>Extending Sales Price Engine (Flemming </a:t>
             </a:r>
             <a:r>
-              <a:rPr lang="en-US" sz="1800" kern="100" dirty="0" err="1">
+              <a:rPr lang="en-US" sz="1800" kern="100" err="1">
                 <a:effectLst/>
                 <a:latin typeface="Aptos"/>
                 <a:ea typeface="Aptos" panose="020B0004020202020204" pitchFamily="34" charset="0"/>
@@ -12137,7 +9915,7 @@
               <a:t>Bakkensen</a:t>
             </a:r>
             <a:r>
-              <a:rPr lang="en-US" sz="1800" kern="100" dirty="0">
+              <a:rPr lang="en-US" sz="1800" kern="100">
                 <a:effectLst/>
                 <a:latin typeface="Aptos"/>
                 <a:ea typeface="Aptos" panose="020B0004020202020204" pitchFamily="34" charset="0"/>
@@ -12146,7 +9924,7 @@
               <a:t>): </a:t>
             </a:r>
             <a:r>
-              <a:rPr lang="en-US" sz="1800" u="sng" kern="100" dirty="0">
+              <a:rPr lang="en-US" sz="1800" u="sng" kern="100">
                 <a:solidFill>
                   <a:srgbClr val="467886"/>
                 </a:solidFill>
@@ -12158,7 +9936,7 @@
               </a:rPr>
               <a:t>https://www.linkedin.com/pulse/how-extend-price-calculation-flemming-bakkensen-6tkgf/</a:t>
             </a:r>
-            <a:endParaRPr lang="en-US" sz="1800" kern="100" dirty="0">
+            <a:endParaRPr lang="en-US" sz="1800" kern="100">
               <a:effectLst/>
               <a:latin typeface="Aptos"/>
               <a:ea typeface="Aptos" panose="020B0004020202020204" pitchFamily="34" charset="0"/>
@@ -12175,7 +9953,7 @@
               </a:spcAft>
             </a:pPr>
             <a:r>
-              <a:rPr lang="en-US" sz="1800" kern="100" dirty="0">
+              <a:rPr lang="en-US" sz="1800" kern="100">
                 <a:effectLst/>
                 <a:latin typeface="Aptos"/>
                 <a:ea typeface="Aptos" panose="020B0004020202020204" pitchFamily="34" charset="0"/>
@@ -12184,7 +9962,7 @@
               <a:t>Interfaces (MS Learn): </a:t>
             </a:r>
             <a:r>
-              <a:rPr lang="en-US" sz="1800" u="sng" kern="100" dirty="0">
+              <a:rPr lang="en-US" sz="1800" u="sng" kern="100">
                 <a:solidFill>
                   <a:srgbClr val="467886"/>
                 </a:solidFill>
@@ -12196,7 +9974,7 @@
               </a:rPr>
               <a:t>https://learn.microsoft.com/en-us/dynamics365/business-central/dev-itpro/developer/devenv-interfaces-in-al</a:t>
             </a:r>
-            <a:endParaRPr lang="en-US" u="sng" kern="100" dirty="0">
+            <a:endParaRPr lang="en-US" u="sng" kern="100">
               <a:solidFill>
                 <a:srgbClr val="467886"/>
               </a:solidFill>
@@ -12261,7 +10039,7 @@
 </p:sld>
 </file>
 
-<file path=ppt/slides/slide19.xml><?xml version="1.0" encoding="utf-8"?>
+<file path=ppt/slides/slide18.xml><?xml version="1.0" encoding="utf-8"?>
 <p:sld xmlns:a="http://schemas.openxmlformats.org/drawingml/2006/main" xmlns:r="http://schemas.openxmlformats.org/officeDocument/2006/relationships" xmlns:p="http://schemas.openxmlformats.org/presentationml/2006/main">
   <p:cSld>
     <p:spTree>
@@ -12288,7 +10066,12 @@
             <p:ph type="title"/>
           </p:nvPr>
         </p:nvSpPr>
-        <p:spPr/>
+        <p:spPr>
+          <a:xfrm>
+            <a:off x="510638" y="2826019"/>
+            <a:ext cx="11438165" cy="3301649"/>
+          </a:xfrm>
+        </p:spPr>
         <p:txBody>
           <a:bodyPr/>
           <a:lstStyle/>
@@ -12298,17 +10081,94 @@
               <a:rPr lang="en-US"/>
               <a:t>Thank You!</a:t>
             </a:r>
+            <a:br>
+              <a:rPr lang="en-US"/>
+            </a:br>
+            <a:br>
+              <a:rPr lang="en-US"/>
+            </a:br>
+            <a:r>
+              <a:rPr lang="en-US" sz="2000"/>
+              <a:t>https://github.com/JeffLandeen/2025Directions_SalesIFace</a:t>
+            </a:r>
+            <a:endParaRPr lang="en-US"/>
           </a:p>
         </p:txBody>
       </p:sp>
+      <p:pic>
+        <p:nvPicPr>
+          <p:cNvPr id="3" name="Picture 2">
+            <a:extLst>
+              <a:ext uri="{FF2B5EF4-FFF2-40B4-BE49-F238E27FC236}">
+                <a16:creationId xmlns:a16="http://schemas.microsoft.com/office/drawing/2014/main" id="{D02CEE3B-7C42-A624-8FFA-D878A83DCF25}"/>
+              </a:ext>
+            </a:extLst>
+          </p:cNvPr>
+          <p:cNvPicPr>
+            <a:picLocks noChangeAspect="1"/>
+          </p:cNvPicPr>
+          <p:nvPr/>
+        </p:nvPicPr>
+        <p:blipFill>
+          <a:blip r:embed="rId3"/>
+          <a:stretch>
+            <a:fillRect/>
+          </a:stretch>
+        </p:blipFill>
+        <p:spPr>
+          <a:xfrm>
+            <a:off x="4078165" y="354985"/>
+            <a:ext cx="4303110" cy="4264517"/>
+          </a:xfrm>
+          <a:prstGeom prst="rect">
+            <a:avLst/>
+          </a:prstGeom>
+        </p:spPr>
+      </p:pic>
+    </p:spTree>
+    <p:extLst>
+      <p:ext uri="{BB962C8B-B14F-4D97-AF65-F5344CB8AC3E}">
+        <p14:creationId xmlns:p14="http://schemas.microsoft.com/office/powerpoint/2010/main" val="2430539357"/>
+      </p:ext>
+    </p:extLst>
+  </p:cSld>
+  <p:clrMapOvr>
+    <a:masterClrMapping/>
+  </p:clrMapOvr>
+</p:sld>
+</file>
+
+<file path=ppt/slides/slide19.xml><?xml version="1.0" encoding="utf-8"?>
+<p:sld xmlns:a="http://schemas.openxmlformats.org/drawingml/2006/main" xmlns:r="http://schemas.openxmlformats.org/officeDocument/2006/relationships" xmlns:p="http://schemas.openxmlformats.org/presentationml/2006/main" show="0">
+  <p:cSld>
+    <p:spTree>
+      <p:nvGrpSpPr>
+        <p:cNvPr id="1" name=""/>
+        <p:cNvGrpSpPr/>
+        <p:nvPr/>
+      </p:nvGrpSpPr>
+      <p:grpSpPr>
+        <a:xfrm>
+          <a:off x="0" y="0"/>
+          <a:ext cx="0" cy="0"/>
+          <a:chOff x="0" y="0"/>
+          <a:chExt cx="0" cy="0"/>
+        </a:xfrm>
+      </p:grpSpPr>
       <p:sp>
         <p:nvSpPr>
-          <p:cNvPr id="5" name="Content Placeholder 4"/>
+          <p:cNvPr id="2" name="Title 1">
+            <a:extLst>
+              <a:ext uri="{FF2B5EF4-FFF2-40B4-BE49-F238E27FC236}">
+                <a16:creationId xmlns:a16="http://schemas.microsoft.com/office/drawing/2014/main" id="{22BBA557-8635-3BDE-E8D4-073DA5528A69}"/>
+              </a:ext>
+            </a:extLst>
+          </p:cNvPr>
           <p:cNvSpPr>
             <a:spLocks noGrp="1"/>
           </p:cNvSpPr>
           <p:nvPr>
-            <p:ph type="body" idx="1"/>
+            <p:ph type="title"/>
           </p:nvPr>
         </p:nvSpPr>
         <p:spPr/>
@@ -12316,17 +10176,278 @@
           <a:bodyPr/>
           <a:lstStyle/>
           <a:p>
-            <a:pPr marL="0" indent="0" algn="ctr">
-              <a:buNone/>
-            </a:pPr>
-            <a:endParaRPr lang="en-US"/>
+            <a:r>
+              <a:rPr lang="en-US"/>
+              <a:t>Interfaces in AL : Polymorphism</a:t>
+            </a:r>
           </a:p>
         </p:txBody>
       </p:sp>
+      <p:sp>
+        <p:nvSpPr>
+          <p:cNvPr id="3" name="Content Placeholder 2">
+            <a:extLst>
+              <a:ext uri="{FF2B5EF4-FFF2-40B4-BE49-F238E27FC236}">
+                <a16:creationId xmlns:a16="http://schemas.microsoft.com/office/drawing/2014/main" id="{D6C108CE-DA29-F8A3-1ECE-7368508C2256}"/>
+              </a:ext>
+            </a:extLst>
+          </p:cNvPr>
+          <p:cNvSpPr txBox="1">
+            <a:spLocks/>
+          </p:cNvSpPr>
+          <p:nvPr/>
+        </p:nvSpPr>
+        <p:spPr>
+          <a:xfrm>
+            <a:off x="653419" y="1825625"/>
+            <a:ext cx="5970261" cy="4351338"/>
+          </a:xfrm>
+          <a:prstGeom prst="rect">
+            <a:avLst/>
+          </a:prstGeom>
+        </p:spPr>
+        <p:txBody>
+          <a:bodyPr vert="horz" lIns="91440" tIns="45720" rIns="91440" bIns="45720" rtlCol="0">
+            <a:normAutofit/>
+          </a:bodyPr>
+          <a:lstStyle>
+            <a:lvl1pPr marL="228600" indent="-228600" algn="l" defTabSz="914400" rtl="0" eaLnBrk="1" latinLnBrk="0" hangingPunct="1">
+              <a:lnSpc>
+                <a:spcPct val="90000"/>
+              </a:lnSpc>
+              <a:spcBef>
+                <a:spcPts val="1000"/>
+              </a:spcBef>
+              <a:buFont typeface="Arial" panose="020B0604020202020204" pitchFamily="34" charset="0"/>
+              <a:buChar char="•"/>
+              <a:defRPr sz="2800" kern="1200">
+                <a:solidFill>
+                  <a:schemeClr val="tx1"/>
+                </a:solidFill>
+                <a:latin typeface="+mn-lt"/>
+                <a:ea typeface="+mn-ea"/>
+                <a:cs typeface="+mn-cs"/>
+              </a:defRPr>
+            </a:lvl1pPr>
+            <a:lvl2pPr marL="685800" indent="-228600" algn="l" defTabSz="914400" rtl="0" eaLnBrk="1" latinLnBrk="0" hangingPunct="1">
+              <a:lnSpc>
+                <a:spcPct val="90000"/>
+              </a:lnSpc>
+              <a:spcBef>
+                <a:spcPts val="500"/>
+              </a:spcBef>
+              <a:buFont typeface="Arial" panose="020B0604020202020204" pitchFamily="34" charset="0"/>
+              <a:buChar char="•"/>
+              <a:defRPr sz="2400" kern="1200">
+                <a:solidFill>
+                  <a:schemeClr val="tx1"/>
+                </a:solidFill>
+                <a:latin typeface="+mn-lt"/>
+                <a:ea typeface="+mn-ea"/>
+                <a:cs typeface="+mn-cs"/>
+              </a:defRPr>
+            </a:lvl2pPr>
+            <a:lvl3pPr marL="1143000" indent="-228600" algn="l" defTabSz="914400" rtl="0" eaLnBrk="1" latinLnBrk="0" hangingPunct="1">
+              <a:lnSpc>
+                <a:spcPct val="90000"/>
+              </a:lnSpc>
+              <a:spcBef>
+                <a:spcPts val="500"/>
+              </a:spcBef>
+              <a:buFont typeface="Arial" panose="020B0604020202020204" pitchFamily="34" charset="0"/>
+              <a:buChar char="•"/>
+              <a:defRPr sz="2000" kern="1200">
+                <a:solidFill>
+                  <a:schemeClr val="tx1"/>
+                </a:solidFill>
+                <a:latin typeface="+mn-lt"/>
+                <a:ea typeface="+mn-ea"/>
+                <a:cs typeface="+mn-cs"/>
+              </a:defRPr>
+            </a:lvl3pPr>
+            <a:lvl4pPr marL="1600200" indent="-228600" algn="l" defTabSz="914400" rtl="0" eaLnBrk="1" latinLnBrk="0" hangingPunct="1">
+              <a:lnSpc>
+                <a:spcPct val="90000"/>
+              </a:lnSpc>
+              <a:spcBef>
+                <a:spcPts val="500"/>
+              </a:spcBef>
+              <a:buFont typeface="Arial" panose="020B0604020202020204" pitchFamily="34" charset="0"/>
+              <a:buChar char="•"/>
+              <a:defRPr sz="1800" kern="1200">
+                <a:solidFill>
+                  <a:schemeClr val="tx1"/>
+                </a:solidFill>
+                <a:latin typeface="+mn-lt"/>
+                <a:ea typeface="+mn-ea"/>
+                <a:cs typeface="+mn-cs"/>
+              </a:defRPr>
+            </a:lvl4pPr>
+            <a:lvl5pPr marL="2057400" indent="-228600" algn="l" defTabSz="914400" rtl="0" eaLnBrk="1" latinLnBrk="0" hangingPunct="1">
+              <a:lnSpc>
+                <a:spcPct val="90000"/>
+              </a:lnSpc>
+              <a:spcBef>
+                <a:spcPts val="500"/>
+              </a:spcBef>
+              <a:buFont typeface="Arial" panose="020B0604020202020204" pitchFamily="34" charset="0"/>
+              <a:buChar char="•"/>
+              <a:defRPr sz="1800" kern="1200">
+                <a:solidFill>
+                  <a:schemeClr val="tx1"/>
+                </a:solidFill>
+                <a:latin typeface="+mn-lt"/>
+                <a:ea typeface="+mn-ea"/>
+                <a:cs typeface="+mn-cs"/>
+              </a:defRPr>
+            </a:lvl5pPr>
+            <a:lvl6pPr marL="2514600" indent="-228600" algn="l" defTabSz="914400" rtl="0" eaLnBrk="1" latinLnBrk="0" hangingPunct="1">
+              <a:lnSpc>
+                <a:spcPct val="90000"/>
+              </a:lnSpc>
+              <a:spcBef>
+                <a:spcPts val="500"/>
+              </a:spcBef>
+              <a:buFont typeface="Arial" panose="020B0604020202020204" pitchFamily="34" charset="0"/>
+              <a:buChar char="•"/>
+              <a:defRPr sz="1800" kern="1200">
+                <a:solidFill>
+                  <a:schemeClr val="tx1"/>
+                </a:solidFill>
+                <a:latin typeface="+mn-lt"/>
+                <a:ea typeface="+mn-ea"/>
+                <a:cs typeface="+mn-cs"/>
+              </a:defRPr>
+            </a:lvl6pPr>
+            <a:lvl7pPr marL="2971800" indent="-228600" algn="l" defTabSz="914400" rtl="0" eaLnBrk="1" latinLnBrk="0" hangingPunct="1">
+              <a:lnSpc>
+                <a:spcPct val="90000"/>
+              </a:lnSpc>
+              <a:spcBef>
+                <a:spcPts val="500"/>
+              </a:spcBef>
+              <a:buFont typeface="Arial" panose="020B0604020202020204" pitchFamily="34" charset="0"/>
+              <a:buChar char="•"/>
+              <a:defRPr sz="1800" kern="1200">
+                <a:solidFill>
+                  <a:schemeClr val="tx1"/>
+                </a:solidFill>
+                <a:latin typeface="+mn-lt"/>
+                <a:ea typeface="+mn-ea"/>
+                <a:cs typeface="+mn-cs"/>
+              </a:defRPr>
+            </a:lvl7pPr>
+            <a:lvl8pPr marL="3429000" indent="-228600" algn="l" defTabSz="914400" rtl="0" eaLnBrk="1" latinLnBrk="0" hangingPunct="1">
+              <a:lnSpc>
+                <a:spcPct val="90000"/>
+              </a:lnSpc>
+              <a:spcBef>
+                <a:spcPts val="500"/>
+              </a:spcBef>
+              <a:buFont typeface="Arial" panose="020B0604020202020204" pitchFamily="34" charset="0"/>
+              <a:buChar char="•"/>
+              <a:defRPr sz="1800" kern="1200">
+                <a:solidFill>
+                  <a:schemeClr val="tx1"/>
+                </a:solidFill>
+                <a:latin typeface="+mn-lt"/>
+                <a:ea typeface="+mn-ea"/>
+                <a:cs typeface="+mn-cs"/>
+              </a:defRPr>
+            </a:lvl8pPr>
+            <a:lvl9pPr marL="3886200" indent="-228600" algn="l" defTabSz="914400" rtl="0" eaLnBrk="1" latinLnBrk="0" hangingPunct="1">
+              <a:lnSpc>
+                <a:spcPct val="90000"/>
+              </a:lnSpc>
+              <a:spcBef>
+                <a:spcPts val="500"/>
+              </a:spcBef>
+              <a:buFont typeface="Arial" panose="020B0604020202020204" pitchFamily="34" charset="0"/>
+              <a:buChar char="•"/>
+              <a:defRPr sz="1800" kern="1200">
+                <a:solidFill>
+                  <a:schemeClr val="tx1"/>
+                </a:solidFill>
+                <a:latin typeface="+mn-lt"/>
+                <a:ea typeface="+mn-ea"/>
+                <a:cs typeface="+mn-cs"/>
+              </a:defRPr>
+            </a:lvl9pPr>
+          </a:lstStyle>
+          <a:p>
+            <a:r>
+              <a:rPr lang="en-US" b="1"/>
+              <a:t>Polymorphism</a:t>
+            </a:r>
+            <a:r>
+              <a:rPr lang="en-US"/>
+              <a:t>: write different code without changing the calling code.</a:t>
+            </a:r>
+          </a:p>
+          <a:p>
+            <a:pPr lvl="8"/>
+            <a:endParaRPr lang="en-US"/>
+          </a:p>
+        </p:txBody>
+      </p:sp>
+      <p:pic>
+        <p:nvPicPr>
+          <p:cNvPr id="4" name="Picture 3">
+            <a:extLst>
+              <a:ext uri="{FF2B5EF4-FFF2-40B4-BE49-F238E27FC236}">
+                <a16:creationId xmlns:a16="http://schemas.microsoft.com/office/drawing/2014/main" id="{978C6A42-7007-2CDE-36F7-FFF15D1D125B}"/>
+              </a:ext>
+            </a:extLst>
+          </p:cNvPr>
+          <p:cNvPicPr>
+            <a:picLocks noChangeAspect="1"/>
+          </p:cNvPicPr>
+          <p:nvPr/>
+        </p:nvPicPr>
+        <p:blipFill>
+          <a:blip r:embed="rId3"/>
+          <a:stretch>
+            <a:fillRect/>
+          </a:stretch>
+        </p:blipFill>
+        <p:spPr>
+          <a:xfrm>
+            <a:off x="468639" y="2993485"/>
+            <a:ext cx="5970261" cy="3183478"/>
+          </a:xfrm>
+          <a:prstGeom prst="rect">
+            <a:avLst/>
+          </a:prstGeom>
+        </p:spPr>
+      </p:pic>
+      <p:graphicFrame>
+        <p:nvGraphicFramePr>
+          <p:cNvPr id="5" name="Content Placeholder 2">
+            <a:extLst>
+              <a:ext uri="{FF2B5EF4-FFF2-40B4-BE49-F238E27FC236}">
+                <a16:creationId xmlns:a16="http://schemas.microsoft.com/office/drawing/2014/main" id="{092A5730-C010-947E-F721-729AECDB635E}"/>
+              </a:ext>
+            </a:extLst>
+          </p:cNvPr>
+          <p:cNvGraphicFramePr>
+            <a:graphicFrameLocks/>
+          </p:cNvGraphicFramePr>
+          <p:nvPr/>
+        </p:nvGraphicFramePr>
+        <p:xfrm>
+          <a:off x="6808460" y="2202756"/>
+          <a:ext cx="4545340" cy="4351338"/>
+        </p:xfrm>
+        <a:graphic>
+          <a:graphicData uri="http://schemas.openxmlformats.org/drawingml/2006/diagram">
+            <dgm:relIds xmlns:dgm="http://schemas.openxmlformats.org/drawingml/2006/diagram" xmlns:r="http://schemas.openxmlformats.org/officeDocument/2006/relationships" r:dm="rId4" r:lo="rId5" r:qs="rId6" r:cs="rId7"/>
+          </a:graphicData>
+        </a:graphic>
+      </p:graphicFrame>
     </p:spTree>
     <p:extLst>
       <p:ext uri="{BB962C8B-B14F-4D97-AF65-F5344CB8AC3E}">
-        <p14:creationId xmlns:p14="http://schemas.microsoft.com/office/powerpoint/2010/main" val="2430539357"/>
+        <p14:creationId xmlns:p14="http://schemas.microsoft.com/office/powerpoint/2010/main" val="364407373"/>
       </p:ext>
     </p:extLst>
   </p:cSld>
@@ -12405,7 +10526,7 @@
           <a:p>
             <a:pPr algn="ctr"/>
             <a:r>
-              <a:rPr lang="en-US" sz="2400" b="1" dirty="0"/>
+              <a:rPr lang="en-US" sz="2400" b="1"/>
               <a:t>Jeff Landeen</a:t>
             </a:r>
           </a:p>
@@ -12648,325 +10769,6 @@
           <p:cNvPr id="2" name="Title 1">
             <a:extLst>
               <a:ext uri="{FF2B5EF4-FFF2-40B4-BE49-F238E27FC236}">
-                <a16:creationId xmlns:a16="http://schemas.microsoft.com/office/drawing/2014/main" id="{22BBA557-8635-3BDE-E8D4-073DA5528A69}"/>
-              </a:ext>
-            </a:extLst>
-          </p:cNvPr>
-          <p:cNvSpPr>
-            <a:spLocks noGrp="1"/>
-          </p:cNvSpPr>
-          <p:nvPr>
-            <p:ph type="title"/>
-          </p:nvPr>
-        </p:nvSpPr>
-        <p:spPr/>
-        <p:txBody>
-          <a:bodyPr/>
-          <a:lstStyle/>
-          <a:p>
-            <a:r>
-              <a:rPr lang="en-US"/>
-              <a:t>Interfaces in AL : Polymorphism</a:t>
-            </a:r>
-          </a:p>
-        </p:txBody>
-      </p:sp>
-      <p:sp>
-        <p:nvSpPr>
-          <p:cNvPr id="3" name="Content Placeholder 2">
-            <a:extLst>
-              <a:ext uri="{FF2B5EF4-FFF2-40B4-BE49-F238E27FC236}">
-                <a16:creationId xmlns:a16="http://schemas.microsoft.com/office/drawing/2014/main" id="{D6C108CE-DA29-F8A3-1ECE-7368508C2256}"/>
-              </a:ext>
-            </a:extLst>
-          </p:cNvPr>
-          <p:cNvSpPr txBox="1">
-            <a:spLocks/>
-          </p:cNvSpPr>
-          <p:nvPr/>
-        </p:nvSpPr>
-        <p:spPr>
-          <a:xfrm>
-            <a:off x="653419" y="1825625"/>
-            <a:ext cx="5970261" cy="4351338"/>
-          </a:xfrm>
-          <a:prstGeom prst="rect">
-            <a:avLst/>
-          </a:prstGeom>
-        </p:spPr>
-        <p:txBody>
-          <a:bodyPr vert="horz" lIns="91440" tIns="45720" rIns="91440" bIns="45720" rtlCol="0">
-            <a:normAutofit/>
-          </a:bodyPr>
-          <a:lstStyle>
-            <a:lvl1pPr marL="228600" indent="-228600" algn="l" defTabSz="914400" rtl="0" eaLnBrk="1" latinLnBrk="0" hangingPunct="1">
-              <a:lnSpc>
-                <a:spcPct val="90000"/>
-              </a:lnSpc>
-              <a:spcBef>
-                <a:spcPts val="1000"/>
-              </a:spcBef>
-              <a:buFont typeface="Arial" panose="020B0604020202020204" pitchFamily="34" charset="0"/>
-              <a:buChar char="•"/>
-              <a:defRPr sz="2800" kern="1200">
-                <a:solidFill>
-                  <a:schemeClr val="tx1"/>
-                </a:solidFill>
-                <a:latin typeface="+mn-lt"/>
-                <a:ea typeface="+mn-ea"/>
-                <a:cs typeface="+mn-cs"/>
-              </a:defRPr>
-            </a:lvl1pPr>
-            <a:lvl2pPr marL="685800" indent="-228600" algn="l" defTabSz="914400" rtl="0" eaLnBrk="1" latinLnBrk="0" hangingPunct="1">
-              <a:lnSpc>
-                <a:spcPct val="90000"/>
-              </a:lnSpc>
-              <a:spcBef>
-                <a:spcPts val="500"/>
-              </a:spcBef>
-              <a:buFont typeface="Arial" panose="020B0604020202020204" pitchFamily="34" charset="0"/>
-              <a:buChar char="•"/>
-              <a:defRPr sz="2400" kern="1200">
-                <a:solidFill>
-                  <a:schemeClr val="tx1"/>
-                </a:solidFill>
-                <a:latin typeface="+mn-lt"/>
-                <a:ea typeface="+mn-ea"/>
-                <a:cs typeface="+mn-cs"/>
-              </a:defRPr>
-            </a:lvl2pPr>
-            <a:lvl3pPr marL="1143000" indent="-228600" algn="l" defTabSz="914400" rtl="0" eaLnBrk="1" latinLnBrk="0" hangingPunct="1">
-              <a:lnSpc>
-                <a:spcPct val="90000"/>
-              </a:lnSpc>
-              <a:spcBef>
-                <a:spcPts val="500"/>
-              </a:spcBef>
-              <a:buFont typeface="Arial" panose="020B0604020202020204" pitchFamily="34" charset="0"/>
-              <a:buChar char="•"/>
-              <a:defRPr sz="2000" kern="1200">
-                <a:solidFill>
-                  <a:schemeClr val="tx1"/>
-                </a:solidFill>
-                <a:latin typeface="+mn-lt"/>
-                <a:ea typeface="+mn-ea"/>
-                <a:cs typeface="+mn-cs"/>
-              </a:defRPr>
-            </a:lvl3pPr>
-            <a:lvl4pPr marL="1600200" indent="-228600" algn="l" defTabSz="914400" rtl="0" eaLnBrk="1" latinLnBrk="0" hangingPunct="1">
-              <a:lnSpc>
-                <a:spcPct val="90000"/>
-              </a:lnSpc>
-              <a:spcBef>
-                <a:spcPts val="500"/>
-              </a:spcBef>
-              <a:buFont typeface="Arial" panose="020B0604020202020204" pitchFamily="34" charset="0"/>
-              <a:buChar char="•"/>
-              <a:defRPr sz="1800" kern="1200">
-                <a:solidFill>
-                  <a:schemeClr val="tx1"/>
-                </a:solidFill>
-                <a:latin typeface="+mn-lt"/>
-                <a:ea typeface="+mn-ea"/>
-                <a:cs typeface="+mn-cs"/>
-              </a:defRPr>
-            </a:lvl4pPr>
-            <a:lvl5pPr marL="2057400" indent="-228600" algn="l" defTabSz="914400" rtl="0" eaLnBrk="1" latinLnBrk="0" hangingPunct="1">
-              <a:lnSpc>
-                <a:spcPct val="90000"/>
-              </a:lnSpc>
-              <a:spcBef>
-                <a:spcPts val="500"/>
-              </a:spcBef>
-              <a:buFont typeface="Arial" panose="020B0604020202020204" pitchFamily="34" charset="0"/>
-              <a:buChar char="•"/>
-              <a:defRPr sz="1800" kern="1200">
-                <a:solidFill>
-                  <a:schemeClr val="tx1"/>
-                </a:solidFill>
-                <a:latin typeface="+mn-lt"/>
-                <a:ea typeface="+mn-ea"/>
-                <a:cs typeface="+mn-cs"/>
-              </a:defRPr>
-            </a:lvl5pPr>
-            <a:lvl6pPr marL="2514600" indent="-228600" algn="l" defTabSz="914400" rtl="0" eaLnBrk="1" latinLnBrk="0" hangingPunct="1">
-              <a:lnSpc>
-                <a:spcPct val="90000"/>
-              </a:lnSpc>
-              <a:spcBef>
-                <a:spcPts val="500"/>
-              </a:spcBef>
-              <a:buFont typeface="Arial" panose="020B0604020202020204" pitchFamily="34" charset="0"/>
-              <a:buChar char="•"/>
-              <a:defRPr sz="1800" kern="1200">
-                <a:solidFill>
-                  <a:schemeClr val="tx1"/>
-                </a:solidFill>
-                <a:latin typeface="+mn-lt"/>
-                <a:ea typeface="+mn-ea"/>
-                <a:cs typeface="+mn-cs"/>
-              </a:defRPr>
-            </a:lvl6pPr>
-            <a:lvl7pPr marL="2971800" indent="-228600" algn="l" defTabSz="914400" rtl="0" eaLnBrk="1" latinLnBrk="0" hangingPunct="1">
-              <a:lnSpc>
-                <a:spcPct val="90000"/>
-              </a:lnSpc>
-              <a:spcBef>
-                <a:spcPts val="500"/>
-              </a:spcBef>
-              <a:buFont typeface="Arial" panose="020B0604020202020204" pitchFamily="34" charset="0"/>
-              <a:buChar char="•"/>
-              <a:defRPr sz="1800" kern="1200">
-                <a:solidFill>
-                  <a:schemeClr val="tx1"/>
-                </a:solidFill>
-                <a:latin typeface="+mn-lt"/>
-                <a:ea typeface="+mn-ea"/>
-                <a:cs typeface="+mn-cs"/>
-              </a:defRPr>
-            </a:lvl7pPr>
-            <a:lvl8pPr marL="3429000" indent="-228600" algn="l" defTabSz="914400" rtl="0" eaLnBrk="1" latinLnBrk="0" hangingPunct="1">
-              <a:lnSpc>
-                <a:spcPct val="90000"/>
-              </a:lnSpc>
-              <a:spcBef>
-                <a:spcPts val="500"/>
-              </a:spcBef>
-              <a:buFont typeface="Arial" panose="020B0604020202020204" pitchFamily="34" charset="0"/>
-              <a:buChar char="•"/>
-              <a:defRPr sz="1800" kern="1200">
-                <a:solidFill>
-                  <a:schemeClr val="tx1"/>
-                </a:solidFill>
-                <a:latin typeface="+mn-lt"/>
-                <a:ea typeface="+mn-ea"/>
-                <a:cs typeface="+mn-cs"/>
-              </a:defRPr>
-            </a:lvl8pPr>
-            <a:lvl9pPr marL="3886200" indent="-228600" algn="l" defTabSz="914400" rtl="0" eaLnBrk="1" latinLnBrk="0" hangingPunct="1">
-              <a:lnSpc>
-                <a:spcPct val="90000"/>
-              </a:lnSpc>
-              <a:spcBef>
-                <a:spcPts val="500"/>
-              </a:spcBef>
-              <a:buFont typeface="Arial" panose="020B0604020202020204" pitchFamily="34" charset="0"/>
-              <a:buChar char="•"/>
-              <a:defRPr sz="1800" kern="1200">
-                <a:solidFill>
-                  <a:schemeClr val="tx1"/>
-                </a:solidFill>
-                <a:latin typeface="+mn-lt"/>
-                <a:ea typeface="+mn-ea"/>
-                <a:cs typeface="+mn-cs"/>
-              </a:defRPr>
-            </a:lvl9pPr>
-          </a:lstStyle>
-          <a:p>
-            <a:r>
-              <a:rPr lang="en-US" b="1"/>
-              <a:t>Polymorphism</a:t>
-            </a:r>
-            <a:r>
-              <a:rPr lang="en-US"/>
-              <a:t>: write different code without changing the calling code.</a:t>
-            </a:r>
-          </a:p>
-          <a:p>
-            <a:pPr lvl="8"/>
-            <a:endParaRPr lang="en-US"/>
-          </a:p>
-        </p:txBody>
-      </p:sp>
-      <p:pic>
-        <p:nvPicPr>
-          <p:cNvPr id="4" name="Picture 3">
-            <a:extLst>
-              <a:ext uri="{FF2B5EF4-FFF2-40B4-BE49-F238E27FC236}">
-                <a16:creationId xmlns:a16="http://schemas.microsoft.com/office/drawing/2014/main" id="{978C6A42-7007-2CDE-36F7-FFF15D1D125B}"/>
-              </a:ext>
-            </a:extLst>
-          </p:cNvPr>
-          <p:cNvPicPr>
-            <a:picLocks noChangeAspect="1"/>
-          </p:cNvPicPr>
-          <p:nvPr/>
-        </p:nvPicPr>
-        <p:blipFill>
-          <a:blip r:embed="rId3"/>
-          <a:stretch>
-            <a:fillRect/>
-          </a:stretch>
-        </p:blipFill>
-        <p:spPr>
-          <a:xfrm>
-            <a:off x="468639" y="2993485"/>
-            <a:ext cx="5970261" cy="3183478"/>
-          </a:xfrm>
-          <a:prstGeom prst="rect">
-            <a:avLst/>
-          </a:prstGeom>
-        </p:spPr>
-      </p:pic>
-      <p:graphicFrame>
-        <p:nvGraphicFramePr>
-          <p:cNvPr id="5" name="Content Placeholder 2">
-            <a:extLst>
-              <a:ext uri="{FF2B5EF4-FFF2-40B4-BE49-F238E27FC236}">
-                <a16:creationId xmlns:a16="http://schemas.microsoft.com/office/drawing/2014/main" id="{092A5730-C010-947E-F721-729AECDB635E}"/>
-              </a:ext>
-            </a:extLst>
-          </p:cNvPr>
-          <p:cNvGraphicFramePr>
-            <a:graphicFrameLocks/>
-          </p:cNvGraphicFramePr>
-          <p:nvPr/>
-        </p:nvGraphicFramePr>
-        <p:xfrm>
-          <a:off x="6808460" y="2202756"/>
-          <a:ext cx="4545340" cy="4351338"/>
-        </p:xfrm>
-        <a:graphic>
-          <a:graphicData uri="http://schemas.openxmlformats.org/drawingml/2006/diagram">
-            <dgm:relIds xmlns:dgm="http://schemas.openxmlformats.org/drawingml/2006/diagram" xmlns:r="http://schemas.openxmlformats.org/officeDocument/2006/relationships" r:dm="rId4" r:lo="rId5" r:qs="rId6" r:cs="rId7"/>
-          </a:graphicData>
-        </a:graphic>
-      </p:graphicFrame>
-    </p:spTree>
-    <p:extLst>
-      <p:ext uri="{BB962C8B-B14F-4D97-AF65-F5344CB8AC3E}">
-        <p14:creationId xmlns:p14="http://schemas.microsoft.com/office/powerpoint/2010/main" val="364407373"/>
-      </p:ext>
-    </p:extLst>
-  </p:cSld>
-  <p:clrMapOvr>
-    <a:masterClrMapping/>
-  </p:clrMapOvr>
-</p:sld>
-</file>
-
-<file path=ppt/slides/slide21.xml><?xml version="1.0" encoding="utf-8"?>
-<p:sld xmlns:a="http://schemas.openxmlformats.org/drawingml/2006/main" xmlns:r="http://schemas.openxmlformats.org/officeDocument/2006/relationships" xmlns:p="http://schemas.openxmlformats.org/presentationml/2006/main" show="0">
-  <p:cSld>
-    <p:spTree>
-      <p:nvGrpSpPr>
-        <p:cNvPr id="1" name=""/>
-        <p:cNvGrpSpPr/>
-        <p:nvPr/>
-      </p:nvGrpSpPr>
-      <p:grpSpPr>
-        <a:xfrm>
-          <a:off x="0" y="0"/>
-          <a:ext cx="0" cy="0"/>
-          <a:chOff x="0" y="0"/>
-          <a:chExt cx="0" cy="0"/>
-        </a:xfrm>
-      </p:grpSpPr>
-      <p:sp>
-        <p:nvSpPr>
-          <p:cNvPr id="2" name="Title 1">
-            <a:extLst>
-              <a:ext uri="{FF2B5EF4-FFF2-40B4-BE49-F238E27FC236}">
                 <a16:creationId xmlns:a16="http://schemas.microsoft.com/office/drawing/2014/main" id="{3E509AE3-9329-08AB-FB04-FA2733746DD0}"/>
               </a:ext>
             </a:extLst>
@@ -13239,7 +11041,7 @@
 </p:sld>
 </file>
 
-<file path=ppt/slides/slide22.xml><?xml version="1.0" encoding="utf-8"?>
+<file path=ppt/slides/slide21.xml><?xml version="1.0" encoding="utf-8"?>
 <p:sld xmlns:a="http://schemas.openxmlformats.org/drawingml/2006/main" xmlns:r="http://schemas.openxmlformats.org/officeDocument/2006/relationships" xmlns:p="http://schemas.openxmlformats.org/presentationml/2006/main" show="0">
   <p:cSld>
     <p:spTree>
@@ -15805,7 +13607,7 @@
 </p:sld>
 </file>
 
-<file path=ppt/slides/slide23.xml><?xml version="1.0" encoding="utf-8"?>
+<file path=ppt/slides/slide22.xml><?xml version="1.0" encoding="utf-8"?>
 <p:sld xmlns:a="http://schemas.openxmlformats.org/drawingml/2006/main" xmlns:r="http://schemas.openxmlformats.org/officeDocument/2006/relationships" xmlns:p="http://schemas.openxmlformats.org/presentationml/2006/main" show="0">
   <p:cSld>
     <p:spTree>
@@ -16096,6 +13898,2403 @@
     <p:extLst>
       <p:ext uri="{BB962C8B-B14F-4D97-AF65-F5344CB8AC3E}">
         <p14:creationId xmlns:p14="http://schemas.microsoft.com/office/powerpoint/2010/main" val="2333049398"/>
+      </p:ext>
+    </p:extLst>
+  </p:cSld>
+  <p:clrMapOvr>
+    <a:masterClrMapping/>
+  </p:clrMapOvr>
+</p:sld>
+</file>
+
+<file path=ppt/slides/slide23.xml><?xml version="1.0" encoding="utf-8"?>
+<p:sld xmlns:a="http://schemas.openxmlformats.org/drawingml/2006/main" xmlns:r="http://schemas.openxmlformats.org/officeDocument/2006/relationships" xmlns:p="http://schemas.openxmlformats.org/presentationml/2006/main">
+  <p:cSld>
+    <p:spTree>
+      <p:nvGrpSpPr>
+        <p:cNvPr id="1" name=""/>
+        <p:cNvGrpSpPr/>
+        <p:nvPr/>
+      </p:nvGrpSpPr>
+      <p:grpSpPr>
+        <a:xfrm>
+          <a:off x="0" y="0"/>
+          <a:ext cx="0" cy="0"/>
+          <a:chOff x="0" y="0"/>
+          <a:chExt cx="0" cy="0"/>
+        </a:xfrm>
+      </p:grpSpPr>
+      <p:sp>
+        <p:nvSpPr>
+          <p:cNvPr id="2" name="Title 1">
+            <a:extLst>
+              <a:ext uri="{FF2B5EF4-FFF2-40B4-BE49-F238E27FC236}">
+                <a16:creationId xmlns:a16="http://schemas.microsoft.com/office/drawing/2014/main" id="{8291B051-0A3F-AC23-64E6-552D30CB05B2}"/>
+              </a:ext>
+            </a:extLst>
+          </p:cNvPr>
+          <p:cNvSpPr>
+            <a:spLocks noGrp="1"/>
+          </p:cNvSpPr>
+          <p:nvPr>
+            <p:ph type="title"/>
+          </p:nvPr>
+        </p:nvSpPr>
+        <p:spPr/>
+        <p:txBody>
+          <a:bodyPr/>
+          <a:lstStyle/>
+          <a:p>
+            <a:r>
+              <a:rPr lang="en-US">
+                <a:latin typeface="Source Sans Pro"/>
+                <a:ea typeface="Source Sans Pro"/>
+              </a:rPr>
+              <a:t>List of Interfaces </a:t>
+            </a:r>
+            <a:br>
+              <a:rPr lang="en-US">
+                <a:ea typeface="Source Sans Pro"/>
+              </a:rPr>
+            </a:br>
+            <a:r>
+              <a:rPr lang="en-US">
+                <a:latin typeface="Source Sans Pro"/>
+                <a:ea typeface="Source Sans Pro"/>
+              </a:rPr>
+              <a:t>(from runtime 15 BC 2025 wave 1)</a:t>
+            </a:r>
+            <a:endParaRPr lang="en-US">
+              <a:latin typeface="Source Sans Pro"/>
+            </a:endParaRPr>
+          </a:p>
+        </p:txBody>
+      </p:sp>
+      <p:sp>
+        <p:nvSpPr>
+          <p:cNvPr id="4" name="TextBox 3">
+            <a:extLst>
+              <a:ext uri="{FF2B5EF4-FFF2-40B4-BE49-F238E27FC236}">
+                <a16:creationId xmlns:a16="http://schemas.microsoft.com/office/drawing/2014/main" id="{32123D40-6CB9-4C7B-85AD-1D9DD8CCF4D4}"/>
+              </a:ext>
+            </a:extLst>
+          </p:cNvPr>
+          <p:cNvSpPr txBox="1"/>
+          <p:nvPr/>
+        </p:nvSpPr>
+        <p:spPr>
+          <a:xfrm>
+            <a:off x="2720340" y="2354580"/>
+            <a:ext cx="4983480" cy="1692473"/>
+          </a:xfrm>
+          <a:prstGeom prst="rect">
+            <a:avLst/>
+          </a:prstGeom>
+          <a:noFill/>
+        </p:spPr>
+        <p:txBody>
+          <a:bodyPr rot="0" spcFirstLastPara="0" vertOverflow="overflow" horzOverflow="overflow" vert="horz" wrap="square" lIns="91440" tIns="45720" rIns="91440" bIns="45720" numCol="1" spcCol="0" rtlCol="0" fromWordArt="0" anchor="t" anchorCtr="0" forceAA="0" compatLnSpc="1">
+            <a:prstTxWarp prst="textNoShape">
+              <a:avLst/>
+            </a:prstTxWarp>
+            <a:spAutoFit/>
+          </a:bodyPr>
+          <a:lstStyle/>
+          <a:p>
+            <a:r>
+              <a:rPr lang="en-US" sz="1200" err="1">
+                <a:solidFill>
+                  <a:srgbClr val="4B69C6"/>
+                </a:solidFill>
+                <a:highlight>
+                  <a:srgbClr val="F5F5F5"/>
+                </a:highlight>
+                <a:latin typeface="Consolas"/>
+              </a:rPr>
+              <a:t>codeunit</a:t>
+            </a:r>
+            <a:r>
+              <a:rPr lang="en-US" sz="1200">
+                <a:solidFill>
+                  <a:srgbClr val="333333"/>
+                </a:solidFill>
+                <a:highlight>
+                  <a:srgbClr val="F5F5F5"/>
+                </a:highlight>
+                <a:latin typeface="Consolas"/>
+              </a:rPr>
+              <a:t> </a:t>
+            </a:r>
+            <a:r>
+              <a:rPr lang="en-US" sz="1200">
+                <a:solidFill>
+                  <a:srgbClr val="9C5D27"/>
+                </a:solidFill>
+                <a:highlight>
+                  <a:srgbClr val="F5F5F5"/>
+                </a:highlight>
+                <a:latin typeface="Consolas"/>
+              </a:rPr>
+              <a:t>70600</a:t>
+            </a:r>
+            <a:r>
+              <a:rPr lang="en-US" sz="1200">
+                <a:solidFill>
+                  <a:srgbClr val="333333"/>
+                </a:solidFill>
+                <a:highlight>
+                  <a:srgbClr val="F5F5F5"/>
+                </a:highlight>
+                <a:latin typeface="Consolas"/>
+              </a:rPr>
+              <a:t> </a:t>
+            </a:r>
+            <a:r>
+              <a:rPr lang="en-US" sz="1200" b="1" err="1">
+                <a:solidFill>
+                  <a:srgbClr val="7A3E9D"/>
+                </a:solidFill>
+                <a:highlight>
+                  <a:srgbClr val="F5F5F5"/>
+                </a:highlight>
+                <a:latin typeface="Consolas"/>
+              </a:rPr>
+              <a:t>OrderProcessor</a:t>
+            </a:r>
+            <a:r>
+              <a:rPr lang="en-US" sz="1200">
+                <a:solidFill>
+                  <a:srgbClr val="333333"/>
+                </a:solidFill>
+                <a:highlight>
+                  <a:srgbClr val="F5F5F5"/>
+                </a:highlight>
+                <a:latin typeface="Consolas"/>
+              </a:rPr>
+              <a:t> </a:t>
+            </a:r>
+            <a:r>
+              <a:rPr lang="en-US" sz="1200">
+                <a:solidFill>
+                  <a:srgbClr val="4B69C6"/>
+                </a:solidFill>
+                <a:highlight>
+                  <a:srgbClr val="F5F5F5"/>
+                </a:highlight>
+                <a:latin typeface="Consolas"/>
+              </a:rPr>
+              <a:t>implements</a:t>
+            </a:r>
+            <a:r>
+              <a:rPr lang="en-US" sz="1200">
+                <a:solidFill>
+                  <a:srgbClr val="333333"/>
+                </a:solidFill>
+                <a:highlight>
+                  <a:srgbClr val="F5F5F5"/>
+                </a:highlight>
+                <a:latin typeface="Consolas"/>
+              </a:rPr>
+              <a:t> </a:t>
+            </a:r>
+            <a:r>
+              <a:rPr lang="en-US" sz="1200" b="1">
+                <a:solidFill>
+                  <a:srgbClr val="7A3E9D"/>
+                </a:solidFill>
+                <a:highlight>
+                  <a:srgbClr val="F5F5F5"/>
+                </a:highlight>
+                <a:latin typeface="Consolas"/>
+              </a:rPr>
+              <a:t>Processor</a:t>
+            </a:r>
+          </a:p>
+          <a:p>
+            <a:r>
+              <a:rPr lang="en-US" sz="1200">
+                <a:solidFill>
+                  <a:srgbClr val="333333"/>
+                </a:solidFill>
+                <a:highlight>
+                  <a:srgbClr val="F5F5F5"/>
+                </a:highlight>
+                <a:latin typeface="Consolas"/>
+              </a:rPr>
+              <a:t>{</a:t>
+            </a:r>
+          </a:p>
+          <a:p>
+            <a:r>
+              <a:rPr lang="en-US" sz="1200">
+                <a:solidFill>
+                  <a:srgbClr val="333333"/>
+                </a:solidFill>
+                <a:highlight>
+                  <a:srgbClr val="F5F5F5"/>
+                </a:highlight>
+                <a:latin typeface="Consolas"/>
+              </a:rPr>
+              <a:t>    </a:t>
+            </a:r>
+            <a:r>
+              <a:rPr lang="en-US" sz="1200">
+                <a:solidFill>
+                  <a:srgbClr val="4B69C6"/>
+                </a:solidFill>
+                <a:highlight>
+                  <a:srgbClr val="F5F5F5"/>
+                </a:highlight>
+                <a:latin typeface="Consolas"/>
+              </a:rPr>
+              <a:t>procedure</a:t>
+            </a:r>
+            <a:r>
+              <a:rPr lang="en-US" sz="1200">
+                <a:solidFill>
+                  <a:srgbClr val="333333"/>
+                </a:solidFill>
+                <a:highlight>
+                  <a:srgbClr val="F5F5F5"/>
+                </a:highlight>
+                <a:latin typeface="Consolas"/>
+              </a:rPr>
+              <a:t> </a:t>
+            </a:r>
+            <a:r>
+              <a:rPr lang="en-US" sz="1200" b="1" err="1">
+                <a:solidFill>
+                  <a:srgbClr val="AA3731"/>
+                </a:solidFill>
+                <a:highlight>
+                  <a:srgbClr val="F5F5F5"/>
+                </a:highlight>
+                <a:latin typeface="Consolas"/>
+              </a:rPr>
+              <a:t>WriteMessage</a:t>
+            </a:r>
+            <a:r>
+              <a:rPr lang="en-US" sz="1200">
+                <a:solidFill>
+                  <a:srgbClr val="4B69C6"/>
+                </a:solidFill>
+                <a:highlight>
+                  <a:srgbClr val="F5F5F5"/>
+                </a:highlight>
+                <a:latin typeface="Consolas"/>
+              </a:rPr>
+              <a:t>()</a:t>
+            </a:r>
+          </a:p>
+          <a:p>
+            <a:r>
+              <a:rPr lang="en-US" sz="1200">
+                <a:solidFill>
+                  <a:srgbClr val="333333"/>
+                </a:solidFill>
+                <a:highlight>
+                  <a:srgbClr val="F5F5F5"/>
+                </a:highlight>
+                <a:latin typeface="Consolas"/>
+              </a:rPr>
+              <a:t>    </a:t>
+            </a:r>
+            <a:r>
+              <a:rPr lang="en-US" sz="1200">
+                <a:solidFill>
+                  <a:srgbClr val="4B69C6"/>
+                </a:solidFill>
+                <a:highlight>
+                  <a:srgbClr val="F5F5F5"/>
+                </a:highlight>
+                <a:latin typeface="Consolas"/>
+              </a:rPr>
+              <a:t>begin</a:t>
+            </a:r>
+          </a:p>
+          <a:p>
+            <a:r>
+              <a:rPr lang="en-US" sz="1200">
+                <a:solidFill>
+                  <a:srgbClr val="333333"/>
+                </a:solidFill>
+                <a:highlight>
+                  <a:srgbClr val="F5F5F5"/>
+                </a:highlight>
+                <a:latin typeface="Consolas"/>
+              </a:rPr>
+              <a:t>        </a:t>
+            </a:r>
+            <a:r>
+              <a:rPr lang="en-US" sz="1200" b="1">
+                <a:solidFill>
+                  <a:srgbClr val="AA3731"/>
+                </a:solidFill>
+                <a:highlight>
+                  <a:srgbClr val="F5F5F5"/>
+                </a:highlight>
+                <a:latin typeface="Consolas"/>
+              </a:rPr>
+              <a:t>Message</a:t>
+            </a:r>
+            <a:r>
+              <a:rPr lang="en-US" sz="1200">
+                <a:solidFill>
+                  <a:srgbClr val="4B69C6"/>
+                </a:solidFill>
+                <a:highlight>
+                  <a:srgbClr val="F5F5F5"/>
+                </a:highlight>
+                <a:latin typeface="Consolas"/>
+              </a:rPr>
+              <a:t>(</a:t>
+            </a:r>
+            <a:r>
+              <a:rPr lang="en-US" sz="1200">
+                <a:solidFill>
+                  <a:srgbClr val="448C27"/>
+                </a:solidFill>
+                <a:highlight>
+                  <a:srgbClr val="F5F5F5"/>
+                </a:highlight>
+                <a:latin typeface="Consolas"/>
+              </a:rPr>
+              <a:t>'From Order Processor'</a:t>
+            </a:r>
+            <a:r>
+              <a:rPr lang="en-US" sz="1200">
+                <a:solidFill>
+                  <a:srgbClr val="4B69C6"/>
+                </a:solidFill>
+                <a:highlight>
+                  <a:srgbClr val="F5F5F5"/>
+                </a:highlight>
+                <a:latin typeface="Consolas"/>
+              </a:rPr>
+              <a:t>)</a:t>
+            </a:r>
+            <a:r>
+              <a:rPr lang="en-US" sz="1200">
+                <a:solidFill>
+                  <a:srgbClr val="777777"/>
+                </a:solidFill>
+                <a:highlight>
+                  <a:srgbClr val="F5F5F5"/>
+                </a:highlight>
+                <a:latin typeface="Consolas"/>
+              </a:rPr>
+              <a:t>;</a:t>
+            </a:r>
+          </a:p>
+          <a:p>
+            <a:r>
+              <a:rPr lang="en-US" sz="1200">
+                <a:solidFill>
+                  <a:srgbClr val="333333"/>
+                </a:solidFill>
+                <a:highlight>
+                  <a:srgbClr val="F5F5F5"/>
+                </a:highlight>
+                <a:latin typeface="Consolas"/>
+              </a:rPr>
+              <a:t>    </a:t>
+            </a:r>
+            <a:r>
+              <a:rPr lang="en-US" sz="1200">
+                <a:solidFill>
+                  <a:srgbClr val="4B69C6"/>
+                </a:solidFill>
+                <a:highlight>
+                  <a:srgbClr val="F5F5F5"/>
+                </a:highlight>
+                <a:latin typeface="Consolas"/>
+              </a:rPr>
+              <a:t>end</a:t>
+            </a:r>
+            <a:r>
+              <a:rPr lang="en-US" sz="1200">
+                <a:solidFill>
+                  <a:srgbClr val="777777"/>
+                </a:solidFill>
+                <a:highlight>
+                  <a:srgbClr val="F5F5F5"/>
+                </a:highlight>
+                <a:latin typeface="Consolas"/>
+              </a:rPr>
+              <a:t>;</a:t>
+            </a:r>
+          </a:p>
+          <a:p>
+            <a:r>
+              <a:rPr lang="en-US" sz="1200">
+                <a:solidFill>
+                  <a:srgbClr val="333333"/>
+                </a:solidFill>
+                <a:highlight>
+                  <a:srgbClr val="F5F5F5"/>
+                </a:highlight>
+                <a:latin typeface="Consolas"/>
+              </a:rPr>
+              <a:t>}</a:t>
+            </a:r>
+          </a:p>
+          <a:p>
+            <a:endParaRPr lang="en-US">
+              <a:solidFill>
+                <a:srgbClr val="333333"/>
+              </a:solidFill>
+              <a:highlight>
+                <a:srgbClr val="F5F5F5"/>
+              </a:highlight>
+              <a:latin typeface="Consolas"/>
+            </a:endParaRPr>
+          </a:p>
+        </p:txBody>
+      </p:sp>
+      <p:sp>
+        <p:nvSpPr>
+          <p:cNvPr id="5" name="TextBox 4">
+            <a:extLst>
+              <a:ext uri="{FF2B5EF4-FFF2-40B4-BE49-F238E27FC236}">
+                <a16:creationId xmlns:a16="http://schemas.microsoft.com/office/drawing/2014/main" id="{62AAE52F-1B7F-0E61-69D9-6A11C036F412}"/>
+              </a:ext>
+            </a:extLst>
+          </p:cNvPr>
+          <p:cNvSpPr txBox="1"/>
+          <p:nvPr/>
+        </p:nvSpPr>
+        <p:spPr>
+          <a:xfrm>
+            <a:off x="2720340" y="3848100"/>
+            <a:ext cx="4975860" cy="1569660"/>
+          </a:xfrm>
+          <a:prstGeom prst="rect">
+            <a:avLst/>
+          </a:prstGeom>
+          <a:noFill/>
+        </p:spPr>
+        <p:txBody>
+          <a:bodyPr rot="0" spcFirstLastPara="0" vertOverflow="overflow" horzOverflow="overflow" vert="horz" wrap="square" lIns="91440" tIns="45720" rIns="91440" bIns="45720" numCol="1" spcCol="0" rtlCol="0" fromWordArt="0" anchor="t" anchorCtr="0" forceAA="0" compatLnSpc="1">
+            <a:prstTxWarp prst="textNoShape">
+              <a:avLst/>
+            </a:prstTxWarp>
+            <a:spAutoFit/>
+          </a:bodyPr>
+          <a:lstStyle/>
+          <a:p>
+            <a:r>
+              <a:rPr lang="en-US" sz="1200" err="1">
+                <a:solidFill>
+                  <a:srgbClr val="4B69C6"/>
+                </a:solidFill>
+                <a:highlight>
+                  <a:srgbClr val="F5F5F5"/>
+                </a:highlight>
+                <a:latin typeface="Consolas"/>
+              </a:rPr>
+              <a:t>codeunit</a:t>
+            </a:r>
+            <a:r>
+              <a:rPr lang="en-US" sz="1200">
+                <a:solidFill>
+                  <a:srgbClr val="333333"/>
+                </a:solidFill>
+                <a:highlight>
+                  <a:srgbClr val="F5F5F5"/>
+                </a:highlight>
+                <a:latin typeface="Consolas"/>
+              </a:rPr>
+              <a:t> </a:t>
+            </a:r>
+            <a:r>
+              <a:rPr lang="en-US" sz="1200">
+                <a:solidFill>
+                  <a:srgbClr val="9C5D27"/>
+                </a:solidFill>
+                <a:highlight>
+                  <a:srgbClr val="F5F5F5"/>
+                </a:highlight>
+                <a:latin typeface="Consolas"/>
+              </a:rPr>
+              <a:t>70601</a:t>
+            </a:r>
+            <a:r>
+              <a:rPr lang="en-US" sz="1200">
+                <a:solidFill>
+                  <a:srgbClr val="333333"/>
+                </a:solidFill>
+                <a:highlight>
+                  <a:srgbClr val="F5F5F5"/>
+                </a:highlight>
+                <a:latin typeface="Consolas"/>
+              </a:rPr>
+              <a:t> </a:t>
+            </a:r>
+            <a:r>
+              <a:rPr lang="en-US" sz="1200" b="1" err="1">
+                <a:solidFill>
+                  <a:srgbClr val="7A3E9D"/>
+                </a:solidFill>
+                <a:highlight>
+                  <a:srgbClr val="F5F5F5"/>
+                </a:highlight>
+                <a:latin typeface="Consolas"/>
+              </a:rPr>
+              <a:t>RateProcessor</a:t>
+            </a:r>
+            <a:r>
+              <a:rPr lang="en-US" sz="1200">
+                <a:solidFill>
+                  <a:srgbClr val="333333"/>
+                </a:solidFill>
+                <a:highlight>
+                  <a:srgbClr val="F5F5F5"/>
+                </a:highlight>
+                <a:latin typeface="Consolas"/>
+              </a:rPr>
+              <a:t> </a:t>
+            </a:r>
+            <a:r>
+              <a:rPr lang="en-US" sz="1200">
+                <a:solidFill>
+                  <a:srgbClr val="4B69C6"/>
+                </a:solidFill>
+                <a:highlight>
+                  <a:srgbClr val="F5F5F5"/>
+                </a:highlight>
+                <a:latin typeface="Consolas"/>
+              </a:rPr>
+              <a:t>implements</a:t>
+            </a:r>
+            <a:r>
+              <a:rPr lang="en-US" sz="1200">
+                <a:solidFill>
+                  <a:srgbClr val="333333"/>
+                </a:solidFill>
+                <a:highlight>
+                  <a:srgbClr val="F5F5F5"/>
+                </a:highlight>
+                <a:latin typeface="Consolas"/>
+              </a:rPr>
+              <a:t> </a:t>
+            </a:r>
+            <a:r>
+              <a:rPr lang="en-US" sz="1200" b="1">
+                <a:solidFill>
+                  <a:srgbClr val="7A3E9D"/>
+                </a:solidFill>
+                <a:highlight>
+                  <a:srgbClr val="F5F5F5"/>
+                </a:highlight>
+                <a:latin typeface="Consolas"/>
+              </a:rPr>
+              <a:t>Processor</a:t>
+            </a:r>
+          </a:p>
+          <a:p>
+            <a:r>
+              <a:rPr lang="en-US" sz="1200">
+                <a:solidFill>
+                  <a:srgbClr val="333333"/>
+                </a:solidFill>
+                <a:highlight>
+                  <a:srgbClr val="F5F5F5"/>
+                </a:highlight>
+                <a:latin typeface="Consolas"/>
+              </a:rPr>
+              <a:t>{</a:t>
+            </a:r>
+          </a:p>
+          <a:p>
+            <a:r>
+              <a:rPr lang="en-US" sz="1200">
+                <a:solidFill>
+                  <a:srgbClr val="333333"/>
+                </a:solidFill>
+                <a:highlight>
+                  <a:srgbClr val="F5F5F5"/>
+                </a:highlight>
+                <a:latin typeface="Consolas"/>
+              </a:rPr>
+              <a:t>    </a:t>
+            </a:r>
+            <a:r>
+              <a:rPr lang="en-US" sz="1200">
+                <a:solidFill>
+                  <a:srgbClr val="4B69C6"/>
+                </a:solidFill>
+                <a:highlight>
+                  <a:srgbClr val="F5F5F5"/>
+                </a:highlight>
+                <a:latin typeface="Consolas"/>
+              </a:rPr>
+              <a:t>procedure</a:t>
+            </a:r>
+            <a:r>
+              <a:rPr lang="en-US" sz="1200">
+                <a:solidFill>
+                  <a:srgbClr val="333333"/>
+                </a:solidFill>
+                <a:highlight>
+                  <a:srgbClr val="F5F5F5"/>
+                </a:highlight>
+                <a:latin typeface="Consolas"/>
+              </a:rPr>
+              <a:t> </a:t>
+            </a:r>
+            <a:r>
+              <a:rPr lang="en-US" sz="1200" b="1" err="1">
+                <a:solidFill>
+                  <a:srgbClr val="AA3731"/>
+                </a:solidFill>
+                <a:highlight>
+                  <a:srgbClr val="F5F5F5"/>
+                </a:highlight>
+                <a:latin typeface="Consolas"/>
+              </a:rPr>
+              <a:t>WriteMessage</a:t>
+            </a:r>
+            <a:r>
+              <a:rPr lang="en-US" sz="1200">
+                <a:solidFill>
+                  <a:srgbClr val="4B69C6"/>
+                </a:solidFill>
+                <a:highlight>
+                  <a:srgbClr val="F5F5F5"/>
+                </a:highlight>
+                <a:latin typeface="Consolas"/>
+              </a:rPr>
+              <a:t>()</a:t>
+            </a:r>
+          </a:p>
+          <a:p>
+            <a:r>
+              <a:rPr lang="en-US" sz="1200">
+                <a:solidFill>
+                  <a:srgbClr val="333333"/>
+                </a:solidFill>
+                <a:highlight>
+                  <a:srgbClr val="F5F5F5"/>
+                </a:highlight>
+                <a:latin typeface="Consolas"/>
+              </a:rPr>
+              <a:t>    </a:t>
+            </a:r>
+            <a:r>
+              <a:rPr lang="en-US" sz="1200">
+                <a:solidFill>
+                  <a:srgbClr val="4B69C6"/>
+                </a:solidFill>
+                <a:highlight>
+                  <a:srgbClr val="F5F5F5"/>
+                </a:highlight>
+                <a:latin typeface="Consolas"/>
+              </a:rPr>
+              <a:t>begin</a:t>
+            </a:r>
+          </a:p>
+          <a:p>
+            <a:r>
+              <a:rPr lang="en-US" sz="1200">
+                <a:solidFill>
+                  <a:srgbClr val="333333"/>
+                </a:solidFill>
+                <a:highlight>
+                  <a:srgbClr val="F5F5F5"/>
+                </a:highlight>
+                <a:latin typeface="Consolas"/>
+              </a:rPr>
+              <a:t>        </a:t>
+            </a:r>
+            <a:r>
+              <a:rPr lang="en-US" sz="1200" b="1">
+                <a:solidFill>
+                  <a:srgbClr val="AA3731"/>
+                </a:solidFill>
+                <a:highlight>
+                  <a:srgbClr val="F5F5F5"/>
+                </a:highlight>
+                <a:latin typeface="Consolas"/>
+              </a:rPr>
+              <a:t>Message</a:t>
+            </a:r>
+            <a:r>
+              <a:rPr lang="en-US" sz="1200">
+                <a:solidFill>
+                  <a:srgbClr val="4B69C6"/>
+                </a:solidFill>
+                <a:highlight>
+                  <a:srgbClr val="F5F5F5"/>
+                </a:highlight>
+                <a:latin typeface="Consolas"/>
+              </a:rPr>
+              <a:t>(</a:t>
+            </a:r>
+            <a:r>
+              <a:rPr lang="en-US" sz="1200">
+                <a:solidFill>
+                  <a:srgbClr val="448C27"/>
+                </a:solidFill>
+                <a:highlight>
+                  <a:srgbClr val="F5F5F5"/>
+                </a:highlight>
+                <a:latin typeface="Consolas"/>
+              </a:rPr>
+              <a:t>'From Rate Processor'</a:t>
+            </a:r>
+            <a:r>
+              <a:rPr lang="en-US" sz="1200">
+                <a:solidFill>
+                  <a:srgbClr val="4B69C6"/>
+                </a:solidFill>
+                <a:highlight>
+                  <a:srgbClr val="F5F5F5"/>
+                </a:highlight>
+                <a:latin typeface="Consolas"/>
+              </a:rPr>
+              <a:t>)</a:t>
+            </a:r>
+            <a:r>
+              <a:rPr lang="en-US" sz="1200">
+                <a:solidFill>
+                  <a:srgbClr val="777777"/>
+                </a:solidFill>
+                <a:highlight>
+                  <a:srgbClr val="F5F5F5"/>
+                </a:highlight>
+                <a:latin typeface="Consolas"/>
+              </a:rPr>
+              <a:t>;</a:t>
+            </a:r>
+          </a:p>
+          <a:p>
+            <a:r>
+              <a:rPr lang="en-US" sz="1200">
+                <a:solidFill>
+                  <a:srgbClr val="333333"/>
+                </a:solidFill>
+                <a:highlight>
+                  <a:srgbClr val="F5F5F5"/>
+                </a:highlight>
+                <a:latin typeface="Consolas"/>
+              </a:rPr>
+              <a:t>    </a:t>
+            </a:r>
+            <a:r>
+              <a:rPr lang="en-US" sz="1200">
+                <a:solidFill>
+                  <a:srgbClr val="4B69C6"/>
+                </a:solidFill>
+                <a:highlight>
+                  <a:srgbClr val="F5F5F5"/>
+                </a:highlight>
+                <a:latin typeface="Consolas"/>
+              </a:rPr>
+              <a:t>end</a:t>
+            </a:r>
+            <a:r>
+              <a:rPr lang="en-US" sz="1200">
+                <a:solidFill>
+                  <a:srgbClr val="777777"/>
+                </a:solidFill>
+                <a:highlight>
+                  <a:srgbClr val="F5F5F5"/>
+                </a:highlight>
+                <a:latin typeface="Consolas"/>
+              </a:rPr>
+              <a:t>;</a:t>
+            </a:r>
+          </a:p>
+          <a:p>
+            <a:r>
+              <a:rPr lang="en-US" sz="1200">
+                <a:solidFill>
+                  <a:srgbClr val="333333"/>
+                </a:solidFill>
+                <a:highlight>
+                  <a:srgbClr val="F5F5F5"/>
+                </a:highlight>
+                <a:latin typeface="Consolas"/>
+              </a:rPr>
+              <a:t>}</a:t>
+            </a:r>
+          </a:p>
+          <a:p>
+            <a:endParaRPr lang="en-US" sz="1200">
+              <a:solidFill>
+                <a:srgbClr val="333333"/>
+              </a:solidFill>
+              <a:highlight>
+                <a:srgbClr val="F5F5F5"/>
+              </a:highlight>
+              <a:latin typeface="Consolas"/>
+            </a:endParaRPr>
+          </a:p>
+        </p:txBody>
+      </p:sp>
+      <p:sp>
+        <p:nvSpPr>
+          <p:cNvPr id="6" name="TextBox 5">
+            <a:extLst>
+              <a:ext uri="{FF2B5EF4-FFF2-40B4-BE49-F238E27FC236}">
+                <a16:creationId xmlns:a16="http://schemas.microsoft.com/office/drawing/2014/main" id="{15758DD6-B490-6DC3-891E-727191F7A0E0}"/>
+              </a:ext>
+            </a:extLst>
+          </p:cNvPr>
+          <p:cNvSpPr txBox="1"/>
+          <p:nvPr/>
+        </p:nvSpPr>
+        <p:spPr>
+          <a:xfrm>
+            <a:off x="144780" y="2354580"/>
+            <a:ext cx="2743200" cy="1015663"/>
+          </a:xfrm>
+          <a:prstGeom prst="rect">
+            <a:avLst/>
+          </a:prstGeom>
+          <a:noFill/>
+        </p:spPr>
+        <p:txBody>
+          <a:bodyPr rot="0" spcFirstLastPara="0" vertOverflow="overflow" horzOverflow="overflow" vert="horz" wrap="square" lIns="91440" tIns="45720" rIns="91440" bIns="45720" numCol="1" spcCol="0" rtlCol="0" fromWordArt="0" anchor="t" anchorCtr="0" forceAA="0" compatLnSpc="1">
+            <a:prstTxWarp prst="textNoShape">
+              <a:avLst/>
+            </a:prstTxWarp>
+            <a:spAutoFit/>
+          </a:bodyPr>
+          <a:lstStyle/>
+          <a:p>
+            <a:r>
+              <a:rPr lang="en-US" sz="1200">
+                <a:solidFill>
+                  <a:srgbClr val="4B69C6"/>
+                </a:solidFill>
+                <a:highlight>
+                  <a:srgbClr val="F5F5F5"/>
+                </a:highlight>
+                <a:latin typeface="Consolas"/>
+              </a:rPr>
+              <a:t>interface</a:t>
+            </a:r>
+            <a:r>
+              <a:rPr lang="en-US" sz="1200">
+                <a:solidFill>
+                  <a:srgbClr val="333333"/>
+                </a:solidFill>
+                <a:highlight>
+                  <a:srgbClr val="F5F5F5"/>
+                </a:highlight>
+                <a:latin typeface="Consolas"/>
+              </a:rPr>
+              <a:t> </a:t>
+            </a:r>
+            <a:r>
+              <a:rPr lang="en-US" sz="1200" b="1">
+                <a:solidFill>
+                  <a:srgbClr val="7A3E9D"/>
+                </a:solidFill>
+                <a:highlight>
+                  <a:srgbClr val="F5F5F5"/>
+                </a:highlight>
+                <a:latin typeface="Consolas"/>
+              </a:rPr>
+              <a:t>Processor</a:t>
+            </a:r>
+          </a:p>
+          <a:p>
+            <a:r>
+              <a:rPr lang="en-US" sz="1200">
+                <a:solidFill>
+                  <a:srgbClr val="333333"/>
+                </a:solidFill>
+                <a:highlight>
+                  <a:srgbClr val="F5F5F5"/>
+                </a:highlight>
+                <a:latin typeface="Consolas"/>
+              </a:rPr>
+              <a:t>{</a:t>
+            </a:r>
+          </a:p>
+          <a:p>
+            <a:r>
+              <a:rPr lang="en-US" sz="1200">
+                <a:solidFill>
+                  <a:srgbClr val="333333"/>
+                </a:solidFill>
+                <a:highlight>
+                  <a:srgbClr val="F5F5F5"/>
+                </a:highlight>
+                <a:latin typeface="Consolas"/>
+              </a:rPr>
+              <a:t>    </a:t>
+            </a:r>
+            <a:r>
+              <a:rPr lang="en-US" sz="1200">
+                <a:solidFill>
+                  <a:srgbClr val="4B69C6"/>
+                </a:solidFill>
+                <a:highlight>
+                  <a:srgbClr val="F5F5F5"/>
+                </a:highlight>
+                <a:latin typeface="Consolas"/>
+              </a:rPr>
+              <a:t>procedure</a:t>
+            </a:r>
+            <a:r>
+              <a:rPr lang="en-US" sz="1200">
+                <a:solidFill>
+                  <a:srgbClr val="333333"/>
+                </a:solidFill>
+                <a:highlight>
+                  <a:srgbClr val="F5F5F5"/>
+                </a:highlight>
+                <a:latin typeface="Consolas"/>
+              </a:rPr>
+              <a:t> </a:t>
+            </a:r>
+            <a:r>
+              <a:rPr lang="en-US" sz="1200" b="1" err="1">
+                <a:solidFill>
+                  <a:srgbClr val="AA3731"/>
+                </a:solidFill>
+                <a:highlight>
+                  <a:srgbClr val="F5F5F5"/>
+                </a:highlight>
+                <a:latin typeface="Consolas"/>
+              </a:rPr>
+              <a:t>WriteMessage</a:t>
+            </a:r>
+            <a:r>
+              <a:rPr lang="en-US" sz="1200">
+                <a:solidFill>
+                  <a:srgbClr val="4B69C6"/>
+                </a:solidFill>
+                <a:highlight>
+                  <a:srgbClr val="F5F5F5"/>
+                </a:highlight>
+                <a:latin typeface="Consolas"/>
+              </a:rPr>
+              <a:t>()</a:t>
+            </a:r>
+            <a:r>
+              <a:rPr lang="en-US" sz="1200">
+                <a:solidFill>
+                  <a:srgbClr val="777777"/>
+                </a:solidFill>
+                <a:highlight>
+                  <a:srgbClr val="F5F5F5"/>
+                </a:highlight>
+                <a:latin typeface="Consolas"/>
+              </a:rPr>
+              <a:t>;</a:t>
+            </a:r>
+          </a:p>
+          <a:p>
+            <a:r>
+              <a:rPr lang="en-US" sz="1200">
+                <a:solidFill>
+                  <a:srgbClr val="333333"/>
+                </a:solidFill>
+                <a:highlight>
+                  <a:srgbClr val="F5F5F5"/>
+                </a:highlight>
+                <a:latin typeface="Consolas"/>
+              </a:rPr>
+              <a:t>}</a:t>
+            </a:r>
+          </a:p>
+          <a:p>
+            <a:endParaRPr lang="en-US" sz="1200">
+              <a:solidFill>
+                <a:srgbClr val="333333"/>
+              </a:solidFill>
+              <a:highlight>
+                <a:srgbClr val="F5F5F5"/>
+              </a:highlight>
+              <a:latin typeface="Consolas"/>
+            </a:endParaRPr>
+          </a:p>
+        </p:txBody>
+      </p:sp>
+      <p:sp>
+        <p:nvSpPr>
+          <p:cNvPr id="7" name="TextBox 6">
+            <a:extLst>
+              <a:ext uri="{FF2B5EF4-FFF2-40B4-BE49-F238E27FC236}">
+                <a16:creationId xmlns:a16="http://schemas.microsoft.com/office/drawing/2014/main" id="{EF540015-5DEC-44D6-87C7-C0F1FAD27BDA}"/>
+              </a:ext>
+            </a:extLst>
+          </p:cNvPr>
+          <p:cNvSpPr txBox="1"/>
+          <p:nvPr/>
+        </p:nvSpPr>
+        <p:spPr>
+          <a:xfrm>
+            <a:off x="7322820" y="2263140"/>
+            <a:ext cx="4983480" cy="3416320"/>
+          </a:xfrm>
+          <a:prstGeom prst="rect">
+            <a:avLst/>
+          </a:prstGeom>
+          <a:noFill/>
+        </p:spPr>
+        <p:txBody>
+          <a:bodyPr rot="0" spcFirstLastPara="0" vertOverflow="overflow" horzOverflow="overflow" vert="horz" wrap="square" lIns="91440" tIns="45720" rIns="91440" bIns="45720" numCol="1" spcCol="0" rtlCol="0" fromWordArt="0" anchor="t" anchorCtr="0" forceAA="0" compatLnSpc="1">
+            <a:prstTxWarp prst="textNoShape">
+              <a:avLst/>
+            </a:prstTxWarp>
+            <a:spAutoFit/>
+          </a:bodyPr>
+          <a:lstStyle/>
+          <a:p>
+            <a:r>
+              <a:rPr lang="en-US" sz="1200" err="1">
+                <a:solidFill>
+                  <a:srgbClr val="4B69C6"/>
+                </a:solidFill>
+                <a:highlight>
+                  <a:srgbClr val="F5F5F5"/>
+                </a:highlight>
+                <a:latin typeface="Consolas"/>
+              </a:rPr>
+              <a:t>pageextension</a:t>
+            </a:r>
+            <a:r>
+              <a:rPr lang="en-US" sz="1200">
+                <a:solidFill>
+                  <a:srgbClr val="333333"/>
+                </a:solidFill>
+                <a:highlight>
+                  <a:srgbClr val="F5F5F5"/>
+                </a:highlight>
+                <a:latin typeface="Consolas"/>
+              </a:rPr>
+              <a:t> </a:t>
+            </a:r>
+            <a:r>
+              <a:rPr lang="en-US" sz="1200">
+                <a:solidFill>
+                  <a:srgbClr val="9C5D27"/>
+                </a:solidFill>
+                <a:highlight>
+                  <a:srgbClr val="F5F5F5"/>
+                </a:highlight>
+                <a:latin typeface="Consolas"/>
+              </a:rPr>
+              <a:t>70600</a:t>
+            </a:r>
+            <a:r>
+              <a:rPr lang="en-US" sz="1200">
+                <a:solidFill>
+                  <a:srgbClr val="333333"/>
+                </a:solidFill>
+                <a:highlight>
+                  <a:srgbClr val="F5F5F5"/>
+                </a:highlight>
+                <a:latin typeface="Consolas"/>
+              </a:rPr>
+              <a:t> </a:t>
+            </a:r>
+            <a:r>
+              <a:rPr lang="en-US" sz="1200" b="1" err="1">
+                <a:solidFill>
+                  <a:srgbClr val="7A3E9D"/>
+                </a:solidFill>
+                <a:highlight>
+                  <a:srgbClr val="F5F5F5"/>
+                </a:highlight>
+                <a:latin typeface="Consolas"/>
+              </a:rPr>
+              <a:t>CustomerListExt</a:t>
+            </a:r>
+            <a:r>
+              <a:rPr lang="en-US" sz="1200">
+                <a:solidFill>
+                  <a:srgbClr val="333333"/>
+                </a:solidFill>
+                <a:highlight>
+                  <a:srgbClr val="F5F5F5"/>
+                </a:highlight>
+                <a:latin typeface="Consolas"/>
+              </a:rPr>
+              <a:t> </a:t>
+            </a:r>
+            <a:r>
+              <a:rPr lang="en-US" sz="1200">
+                <a:solidFill>
+                  <a:srgbClr val="4B69C6"/>
+                </a:solidFill>
+                <a:highlight>
+                  <a:srgbClr val="F5F5F5"/>
+                </a:highlight>
+                <a:latin typeface="Consolas"/>
+              </a:rPr>
+              <a:t>extends</a:t>
+            </a:r>
+            <a:r>
+              <a:rPr lang="en-US" sz="1200">
+                <a:solidFill>
+                  <a:srgbClr val="333333"/>
+                </a:solidFill>
+                <a:highlight>
+                  <a:srgbClr val="F5F5F5"/>
+                </a:highlight>
+                <a:latin typeface="Consolas"/>
+              </a:rPr>
+              <a:t> </a:t>
+            </a:r>
+            <a:r>
+              <a:rPr lang="en-US" sz="1200" b="1">
+                <a:solidFill>
+                  <a:srgbClr val="7A3E9D"/>
+                </a:solidFill>
+                <a:highlight>
+                  <a:srgbClr val="F5F5F5"/>
+                </a:highlight>
+                <a:latin typeface="Consolas"/>
+              </a:rPr>
+              <a:t>"Customer List"</a:t>
+            </a:r>
+          </a:p>
+          <a:p>
+            <a:r>
+              <a:rPr lang="en-US" sz="1200">
+                <a:solidFill>
+                  <a:srgbClr val="333333"/>
+                </a:solidFill>
+                <a:highlight>
+                  <a:srgbClr val="F5F5F5"/>
+                </a:highlight>
+                <a:latin typeface="Consolas"/>
+              </a:rPr>
+              <a:t>{</a:t>
+            </a:r>
+          </a:p>
+          <a:p>
+            <a:r>
+              <a:rPr lang="en-US" sz="1200">
+                <a:solidFill>
+                  <a:srgbClr val="333333"/>
+                </a:solidFill>
+                <a:highlight>
+                  <a:srgbClr val="F5F5F5"/>
+                </a:highlight>
+                <a:latin typeface="Consolas"/>
+              </a:rPr>
+              <a:t>    </a:t>
+            </a:r>
+            <a:r>
+              <a:rPr lang="en-US" sz="1200">
+                <a:solidFill>
+                  <a:srgbClr val="4B69C6"/>
+                </a:solidFill>
+                <a:highlight>
+                  <a:srgbClr val="F5F5F5"/>
+                </a:highlight>
+                <a:latin typeface="Consolas"/>
+              </a:rPr>
+              <a:t>trigger</a:t>
+            </a:r>
+            <a:r>
+              <a:rPr lang="en-US" sz="1200">
+                <a:solidFill>
+                  <a:srgbClr val="333333"/>
+                </a:solidFill>
+                <a:highlight>
+                  <a:srgbClr val="F5F5F5"/>
+                </a:highlight>
+                <a:latin typeface="Consolas"/>
+              </a:rPr>
+              <a:t> </a:t>
+            </a:r>
+            <a:r>
+              <a:rPr lang="en-US" sz="1200" b="1" err="1">
+                <a:solidFill>
+                  <a:srgbClr val="AA3731"/>
+                </a:solidFill>
+                <a:highlight>
+                  <a:srgbClr val="F5F5F5"/>
+                </a:highlight>
+                <a:latin typeface="Consolas"/>
+              </a:rPr>
+              <a:t>OnOpenPage</a:t>
+            </a:r>
+            <a:r>
+              <a:rPr lang="en-US" sz="1200">
+                <a:solidFill>
+                  <a:srgbClr val="4B69C6"/>
+                </a:solidFill>
+                <a:highlight>
+                  <a:srgbClr val="F5F5F5"/>
+                </a:highlight>
+                <a:latin typeface="Consolas"/>
+              </a:rPr>
+              <a:t>()</a:t>
+            </a:r>
+            <a:r>
+              <a:rPr lang="en-US" sz="1200">
+                <a:solidFill>
+                  <a:srgbClr val="777777"/>
+                </a:solidFill>
+                <a:highlight>
+                  <a:srgbClr val="F5F5F5"/>
+                </a:highlight>
+                <a:latin typeface="Consolas"/>
+              </a:rPr>
+              <a:t>;</a:t>
+            </a:r>
+          </a:p>
+          <a:p>
+            <a:r>
+              <a:rPr lang="en-US" sz="1200">
+                <a:solidFill>
+                  <a:srgbClr val="333333"/>
+                </a:solidFill>
+                <a:highlight>
+                  <a:srgbClr val="F5F5F5"/>
+                </a:highlight>
+                <a:latin typeface="Consolas"/>
+              </a:rPr>
+              <a:t>    </a:t>
+            </a:r>
+            <a:r>
+              <a:rPr lang="en-US" sz="1200">
+                <a:solidFill>
+                  <a:srgbClr val="4B69C6"/>
+                </a:solidFill>
+                <a:highlight>
+                  <a:srgbClr val="F5F5F5"/>
+                </a:highlight>
+                <a:latin typeface="Consolas"/>
+              </a:rPr>
+              <a:t>var</a:t>
+            </a:r>
+          </a:p>
+          <a:p>
+            <a:r>
+              <a:rPr lang="en-US" sz="1200">
+                <a:solidFill>
+                  <a:srgbClr val="333333"/>
+                </a:solidFill>
+                <a:highlight>
+                  <a:srgbClr val="F5F5F5"/>
+                </a:highlight>
+                <a:latin typeface="Consolas"/>
+              </a:rPr>
+              <a:t>        </a:t>
+            </a:r>
+            <a:r>
+              <a:rPr lang="en-US" sz="1200" err="1">
+                <a:solidFill>
+                  <a:srgbClr val="7A3E9D"/>
+                </a:solidFill>
+                <a:highlight>
+                  <a:srgbClr val="F5F5F5"/>
+                </a:highlight>
+                <a:latin typeface="Consolas"/>
+              </a:rPr>
+              <a:t>lIface</a:t>
+            </a:r>
+            <a:r>
+              <a:rPr lang="en-US" sz="1200">
+                <a:solidFill>
+                  <a:srgbClr val="777777"/>
+                </a:solidFill>
+                <a:highlight>
+                  <a:srgbClr val="F5F5F5"/>
+                </a:highlight>
+                <a:latin typeface="Consolas"/>
+              </a:rPr>
+              <a:t>:</a:t>
+            </a:r>
+            <a:r>
+              <a:rPr lang="en-US" sz="1200">
+                <a:solidFill>
+                  <a:srgbClr val="333333"/>
+                </a:solidFill>
+                <a:highlight>
+                  <a:srgbClr val="F5F5F5"/>
+                </a:highlight>
+                <a:latin typeface="Consolas"/>
+              </a:rPr>
+              <a:t> </a:t>
+            </a:r>
+            <a:r>
+              <a:rPr lang="en-US" sz="1200">
+                <a:solidFill>
+                  <a:srgbClr val="4B69C6"/>
+                </a:solidFill>
+                <a:highlight>
+                  <a:srgbClr val="F5F5F5"/>
+                </a:highlight>
+                <a:latin typeface="Consolas"/>
+              </a:rPr>
+              <a:t>List</a:t>
+            </a:r>
+            <a:r>
+              <a:rPr lang="en-US" sz="1200">
+                <a:solidFill>
+                  <a:srgbClr val="333333"/>
+                </a:solidFill>
+                <a:highlight>
+                  <a:srgbClr val="F5F5F5"/>
+                </a:highlight>
+                <a:latin typeface="Consolas"/>
+              </a:rPr>
+              <a:t> </a:t>
+            </a:r>
+            <a:r>
+              <a:rPr lang="en-US" sz="1200">
+                <a:solidFill>
+                  <a:srgbClr val="4B69C6"/>
+                </a:solidFill>
+                <a:highlight>
+                  <a:srgbClr val="F5F5F5"/>
+                </a:highlight>
+                <a:latin typeface="Consolas"/>
+              </a:rPr>
+              <a:t>of</a:t>
+            </a:r>
+            <a:r>
+              <a:rPr lang="en-US" sz="1200">
+                <a:solidFill>
+                  <a:srgbClr val="333333"/>
+                </a:solidFill>
+                <a:highlight>
+                  <a:srgbClr val="F5F5F5"/>
+                </a:highlight>
+                <a:latin typeface="Consolas"/>
+              </a:rPr>
+              <a:t> [</a:t>
+            </a:r>
+            <a:r>
+              <a:rPr lang="en-US" sz="1200">
+                <a:solidFill>
+                  <a:srgbClr val="4B69C6"/>
+                </a:solidFill>
+                <a:highlight>
+                  <a:srgbClr val="F5F5F5"/>
+                </a:highlight>
+                <a:latin typeface="Consolas"/>
+              </a:rPr>
+              <a:t>Interface</a:t>
+            </a:r>
+            <a:r>
+              <a:rPr lang="en-US" sz="1200">
+                <a:solidFill>
+                  <a:srgbClr val="333333"/>
+                </a:solidFill>
+                <a:highlight>
+                  <a:srgbClr val="F5F5F5"/>
+                </a:highlight>
+                <a:latin typeface="Consolas"/>
+              </a:rPr>
+              <a:t> </a:t>
+            </a:r>
+            <a:r>
+              <a:rPr lang="en-US" sz="1200" b="1">
+                <a:solidFill>
+                  <a:srgbClr val="7A3E9D"/>
+                </a:solidFill>
+                <a:highlight>
+                  <a:srgbClr val="F5F5F5"/>
+                </a:highlight>
+                <a:latin typeface="Consolas"/>
+              </a:rPr>
+              <a:t>Processor</a:t>
+            </a:r>
+            <a:r>
+              <a:rPr lang="en-US" sz="1200">
+                <a:solidFill>
+                  <a:srgbClr val="333333"/>
+                </a:solidFill>
+                <a:highlight>
+                  <a:srgbClr val="F5F5F5"/>
+                </a:highlight>
+                <a:latin typeface="Consolas"/>
+              </a:rPr>
+              <a:t>]</a:t>
+            </a:r>
+            <a:r>
+              <a:rPr lang="en-US" sz="1200">
+                <a:solidFill>
+                  <a:srgbClr val="777777"/>
+                </a:solidFill>
+                <a:highlight>
+                  <a:srgbClr val="F5F5F5"/>
+                </a:highlight>
+                <a:latin typeface="Consolas"/>
+              </a:rPr>
+              <a:t>;</a:t>
+            </a:r>
+          </a:p>
+          <a:p>
+            <a:r>
+              <a:rPr lang="en-US" sz="1200">
+                <a:solidFill>
+                  <a:srgbClr val="333333"/>
+                </a:solidFill>
+                <a:highlight>
+                  <a:srgbClr val="F5F5F5"/>
+                </a:highlight>
+                <a:latin typeface="Consolas"/>
+              </a:rPr>
+              <a:t>        </a:t>
+            </a:r>
+            <a:r>
+              <a:rPr lang="en-US" sz="1200" err="1">
+                <a:solidFill>
+                  <a:srgbClr val="7A3E9D"/>
+                </a:solidFill>
+                <a:highlight>
+                  <a:srgbClr val="F5F5F5"/>
+                </a:highlight>
+                <a:latin typeface="Consolas"/>
+              </a:rPr>
+              <a:t>cuOrderProc</a:t>
+            </a:r>
+            <a:r>
+              <a:rPr lang="en-US" sz="1200">
+                <a:solidFill>
+                  <a:srgbClr val="777777"/>
+                </a:solidFill>
+                <a:highlight>
+                  <a:srgbClr val="F5F5F5"/>
+                </a:highlight>
+                <a:latin typeface="Consolas"/>
+              </a:rPr>
+              <a:t>:</a:t>
+            </a:r>
+            <a:r>
+              <a:rPr lang="en-US" sz="1200">
+                <a:solidFill>
+                  <a:srgbClr val="333333"/>
+                </a:solidFill>
+                <a:highlight>
+                  <a:srgbClr val="F5F5F5"/>
+                </a:highlight>
+                <a:latin typeface="Consolas"/>
+              </a:rPr>
+              <a:t> </a:t>
+            </a:r>
+            <a:r>
+              <a:rPr lang="en-US" sz="1200" err="1">
+                <a:solidFill>
+                  <a:srgbClr val="4B69C6"/>
+                </a:solidFill>
+                <a:highlight>
+                  <a:srgbClr val="F5F5F5"/>
+                </a:highlight>
+                <a:latin typeface="Consolas"/>
+              </a:rPr>
+              <a:t>codeunit</a:t>
+            </a:r>
+            <a:r>
+              <a:rPr lang="en-US" sz="1200">
+                <a:solidFill>
+                  <a:srgbClr val="333333"/>
+                </a:solidFill>
+                <a:highlight>
+                  <a:srgbClr val="F5F5F5"/>
+                </a:highlight>
+                <a:latin typeface="Consolas"/>
+              </a:rPr>
+              <a:t> </a:t>
+            </a:r>
+            <a:r>
+              <a:rPr lang="en-US" sz="1200" b="1" err="1">
+                <a:solidFill>
+                  <a:srgbClr val="7A3E9D"/>
+                </a:solidFill>
+                <a:highlight>
+                  <a:srgbClr val="F5F5F5"/>
+                </a:highlight>
+                <a:latin typeface="Consolas"/>
+              </a:rPr>
+              <a:t>OrderProcessor</a:t>
+            </a:r>
+            <a:r>
+              <a:rPr lang="en-US" sz="1200">
+                <a:solidFill>
+                  <a:srgbClr val="777777"/>
+                </a:solidFill>
+                <a:highlight>
+                  <a:srgbClr val="F5F5F5"/>
+                </a:highlight>
+                <a:latin typeface="Consolas"/>
+              </a:rPr>
+              <a:t>;</a:t>
+            </a:r>
+          </a:p>
+          <a:p>
+            <a:r>
+              <a:rPr lang="en-US" sz="1200">
+                <a:solidFill>
+                  <a:srgbClr val="333333"/>
+                </a:solidFill>
+                <a:highlight>
+                  <a:srgbClr val="F5F5F5"/>
+                </a:highlight>
+                <a:latin typeface="Consolas"/>
+              </a:rPr>
+              <a:t>        </a:t>
+            </a:r>
+            <a:r>
+              <a:rPr lang="en-US" sz="1200" err="1">
+                <a:solidFill>
+                  <a:srgbClr val="7A3E9D"/>
+                </a:solidFill>
+                <a:highlight>
+                  <a:srgbClr val="F5F5F5"/>
+                </a:highlight>
+                <a:latin typeface="Consolas"/>
+              </a:rPr>
+              <a:t>cuRateProc</a:t>
+            </a:r>
+            <a:r>
+              <a:rPr lang="en-US" sz="1200">
+                <a:solidFill>
+                  <a:srgbClr val="777777"/>
+                </a:solidFill>
+                <a:highlight>
+                  <a:srgbClr val="F5F5F5"/>
+                </a:highlight>
+                <a:latin typeface="Consolas"/>
+              </a:rPr>
+              <a:t>:</a:t>
+            </a:r>
+            <a:r>
+              <a:rPr lang="en-US" sz="1200">
+                <a:solidFill>
+                  <a:srgbClr val="333333"/>
+                </a:solidFill>
+                <a:highlight>
+                  <a:srgbClr val="F5F5F5"/>
+                </a:highlight>
+                <a:latin typeface="Consolas"/>
+              </a:rPr>
+              <a:t> </a:t>
+            </a:r>
+            <a:r>
+              <a:rPr lang="en-US" sz="1200" err="1">
+                <a:solidFill>
+                  <a:srgbClr val="4B69C6"/>
+                </a:solidFill>
+                <a:highlight>
+                  <a:srgbClr val="F5F5F5"/>
+                </a:highlight>
+                <a:latin typeface="Consolas"/>
+              </a:rPr>
+              <a:t>codeunit</a:t>
+            </a:r>
+            <a:r>
+              <a:rPr lang="en-US" sz="1200">
+                <a:solidFill>
+                  <a:srgbClr val="333333"/>
+                </a:solidFill>
+                <a:highlight>
+                  <a:srgbClr val="F5F5F5"/>
+                </a:highlight>
+                <a:latin typeface="Consolas"/>
+              </a:rPr>
+              <a:t> </a:t>
+            </a:r>
+            <a:r>
+              <a:rPr lang="en-US" sz="1200" b="1" err="1">
+                <a:solidFill>
+                  <a:srgbClr val="7A3E9D"/>
+                </a:solidFill>
+                <a:highlight>
+                  <a:srgbClr val="F5F5F5"/>
+                </a:highlight>
+                <a:latin typeface="Consolas"/>
+              </a:rPr>
+              <a:t>RateProcessor</a:t>
+            </a:r>
+            <a:r>
+              <a:rPr lang="en-US" sz="1200">
+                <a:solidFill>
+                  <a:srgbClr val="777777"/>
+                </a:solidFill>
+                <a:highlight>
+                  <a:srgbClr val="F5F5F5"/>
+                </a:highlight>
+                <a:latin typeface="Consolas"/>
+              </a:rPr>
+              <a:t>;</a:t>
+            </a:r>
+          </a:p>
+          <a:p>
+            <a:r>
+              <a:rPr lang="en-US" sz="1200">
+                <a:solidFill>
+                  <a:srgbClr val="333333"/>
+                </a:solidFill>
+                <a:highlight>
+                  <a:srgbClr val="F5F5F5"/>
+                </a:highlight>
+                <a:latin typeface="Consolas"/>
+              </a:rPr>
+              <a:t>        </a:t>
+            </a:r>
+            <a:r>
+              <a:rPr lang="en-US" sz="1200" err="1">
+                <a:solidFill>
+                  <a:srgbClr val="7A3E9D"/>
+                </a:solidFill>
+                <a:highlight>
+                  <a:srgbClr val="F5F5F5"/>
+                </a:highlight>
+                <a:latin typeface="Consolas"/>
+              </a:rPr>
+              <a:t>i</a:t>
+            </a:r>
+            <a:r>
+              <a:rPr lang="en-US" sz="1200">
+                <a:solidFill>
+                  <a:srgbClr val="777777"/>
+                </a:solidFill>
+                <a:highlight>
+                  <a:srgbClr val="F5F5F5"/>
+                </a:highlight>
+                <a:latin typeface="Consolas"/>
+              </a:rPr>
+              <a:t>:</a:t>
+            </a:r>
+            <a:r>
+              <a:rPr lang="en-US" sz="1200">
+                <a:solidFill>
+                  <a:srgbClr val="333333"/>
+                </a:solidFill>
+                <a:highlight>
+                  <a:srgbClr val="F5F5F5"/>
+                </a:highlight>
+                <a:latin typeface="Consolas"/>
+              </a:rPr>
+              <a:t> </a:t>
+            </a:r>
+            <a:r>
+              <a:rPr lang="en-US" sz="1200">
+                <a:solidFill>
+                  <a:srgbClr val="4B69C6"/>
+                </a:solidFill>
+                <a:highlight>
+                  <a:srgbClr val="F5F5F5"/>
+                </a:highlight>
+                <a:latin typeface="Consolas"/>
+              </a:rPr>
+              <a:t>Interface</a:t>
+            </a:r>
+            <a:r>
+              <a:rPr lang="en-US" sz="1200">
+                <a:solidFill>
+                  <a:srgbClr val="333333"/>
+                </a:solidFill>
+                <a:highlight>
+                  <a:srgbClr val="F5F5F5"/>
+                </a:highlight>
+                <a:latin typeface="Consolas"/>
+              </a:rPr>
+              <a:t> </a:t>
+            </a:r>
+            <a:r>
+              <a:rPr lang="en-US" sz="1200" b="1">
+                <a:solidFill>
+                  <a:srgbClr val="7A3E9D"/>
+                </a:solidFill>
+                <a:highlight>
+                  <a:srgbClr val="F5F5F5"/>
+                </a:highlight>
+                <a:latin typeface="Consolas"/>
+              </a:rPr>
+              <a:t>Processor</a:t>
+            </a:r>
+            <a:r>
+              <a:rPr lang="en-US" sz="1200">
+                <a:solidFill>
+                  <a:srgbClr val="777777"/>
+                </a:solidFill>
+                <a:highlight>
+                  <a:srgbClr val="F5F5F5"/>
+                </a:highlight>
+                <a:latin typeface="Consolas"/>
+              </a:rPr>
+              <a:t>;</a:t>
+            </a:r>
+          </a:p>
+          <a:p>
+            <a:r>
+              <a:rPr lang="en-US" sz="1200">
+                <a:solidFill>
+                  <a:srgbClr val="333333"/>
+                </a:solidFill>
+                <a:highlight>
+                  <a:srgbClr val="F5F5F5"/>
+                </a:highlight>
+                <a:latin typeface="Consolas"/>
+              </a:rPr>
+              <a:t>    </a:t>
+            </a:r>
+            <a:r>
+              <a:rPr lang="en-US" sz="1200">
+                <a:solidFill>
+                  <a:srgbClr val="4B69C6"/>
+                </a:solidFill>
+                <a:highlight>
+                  <a:srgbClr val="F5F5F5"/>
+                </a:highlight>
+                <a:latin typeface="Consolas"/>
+              </a:rPr>
+              <a:t>begin</a:t>
+            </a:r>
+          </a:p>
+          <a:p>
+            <a:r>
+              <a:rPr lang="en-US" sz="1200">
+                <a:solidFill>
+                  <a:srgbClr val="333333"/>
+                </a:solidFill>
+                <a:highlight>
+                  <a:srgbClr val="F5F5F5"/>
+                </a:highlight>
+                <a:latin typeface="Consolas"/>
+              </a:rPr>
+              <a:t>        </a:t>
+            </a:r>
+            <a:r>
+              <a:rPr lang="en-US" sz="1200" err="1">
+                <a:solidFill>
+                  <a:srgbClr val="7A3E9D"/>
+                </a:solidFill>
+                <a:highlight>
+                  <a:srgbClr val="F5F5F5"/>
+                </a:highlight>
+                <a:latin typeface="Consolas"/>
+              </a:rPr>
+              <a:t>lIface</a:t>
+            </a:r>
+            <a:r>
+              <a:rPr lang="en-US" sz="1200" err="1">
+                <a:solidFill>
+                  <a:srgbClr val="4B69C6"/>
+                </a:solidFill>
+                <a:highlight>
+                  <a:srgbClr val="F5F5F5"/>
+                </a:highlight>
+                <a:latin typeface="Consolas"/>
+              </a:rPr>
+              <a:t>.</a:t>
+            </a:r>
+            <a:r>
+              <a:rPr lang="en-US" sz="1200" b="1" err="1">
+                <a:solidFill>
+                  <a:srgbClr val="AA3731"/>
+                </a:solidFill>
+                <a:highlight>
+                  <a:srgbClr val="F5F5F5"/>
+                </a:highlight>
+                <a:latin typeface="Consolas"/>
+              </a:rPr>
+              <a:t>Add</a:t>
+            </a:r>
+            <a:r>
+              <a:rPr lang="en-US" sz="1200">
+                <a:solidFill>
+                  <a:srgbClr val="4B69C6"/>
+                </a:solidFill>
+                <a:highlight>
+                  <a:srgbClr val="F5F5F5"/>
+                </a:highlight>
+                <a:latin typeface="Consolas"/>
+              </a:rPr>
+              <a:t>(</a:t>
+            </a:r>
+            <a:r>
+              <a:rPr lang="en-US" sz="1200" err="1">
+                <a:solidFill>
+                  <a:srgbClr val="7A3E9D"/>
+                </a:solidFill>
+                <a:highlight>
+                  <a:srgbClr val="F5F5F5"/>
+                </a:highlight>
+                <a:latin typeface="Consolas"/>
+              </a:rPr>
+              <a:t>cuOrderProc</a:t>
+            </a:r>
+            <a:r>
+              <a:rPr lang="en-US" sz="1200">
+                <a:solidFill>
+                  <a:srgbClr val="4B69C6"/>
+                </a:solidFill>
+                <a:highlight>
+                  <a:srgbClr val="F5F5F5"/>
+                </a:highlight>
+                <a:latin typeface="Consolas"/>
+              </a:rPr>
+              <a:t>)</a:t>
+            </a:r>
+            <a:r>
+              <a:rPr lang="en-US" sz="1200">
+                <a:solidFill>
+                  <a:srgbClr val="777777"/>
+                </a:solidFill>
+                <a:highlight>
+                  <a:srgbClr val="F5F5F5"/>
+                </a:highlight>
+                <a:latin typeface="Consolas"/>
+              </a:rPr>
+              <a:t>;</a:t>
+            </a:r>
+          </a:p>
+          <a:p>
+            <a:r>
+              <a:rPr lang="en-US" sz="1200">
+                <a:solidFill>
+                  <a:srgbClr val="333333"/>
+                </a:solidFill>
+                <a:highlight>
+                  <a:srgbClr val="F5F5F5"/>
+                </a:highlight>
+                <a:latin typeface="Consolas"/>
+              </a:rPr>
+              <a:t>        </a:t>
+            </a:r>
+            <a:r>
+              <a:rPr lang="en-US" sz="1200" err="1">
+                <a:solidFill>
+                  <a:srgbClr val="7A3E9D"/>
+                </a:solidFill>
+                <a:highlight>
+                  <a:srgbClr val="F5F5F5"/>
+                </a:highlight>
+                <a:latin typeface="Consolas"/>
+              </a:rPr>
+              <a:t>lIface</a:t>
+            </a:r>
+            <a:r>
+              <a:rPr lang="en-US" sz="1200" err="1">
+                <a:solidFill>
+                  <a:srgbClr val="4B69C6"/>
+                </a:solidFill>
+                <a:highlight>
+                  <a:srgbClr val="F5F5F5"/>
+                </a:highlight>
+                <a:latin typeface="Consolas"/>
+              </a:rPr>
+              <a:t>.</a:t>
+            </a:r>
+            <a:r>
+              <a:rPr lang="en-US" sz="1200" b="1" err="1">
+                <a:solidFill>
+                  <a:srgbClr val="AA3731"/>
+                </a:solidFill>
+                <a:highlight>
+                  <a:srgbClr val="F5F5F5"/>
+                </a:highlight>
+                <a:latin typeface="Consolas"/>
+              </a:rPr>
+              <a:t>Add</a:t>
+            </a:r>
+            <a:r>
+              <a:rPr lang="en-US" sz="1200">
+                <a:solidFill>
+                  <a:srgbClr val="4B69C6"/>
+                </a:solidFill>
+                <a:highlight>
+                  <a:srgbClr val="F5F5F5"/>
+                </a:highlight>
+                <a:latin typeface="Consolas"/>
+              </a:rPr>
+              <a:t>(</a:t>
+            </a:r>
+            <a:r>
+              <a:rPr lang="en-US" sz="1200" err="1">
+                <a:solidFill>
+                  <a:srgbClr val="7A3E9D"/>
+                </a:solidFill>
+                <a:highlight>
+                  <a:srgbClr val="F5F5F5"/>
+                </a:highlight>
+                <a:latin typeface="Consolas"/>
+              </a:rPr>
+              <a:t>cuRateProc</a:t>
+            </a:r>
+            <a:r>
+              <a:rPr lang="en-US" sz="1200">
+                <a:solidFill>
+                  <a:srgbClr val="4B69C6"/>
+                </a:solidFill>
+                <a:highlight>
+                  <a:srgbClr val="F5F5F5"/>
+                </a:highlight>
+                <a:latin typeface="Consolas"/>
+              </a:rPr>
+              <a:t>)</a:t>
+            </a:r>
+            <a:r>
+              <a:rPr lang="en-US" sz="1200">
+                <a:solidFill>
+                  <a:srgbClr val="777777"/>
+                </a:solidFill>
+                <a:highlight>
+                  <a:srgbClr val="F5F5F5"/>
+                </a:highlight>
+                <a:latin typeface="Consolas"/>
+              </a:rPr>
+              <a:t>;</a:t>
+            </a:r>
+          </a:p>
+          <a:p>
+            <a:r>
+              <a:rPr lang="en-US" sz="1200">
+                <a:solidFill>
+                  <a:srgbClr val="333333"/>
+                </a:solidFill>
+                <a:highlight>
+                  <a:srgbClr val="F5F5F5"/>
+                </a:highlight>
+                <a:latin typeface="Consolas"/>
+              </a:rPr>
+              <a:t>        </a:t>
+            </a:r>
+            <a:r>
+              <a:rPr lang="en-US" sz="1200">
+                <a:solidFill>
+                  <a:srgbClr val="4B69C6"/>
+                </a:solidFill>
+                <a:highlight>
+                  <a:srgbClr val="F5F5F5"/>
+                </a:highlight>
+                <a:latin typeface="Consolas"/>
+              </a:rPr>
+              <a:t>foreach</a:t>
+            </a:r>
+            <a:r>
+              <a:rPr lang="en-US" sz="1200">
+                <a:solidFill>
+                  <a:srgbClr val="333333"/>
+                </a:solidFill>
+                <a:highlight>
+                  <a:srgbClr val="F5F5F5"/>
+                </a:highlight>
+                <a:latin typeface="Consolas"/>
+              </a:rPr>
+              <a:t> </a:t>
+            </a:r>
+            <a:r>
+              <a:rPr lang="en-US" sz="1200" err="1">
+                <a:solidFill>
+                  <a:srgbClr val="7A3E9D"/>
+                </a:solidFill>
+                <a:highlight>
+                  <a:srgbClr val="F5F5F5"/>
+                </a:highlight>
+                <a:latin typeface="Consolas"/>
+              </a:rPr>
+              <a:t>i</a:t>
+            </a:r>
+            <a:r>
+              <a:rPr lang="en-US" sz="1200">
+                <a:solidFill>
+                  <a:srgbClr val="333333"/>
+                </a:solidFill>
+                <a:highlight>
+                  <a:srgbClr val="F5F5F5"/>
+                </a:highlight>
+                <a:latin typeface="Consolas"/>
+              </a:rPr>
+              <a:t> </a:t>
+            </a:r>
+            <a:r>
+              <a:rPr lang="en-US" sz="1200">
+                <a:solidFill>
+                  <a:srgbClr val="4B69C6"/>
+                </a:solidFill>
+                <a:highlight>
+                  <a:srgbClr val="F5F5F5"/>
+                </a:highlight>
+                <a:latin typeface="Consolas"/>
+              </a:rPr>
+              <a:t>in</a:t>
+            </a:r>
+            <a:r>
+              <a:rPr lang="en-US" sz="1200">
+                <a:solidFill>
+                  <a:srgbClr val="333333"/>
+                </a:solidFill>
+                <a:highlight>
+                  <a:srgbClr val="F5F5F5"/>
+                </a:highlight>
+                <a:latin typeface="Consolas"/>
+              </a:rPr>
+              <a:t> </a:t>
+            </a:r>
+            <a:r>
+              <a:rPr lang="en-US" sz="1200" err="1">
+                <a:solidFill>
+                  <a:srgbClr val="7A3E9D"/>
+                </a:solidFill>
+                <a:highlight>
+                  <a:srgbClr val="F5F5F5"/>
+                </a:highlight>
+                <a:latin typeface="Consolas"/>
+              </a:rPr>
+              <a:t>lIface</a:t>
+            </a:r>
+            <a:r>
+              <a:rPr lang="en-US" sz="1200">
+                <a:solidFill>
+                  <a:srgbClr val="333333"/>
+                </a:solidFill>
+                <a:highlight>
+                  <a:srgbClr val="F5F5F5"/>
+                </a:highlight>
+                <a:latin typeface="Consolas"/>
+              </a:rPr>
+              <a:t> </a:t>
+            </a:r>
+            <a:r>
+              <a:rPr lang="en-US" sz="1200">
+                <a:solidFill>
+                  <a:srgbClr val="4B69C6"/>
+                </a:solidFill>
+                <a:highlight>
+                  <a:srgbClr val="F5F5F5"/>
+                </a:highlight>
+                <a:latin typeface="Consolas"/>
+              </a:rPr>
+              <a:t>do</a:t>
+            </a:r>
+            <a:r>
+              <a:rPr lang="en-US" sz="1200">
+                <a:solidFill>
+                  <a:srgbClr val="333333"/>
+                </a:solidFill>
+                <a:highlight>
+                  <a:srgbClr val="F5F5F5"/>
+                </a:highlight>
+                <a:latin typeface="Consolas"/>
+              </a:rPr>
+              <a:t> </a:t>
+            </a:r>
+            <a:r>
+              <a:rPr lang="en-US" sz="1200">
+                <a:solidFill>
+                  <a:srgbClr val="4B69C6"/>
+                </a:solidFill>
+                <a:highlight>
+                  <a:srgbClr val="F5F5F5"/>
+                </a:highlight>
+                <a:latin typeface="Consolas"/>
+              </a:rPr>
+              <a:t>begin</a:t>
+            </a:r>
+          </a:p>
+          <a:p>
+            <a:r>
+              <a:rPr lang="en-US" sz="1200">
+                <a:solidFill>
+                  <a:srgbClr val="333333"/>
+                </a:solidFill>
+                <a:highlight>
+                  <a:srgbClr val="F5F5F5"/>
+                </a:highlight>
+                <a:latin typeface="Consolas"/>
+              </a:rPr>
+              <a:t>            </a:t>
+            </a:r>
+            <a:r>
+              <a:rPr lang="en-US" sz="1200" err="1">
+                <a:solidFill>
+                  <a:srgbClr val="7A3E9D"/>
+                </a:solidFill>
+                <a:highlight>
+                  <a:srgbClr val="F5F5F5"/>
+                </a:highlight>
+                <a:latin typeface="Consolas"/>
+              </a:rPr>
+              <a:t>i</a:t>
+            </a:r>
+            <a:r>
+              <a:rPr lang="en-US" sz="1200" err="1">
+                <a:solidFill>
+                  <a:srgbClr val="4B69C6"/>
+                </a:solidFill>
+                <a:highlight>
+                  <a:srgbClr val="F5F5F5"/>
+                </a:highlight>
+                <a:latin typeface="Consolas"/>
+              </a:rPr>
+              <a:t>.</a:t>
+            </a:r>
+            <a:r>
+              <a:rPr lang="en-US" sz="1200" b="1" err="1">
+                <a:solidFill>
+                  <a:srgbClr val="AA3731"/>
+                </a:solidFill>
+                <a:highlight>
+                  <a:srgbClr val="F5F5F5"/>
+                </a:highlight>
+                <a:latin typeface="Consolas"/>
+              </a:rPr>
+              <a:t>WriteMessage</a:t>
+            </a:r>
+            <a:r>
+              <a:rPr lang="en-US" sz="1200">
+                <a:solidFill>
+                  <a:srgbClr val="4B69C6"/>
+                </a:solidFill>
+                <a:highlight>
+                  <a:srgbClr val="F5F5F5"/>
+                </a:highlight>
+                <a:latin typeface="Consolas"/>
+              </a:rPr>
+              <a:t>()</a:t>
+            </a:r>
+            <a:r>
+              <a:rPr lang="en-US" sz="1200">
+                <a:solidFill>
+                  <a:srgbClr val="777777"/>
+                </a:solidFill>
+                <a:highlight>
+                  <a:srgbClr val="F5F5F5"/>
+                </a:highlight>
+                <a:latin typeface="Consolas"/>
+              </a:rPr>
+              <a:t>;</a:t>
+            </a:r>
+          </a:p>
+          <a:p>
+            <a:r>
+              <a:rPr lang="en-US" sz="1200">
+                <a:solidFill>
+                  <a:srgbClr val="333333"/>
+                </a:solidFill>
+                <a:highlight>
+                  <a:srgbClr val="F5F5F5"/>
+                </a:highlight>
+                <a:latin typeface="Consolas"/>
+              </a:rPr>
+              <a:t>        </a:t>
+            </a:r>
+            <a:r>
+              <a:rPr lang="en-US" sz="1200">
+                <a:solidFill>
+                  <a:srgbClr val="4B69C6"/>
+                </a:solidFill>
+                <a:highlight>
+                  <a:srgbClr val="F5F5F5"/>
+                </a:highlight>
+                <a:latin typeface="Consolas"/>
+              </a:rPr>
+              <a:t>end</a:t>
+            </a:r>
+            <a:r>
+              <a:rPr lang="en-US" sz="1200">
+                <a:solidFill>
+                  <a:srgbClr val="777777"/>
+                </a:solidFill>
+                <a:highlight>
+                  <a:srgbClr val="F5F5F5"/>
+                </a:highlight>
+                <a:latin typeface="Consolas"/>
+              </a:rPr>
+              <a:t>;</a:t>
+            </a:r>
+          </a:p>
+          <a:p>
+            <a:r>
+              <a:rPr lang="en-US" sz="1200">
+                <a:solidFill>
+                  <a:srgbClr val="333333"/>
+                </a:solidFill>
+                <a:highlight>
+                  <a:srgbClr val="F5F5F5"/>
+                </a:highlight>
+                <a:latin typeface="Consolas"/>
+              </a:rPr>
+              <a:t>    </a:t>
+            </a:r>
+            <a:r>
+              <a:rPr lang="en-US" sz="1200">
+                <a:solidFill>
+                  <a:srgbClr val="4B69C6"/>
+                </a:solidFill>
+                <a:highlight>
+                  <a:srgbClr val="F5F5F5"/>
+                </a:highlight>
+                <a:latin typeface="Consolas"/>
+              </a:rPr>
+              <a:t>end</a:t>
+            </a:r>
+            <a:r>
+              <a:rPr lang="en-US" sz="1200">
+                <a:solidFill>
+                  <a:srgbClr val="777777"/>
+                </a:solidFill>
+                <a:highlight>
+                  <a:srgbClr val="F5F5F5"/>
+                </a:highlight>
+                <a:latin typeface="Consolas"/>
+              </a:rPr>
+              <a:t>;</a:t>
+            </a:r>
+          </a:p>
+          <a:p>
+            <a:r>
+              <a:rPr lang="en-US" sz="1200">
+                <a:solidFill>
+                  <a:srgbClr val="333333"/>
+                </a:solidFill>
+                <a:highlight>
+                  <a:srgbClr val="F5F5F5"/>
+                </a:highlight>
+                <a:latin typeface="Consolas"/>
+              </a:rPr>
+              <a:t>}</a:t>
+            </a:r>
+          </a:p>
+          <a:p>
+            <a:endParaRPr lang="en-US" sz="1200">
+              <a:solidFill>
+                <a:srgbClr val="333333"/>
+              </a:solidFill>
+              <a:highlight>
+                <a:srgbClr val="F5F5F5"/>
+              </a:highlight>
+              <a:latin typeface="Consolas"/>
+            </a:endParaRPr>
+          </a:p>
+        </p:txBody>
+      </p:sp>
+      <p:sp>
+        <p:nvSpPr>
+          <p:cNvPr id="8" name="TextBox 7">
+            <a:extLst>
+              <a:ext uri="{FF2B5EF4-FFF2-40B4-BE49-F238E27FC236}">
+                <a16:creationId xmlns:a16="http://schemas.microsoft.com/office/drawing/2014/main" id="{DA75A5CA-BC63-40B4-7128-8AF12CCC22AB}"/>
+              </a:ext>
+            </a:extLst>
+          </p:cNvPr>
+          <p:cNvSpPr txBox="1"/>
+          <p:nvPr/>
+        </p:nvSpPr>
+        <p:spPr>
+          <a:xfrm>
+            <a:off x="182936" y="1875105"/>
+            <a:ext cx="1783637" cy="307777"/>
+          </a:xfrm>
+          <a:prstGeom prst="rect">
+            <a:avLst/>
+          </a:prstGeom>
+          <a:noFill/>
+        </p:spPr>
+        <p:txBody>
+          <a:bodyPr rot="0" spcFirstLastPara="0" vertOverflow="overflow" horzOverflow="overflow" vert="horz" wrap="square" lIns="91440" tIns="45720" rIns="91440" bIns="45720" numCol="1" spcCol="0" rtlCol="0" fromWordArt="0" anchor="t" anchorCtr="0" forceAA="0" compatLnSpc="1">
+            <a:prstTxWarp prst="textNoShape">
+              <a:avLst/>
+            </a:prstTxWarp>
+            <a:spAutoFit/>
+          </a:bodyPr>
+          <a:lstStyle/>
+          <a:p>
+            <a:r>
+              <a:rPr lang="en-US" sz="1400" b="1" u="sng">
+                <a:ea typeface="Source Sans Pro Light"/>
+              </a:rPr>
+              <a:t>1. Define interface</a:t>
+            </a:r>
+            <a:endParaRPr lang="en-US">
+              <a:ea typeface="Source Sans Pro Light"/>
+            </a:endParaRPr>
+          </a:p>
+        </p:txBody>
+      </p:sp>
+      <p:sp>
+        <p:nvSpPr>
+          <p:cNvPr id="9" name="TextBox 8">
+            <a:extLst>
+              <a:ext uri="{FF2B5EF4-FFF2-40B4-BE49-F238E27FC236}">
+                <a16:creationId xmlns:a16="http://schemas.microsoft.com/office/drawing/2014/main" id="{A4011B9D-6CDB-A1E8-69B2-80D9DB501622}"/>
+              </a:ext>
+            </a:extLst>
+          </p:cNvPr>
+          <p:cNvSpPr txBox="1"/>
+          <p:nvPr/>
+        </p:nvSpPr>
+        <p:spPr>
+          <a:xfrm>
+            <a:off x="2720396" y="1875104"/>
+            <a:ext cx="3399077" cy="307777"/>
+          </a:xfrm>
+          <a:prstGeom prst="rect">
+            <a:avLst/>
+          </a:prstGeom>
+          <a:noFill/>
+        </p:spPr>
+        <p:txBody>
+          <a:bodyPr rot="0" spcFirstLastPara="0" vertOverflow="overflow" horzOverflow="overflow" vert="horz" wrap="square" lIns="91440" tIns="45720" rIns="91440" bIns="45720" numCol="1" spcCol="0" rtlCol="0" fromWordArt="0" anchor="t" anchorCtr="0" forceAA="0" compatLnSpc="1">
+            <a:prstTxWarp prst="textNoShape">
+              <a:avLst/>
+            </a:prstTxWarp>
+            <a:spAutoFit/>
+          </a:bodyPr>
+          <a:lstStyle/>
+          <a:p>
+            <a:r>
+              <a:rPr lang="en-US" sz="1400" b="1" u="sng">
+                <a:ea typeface="Source Sans Pro Light"/>
+              </a:rPr>
+              <a:t>2. Implement interface</a:t>
+            </a:r>
+            <a:endParaRPr lang="en-US" sz="1400" b="1" u="sng"/>
+          </a:p>
+        </p:txBody>
+      </p:sp>
+      <p:sp>
+        <p:nvSpPr>
+          <p:cNvPr id="10" name="TextBox 9">
+            <a:extLst>
+              <a:ext uri="{FF2B5EF4-FFF2-40B4-BE49-F238E27FC236}">
+                <a16:creationId xmlns:a16="http://schemas.microsoft.com/office/drawing/2014/main" id="{0B90A77C-CA32-B38D-143F-FC84C6EAE008}"/>
+              </a:ext>
+            </a:extLst>
+          </p:cNvPr>
+          <p:cNvSpPr txBox="1"/>
+          <p:nvPr/>
+        </p:nvSpPr>
+        <p:spPr>
+          <a:xfrm>
+            <a:off x="7322876" y="1875104"/>
+            <a:ext cx="3764837" cy="307777"/>
+          </a:xfrm>
+          <a:prstGeom prst="rect">
+            <a:avLst/>
+          </a:prstGeom>
+          <a:noFill/>
+        </p:spPr>
+        <p:txBody>
+          <a:bodyPr rot="0" spcFirstLastPara="0" vertOverflow="overflow" horzOverflow="overflow" vert="horz" wrap="square" lIns="91440" tIns="45720" rIns="91440" bIns="45720" numCol="1" spcCol="0" rtlCol="0" fromWordArt="0" anchor="t" anchorCtr="0" forceAA="0" compatLnSpc="1">
+            <a:prstTxWarp prst="textNoShape">
+              <a:avLst/>
+            </a:prstTxWarp>
+            <a:spAutoFit/>
+          </a:bodyPr>
+          <a:lstStyle/>
+          <a:p>
+            <a:r>
+              <a:rPr lang="en-US" sz="1400" b="1" u="sng">
+                <a:ea typeface="Source Sans Pro Light"/>
+              </a:rPr>
+              <a:t>3. Create List of Interfaces and loop through</a:t>
+            </a:r>
+            <a:endParaRPr lang="en-US" sz="1400" b="1" u="sng"/>
+          </a:p>
+        </p:txBody>
+      </p:sp>
+    </p:spTree>
+    <p:extLst>
+      <p:ext uri="{BB962C8B-B14F-4D97-AF65-F5344CB8AC3E}">
+        <p14:creationId xmlns:p14="http://schemas.microsoft.com/office/powerpoint/2010/main" val="3065522584"/>
       </p:ext>
     </p:extLst>
   </p:cSld>
@@ -16274,8 +16473,8 @@
         </p:nvSpPr>
         <p:spPr>
           <a:xfrm>
-            <a:off x="390088" y="1690382"/>
-            <a:ext cx="7266264" cy="4249753"/>
+            <a:off x="390088" y="2613711"/>
+            <a:ext cx="7266264" cy="2403094"/>
           </a:xfrm>
           <a:prstGeom prst="rect">
             <a:avLst/>
@@ -16299,12 +16498,12 @@
               <a:buChar char="•"/>
             </a:pPr>
             <a:r>
-              <a:rPr lang="en-US" dirty="0">
+              <a:rPr lang="en-US">
                 <a:cs typeface="Arial"/>
               </a:rPr>
               <a:t>C/AL and AL developer for Dynamics NAV and Business Central (2014 onward)</a:t>
             </a:r>
-            <a:endParaRPr lang="en-US" dirty="0">
+            <a:endParaRPr lang="en-US">
               <a:ea typeface="Source Sans Pro Light"/>
               <a:cs typeface="Arial"/>
             </a:endParaRPr>
@@ -16318,7 +16517,7 @@
               <a:buChar char="•"/>
             </a:pPr>
             <a:r>
-              <a:rPr lang="en-US" dirty="0">
+              <a:rPr lang="en-US">
                 <a:latin typeface="Source Sans Pro Light"/>
                 <a:ea typeface="Source Sans Pro Light"/>
                 <a:cs typeface="Arial"/>
@@ -16335,12 +16534,12 @@
               <a:buChar char="•"/>
             </a:pPr>
             <a:r>
-              <a:rPr lang="en-US" dirty="0">
+              <a:rPr lang="en-US">
                 <a:latin typeface="Source Sans Pro Light"/>
                 <a:ea typeface="Source Sans Pro Light"/>
                 <a:cs typeface="Arial"/>
               </a:rPr>
-              <a:t>MCT (MB-800, MB-820)</a:t>
+              <a:t>Worked as NAV/BC Developer/Technical Architect/Supervisor for  Canadian and US Microsoft Partners and ISVs.</a:t>
             </a:r>
           </a:p>
           <a:p>
@@ -16352,13 +16551,15 @@
               <a:buChar char="•"/>
             </a:pPr>
             <a:r>
-              <a:rPr lang="en-US" dirty="0">
-                <a:latin typeface="Source Sans Pro Light"/>
-                <a:ea typeface="Source Sans Pro Light"/>
+              <a:rPr lang="en-US">
                 <a:cs typeface="Arial"/>
               </a:rPr>
-              <a:t>Worked as NAV/BC Developer/Technical Architect/Supervisor for  Canadian and US Microsoft Partners and ISVs.</a:t>
-            </a:r>
+              <a:t>Based in Tampa, FL</a:t>
+            </a:r>
+            <a:endParaRPr lang="en-US">
+              <a:ea typeface="Source Sans Pro Light"/>
+              <a:cs typeface="Arial"/>
+            </a:endParaRPr>
           </a:p>
           <a:p>
             <a:pPr marL="285750" indent="-285750">
@@ -16369,13 +16570,29 @@
               <a:buChar char="•"/>
             </a:pPr>
             <a:r>
-              <a:rPr lang="en-US" dirty="0">
+              <a:rPr lang="en-US">
                 <a:cs typeface="Arial"/>
               </a:rPr>
-              <a:t>Based in Tampa, FL</a:t>
-            </a:r>
-            <a:endParaRPr lang="en-US" dirty="0">
-              <a:ea typeface="Source Sans Pro Light"/>
+              <a:t>Email: </a:t>
+            </a:r>
+            <a:r>
+              <a:rPr lang="en-US" u="sng">
+                <a:solidFill>
+                  <a:srgbClr val="0563C1"/>
+                </a:solidFill>
+                <a:cs typeface="Arial"/>
+                <a:hlinkClick r:id="rId4"/>
+              </a:rPr>
+              <a:t>silviu.virlan@rsmus.com</a:t>
+            </a:r>
+            <a:r>
+              <a:rPr lang="en-US">
+                <a:cs typeface="Arial"/>
+                <a:hlinkClick r:id="rId4"/>
+              </a:rPr>
+              <a:t>​</a:t>
+            </a:r>
+            <a:endParaRPr lang="en-US">
               <a:cs typeface="Arial"/>
             </a:endParaRPr>
           </a:p>
@@ -16388,29 +16605,22 @@
               <a:buChar char="•"/>
             </a:pPr>
             <a:r>
-              <a:rPr lang="en-US" dirty="0">
+              <a:rPr lang="en-US">
+                <a:ea typeface="Source Sans Pro Light"/>
                 <a:cs typeface="Arial"/>
               </a:rPr>
-              <a:t>Email: </a:t>
-            </a:r>
-            <a:r>
-              <a:rPr lang="en-US" u="sng" dirty="0">
-                <a:solidFill>
-                  <a:srgbClr val="0563C1"/>
-                </a:solidFill>
+              <a:t>Blogsite: </a:t>
+            </a:r>
+            <a:r>
+              <a:rPr lang="en-US">
+                <a:ea typeface="Source Sans Pro Light"/>
                 <a:cs typeface="Arial"/>
-                <a:hlinkClick r:id="rId4"/>
-              </a:rPr>
-              <a:t>silviu.virlan@rsmus.com</a:t>
-            </a:r>
-            <a:r>
-              <a:rPr lang="en-US" dirty="0">
-                <a:cs typeface="Arial"/>
-                <a:hlinkClick r:id="rId4"/>
-              </a:rPr>
-              <a:t>​</a:t>
-            </a:r>
-            <a:endParaRPr lang="en-US" dirty="0">
+                <a:hlinkClick r:id="rId5"/>
+              </a:rPr>
+              <a:t>www.svirlan.com</a:t>
+            </a:r>
+            <a:endParaRPr lang="en-US">
+              <a:ea typeface="Source Sans Pro Light"/>
               <a:cs typeface="Arial"/>
             </a:endParaRPr>
           </a:p>
@@ -16422,22 +16632,7 @@
               <a:buFont typeface="Arial,Sans-Serif"/>
               <a:buChar char="•"/>
             </a:pPr>
-            <a:r>
-              <a:rPr lang="en-US" dirty="0">
-                <a:ea typeface="Source Sans Pro Light"/>
-                <a:cs typeface="Arial"/>
-              </a:rPr>
-              <a:t>Blogsite: </a:t>
-            </a:r>
-            <a:r>
-              <a:rPr lang="en-US" dirty="0">
-                <a:ea typeface="Source Sans Pro Light"/>
-                <a:cs typeface="Arial"/>
-                <a:hlinkClick r:id="rId5"/>
-              </a:rPr>
-              <a:t>www.svirlan.com</a:t>
-            </a:r>
-            <a:endParaRPr lang="en-US" dirty="0">
+            <a:endParaRPr lang="en-US">
               <a:ea typeface="Source Sans Pro Light"/>
               <a:cs typeface="Arial"/>
             </a:endParaRPr>
@@ -16450,163 +16645,13 @@
               <a:buFont typeface="Arial,Sans-Serif"/>
               <a:buChar char="•"/>
             </a:pPr>
-            <a:endParaRPr lang="en-US" dirty="0">
+            <a:endParaRPr lang="en-US">
               <a:ea typeface="Source Sans Pro Light"/>
               <a:cs typeface="Arial"/>
             </a:endParaRPr>
           </a:p>
-          <a:p>
-            <a:pPr marL="285750" indent="-285750">
-              <a:lnSpc>
-                <a:spcPts val="1800"/>
-              </a:lnSpc>
-              <a:buFont typeface="Arial,Sans-Serif"/>
-              <a:buChar char="•"/>
-            </a:pPr>
-            <a:endParaRPr lang="en-US" dirty="0">
-              <a:ea typeface="Source Sans Pro Light"/>
-              <a:cs typeface="Arial"/>
-            </a:endParaRPr>
-          </a:p>
-          <a:p>
-            <a:pPr marL="285750" indent="-285750">
-              <a:lnSpc>
-                <a:spcPts val="1800"/>
-              </a:lnSpc>
-              <a:buFont typeface="Arial,Sans-Serif"/>
-              <a:buChar char="•"/>
-            </a:pPr>
-            <a:r>
-              <a:rPr lang="en-US" dirty="0">
-                <a:ea typeface="Source Sans Pro Light"/>
-                <a:cs typeface="Arial"/>
-              </a:rPr>
-              <a:t>Beyond the Ledgers: Cutting-Edge Data Insights with</a:t>
-            </a:r>
-            <a:br>
-              <a:rPr lang="en-US" dirty="0">
-                <a:ea typeface="Source Sans Pro Light"/>
-                <a:cs typeface="Arial"/>
-              </a:rPr>
-            </a:br>
-            <a:r>
-              <a:rPr lang="en-US" dirty="0">
-                <a:ea typeface="Source Sans Pro Light"/>
-                <a:cs typeface="Arial"/>
-              </a:rPr>
-              <a:t>Business Central and AI</a:t>
-            </a:r>
-            <a:br>
-              <a:rPr lang="en-US" dirty="0">
-                <a:ea typeface="Source Sans Pro Light"/>
-                <a:cs typeface="Arial"/>
-              </a:rPr>
-            </a:br>
-            <a:endParaRPr lang="en-US" dirty="0">
-              <a:ea typeface="Source Sans Pro Light"/>
-              <a:cs typeface="Arial"/>
-            </a:endParaRPr>
-          </a:p>
-          <a:p>
-            <a:pPr>
-              <a:lnSpc>
-                <a:spcPts val="1800"/>
-              </a:lnSpc>
-            </a:pPr>
-            <a:r>
-              <a:rPr lang="en-US" dirty="0">
-                <a:ea typeface="Source Sans Pro Light"/>
-                <a:cs typeface="Arial"/>
-              </a:rPr>
-              <a:t>       </a:t>
-            </a:r>
-            <a:r>
-              <a:rPr lang="en-US" dirty="0">
-                <a:ea typeface="Source Sans Pro Light"/>
-                <a:cs typeface="Arial"/>
-                <a:hlinkClick r:id="rId6"/>
-              </a:rPr>
-              <a:t>https://leanpub.com/BCLedgerEntriesInsights</a:t>
-            </a:r>
-            <a:r>
-              <a:rPr lang="en-US" dirty="0">
-                <a:ea typeface="Source Sans Pro Light"/>
-                <a:cs typeface="Arial"/>
-              </a:rPr>
-              <a:t> </a:t>
-            </a:r>
-          </a:p>
-          <a:p>
-            <a:pPr marL="285750" indent="-285750">
-              <a:lnSpc>
-                <a:spcPts val="1800"/>
-              </a:lnSpc>
-              <a:buFont typeface="Arial,Sans-Serif"/>
-              <a:buChar char="•"/>
-            </a:pPr>
-            <a:endParaRPr lang="en-US" dirty="0">
-              <a:ea typeface="Source Sans Pro Light"/>
-              <a:cs typeface="Arial"/>
-            </a:endParaRPr>
-          </a:p>
-          <a:p>
-            <a:pPr marL="285750" indent="-285750">
-              <a:lnSpc>
-                <a:spcPts val="1800"/>
-              </a:lnSpc>
-              <a:buFont typeface="Arial,Sans-Serif"/>
-              <a:buChar char="•"/>
-            </a:pPr>
-            <a:endParaRPr lang="en-US" dirty="0">
-              <a:ea typeface="Source Sans Pro Light"/>
-              <a:cs typeface="Arial"/>
-            </a:endParaRPr>
-          </a:p>
-          <a:p>
-            <a:pPr marL="285750" indent="-285750">
-              <a:lnSpc>
-                <a:spcPts val="1800"/>
-              </a:lnSpc>
-              <a:buFont typeface="Arial,Sans-Serif"/>
-              <a:buChar char="•"/>
-            </a:pPr>
-            <a:endParaRPr lang="en-US" dirty="0">
-              <a:ea typeface="Source Sans Pro Light"/>
-              <a:cs typeface="Arial"/>
-            </a:endParaRPr>
-          </a:p>
         </p:txBody>
       </p:sp>
-      <p:pic>
-        <p:nvPicPr>
-          <p:cNvPr id="6" name="Picture 5">
-            <a:extLst>
-              <a:ext uri="{FF2B5EF4-FFF2-40B4-BE49-F238E27FC236}">
-                <a16:creationId xmlns:a16="http://schemas.microsoft.com/office/drawing/2014/main" id="{FF16A137-BEDD-0F57-5BD7-AF05BB8D3F42}"/>
-              </a:ext>
-            </a:extLst>
-          </p:cNvPr>
-          <p:cNvPicPr>
-            <a:picLocks noChangeAspect="1"/>
-          </p:cNvPicPr>
-          <p:nvPr/>
-        </p:nvPicPr>
-        <p:blipFill>
-          <a:blip r:embed="rId7"/>
-          <a:stretch>
-            <a:fillRect/>
-          </a:stretch>
-        </p:blipFill>
-        <p:spPr>
-          <a:xfrm>
-            <a:off x="6677527" y="3771067"/>
-            <a:ext cx="1813232" cy="2312358"/>
-          </a:xfrm>
-          <a:prstGeom prst="rect">
-            <a:avLst/>
-          </a:prstGeom>
-        </p:spPr>
-      </p:pic>
     </p:spTree>
     <p:extLst>
       <p:ext uri="{BB962C8B-B14F-4D97-AF65-F5344CB8AC3E}">
@@ -16983,7 +17028,7 @@
         </p:blipFill>
         <p:spPr>
           <a:xfrm>
-            <a:off x="4141404" y="171446"/>
+            <a:off x="4141404" y="331867"/>
             <a:ext cx="7874207" cy="6185952"/>
           </a:xfrm>
           <a:prstGeom prst="rect">
@@ -17134,7 +17179,7 @@
               <a:buChar char="•"/>
             </a:pPr>
             <a:r>
-              <a:rPr lang="en-US" sz="4000" dirty="0"/>
+              <a:rPr lang="en-US" sz="4000"/>
               <a:t>Truck Fill Pricing (¼, ½ and Full)</a:t>
             </a:r>
           </a:p>
@@ -17144,7 +17189,7 @@
               <a:buChar char="•"/>
             </a:pPr>
             <a:r>
-              <a:rPr lang="en-US" sz="4000" dirty="0"/>
+              <a:rPr lang="en-US" sz="4000"/>
               <a:t>Contract Pricing</a:t>
             </a:r>
           </a:p>
@@ -17154,7 +17199,7 @@
               <a:buChar char="•"/>
             </a:pPr>
             <a:r>
-              <a:rPr lang="en-US" sz="4000" dirty="0"/>
+              <a:rPr lang="en-US" sz="4000"/>
               <a:t>Location/Distance Specific Pricing (i.e. Ship-to)</a:t>
             </a:r>
           </a:p>
@@ -17387,12 +17432,8 @@
           <a:lstStyle/>
           <a:p>
             <a:r>
-              <a:rPr lang="en-US" sz="2400" b="1" u="sng" dirty="0"/>
-              <a:t>Interfaces</a:t>
-            </a:r>
-            <a:r>
               <a:rPr lang="en-US" sz="2400" b="1" u="sng"/>
-              <a:t> Involved</a:t>
+              <a:t>Interfaces Involved</a:t>
             </a:r>
           </a:p>
           <a:p>
@@ -17404,7 +17445,7 @@
               <a:rPr lang="en-US" sz="2400"/>
               <a:t>Price Source Group</a:t>
             </a:r>
-            <a:endParaRPr lang="en-US" sz="2400" dirty="0">
+            <a:endParaRPr lang="en-US" sz="2400">
               <a:ea typeface="Source Sans Pro Light"/>
             </a:endParaRPr>
           </a:p>
@@ -17417,7 +17458,7 @@
               <a:rPr lang="en-US" sz="2400"/>
               <a:t>Price Calculation</a:t>
             </a:r>
-            <a:endParaRPr lang="en-US" sz="2400" dirty="0">
+            <a:endParaRPr lang="en-US" sz="2400">
               <a:ea typeface="Source Sans Pro Light"/>
             </a:endParaRPr>
           </a:p>
@@ -17430,7 +17471,7 @@
               <a:rPr lang="en-US" sz="2400"/>
               <a:t>Price Source</a:t>
             </a:r>
-            <a:endParaRPr lang="en-US" sz="2400" dirty="0">
+            <a:endParaRPr lang="en-US" sz="2400">
               <a:ea typeface="Source Sans Pro Light"/>
             </a:endParaRPr>
           </a:p>
@@ -17443,7 +17484,7 @@
               <a:rPr lang="en-US" sz="2400"/>
               <a:t>Price Asset</a:t>
             </a:r>
-            <a:endParaRPr lang="en-US" sz="2400" dirty="0">
+            <a:endParaRPr lang="en-US" sz="2400">
               <a:ea typeface="Source Sans Pro Light"/>
             </a:endParaRPr>
           </a:p>
@@ -17456,7 +17497,7 @@
               <a:rPr lang="en-US" sz="2400"/>
               <a:t>Line With Price</a:t>
             </a:r>
-            <a:endParaRPr lang="en-US" sz="2400" dirty="0">
+            <a:endParaRPr lang="en-US" sz="2400">
               <a:ea typeface="Source Sans Pro Light"/>
             </a:endParaRPr>
           </a:p>
@@ -18371,15 +18412,6 @@
 </file>
 
 <file path=customXml/item2.xml><?xml version="1.0" encoding="utf-8"?>
-<?mso-contentType ?>
-<FormTemplates xmlns="http://schemas.microsoft.com/sharepoint/v3/contenttype/forms">
-  <Display>DocumentLibraryForm</Display>
-  <Edit>DocumentLibraryForm</Edit>
-  <New>DocumentLibraryForm</New>
-</FormTemplates>
-</file>
-
-<file path=customXml/item3.xml><?xml version="1.0" encoding="utf-8"?>
 <p:properties xmlns:p="http://schemas.microsoft.com/office/2006/metadata/properties" xmlns:xsi="http://www.w3.org/2001/XMLSchema-instance" xmlns:pc="http://schemas.microsoft.com/office/infopath/2007/PartnerControls">
   <documentManagement>
     <_Flow_SignoffStatus xmlns="9710f558-28cf-4500-9b77-facf54a6c71f" xsi:nil="true"/>
@@ -18391,6 +18423,15 @@
     <TaxCatchAll xmlns="11e31a54-80c8-44d7-966c-92eafe45765e" xsi:nil="true"/>
   </documentManagement>
 </p:properties>
+</file>
+
+<file path=customXml/item3.xml><?xml version="1.0" encoding="utf-8"?>
+<?mso-contentType ?>
+<FormTemplates xmlns="http://schemas.microsoft.com/sharepoint/v3/contenttype/forms">
+  <Display>DocumentLibraryForm</Display>
+  <Edit>DocumentLibraryForm</Edit>
+  <New>DocumentLibraryForm</New>
+</FormTemplates>
 </file>
 
 <file path=customXml/itemProps1.xml><?xml version="1.0" encoding="utf-8"?>
@@ -18414,14 +18455,6 @@
 </file>
 
 <file path=customXml/itemProps2.xml><?xml version="1.0" encoding="utf-8"?>
-<ds:datastoreItem xmlns:ds="http://schemas.openxmlformats.org/officeDocument/2006/customXml" ds:itemID="{7B56731E-B489-4F21-B155-506F816FFECE}">
-  <ds:schemaRefs>
-    <ds:schemaRef ds:uri="http://schemas.microsoft.com/sharepoint/v3/contenttype/forms"/>
-  </ds:schemaRefs>
-</ds:datastoreItem>
-</file>
-
-<file path=customXml/itemProps3.xml><?xml version="1.0" encoding="utf-8"?>
 <ds:datastoreItem xmlns:ds="http://schemas.openxmlformats.org/officeDocument/2006/customXml" ds:itemID="{0F6D3B88-D765-4E38-A347-8E8B7E84EB8A}">
   <ds:schemaRefs>
     <ds:schemaRef ds:uri="11e31a54-80c8-44d7-966c-92eafe45765e"/>
@@ -18430,4 +18463,12 @@
     <ds:schemaRef ds:uri="http://schemas.microsoft.com/office/infopath/2007/PartnerControls"/>
   </ds:schemaRefs>
 </ds:datastoreItem>
+</file>
+
+<file path=customXml/itemProps3.xml><?xml version="1.0" encoding="utf-8"?>
+<ds:datastoreItem xmlns:ds="http://schemas.openxmlformats.org/officeDocument/2006/customXml" ds:itemID="{7B56731E-B489-4F21-B155-506F816FFECE}">
+  <ds:schemaRefs>
+    <ds:schemaRef ds:uri="http://schemas.microsoft.com/sharepoint/v3/contenttype/forms"/>
+  </ds:schemaRefs>
+</ds:datastoreItem>
 </file>